--- a/Nouveau Présentation Microsoft PowerPoint.pptx
+++ b/Nouveau Présentation Microsoft PowerPoint.pptx
@@ -4,16 +4,25 @@
   <p:sldMasterIdLst>
     <p:sldMasterId id="2147483648" r:id="rId1"/>
   </p:sldMasterIdLst>
+  <p:notesMasterIdLst>
+    <p:notesMasterId r:id="rId11"/>
+  </p:notesMasterIdLst>
   <p:sldIdLst>
     <p:sldId id="256" r:id="rId2"/>
     <p:sldId id="257" r:id="rId3"/>
     <p:sldId id="258" r:id="rId4"/>
+    <p:sldId id="259" r:id="rId5"/>
+    <p:sldId id="260" r:id="rId6"/>
+    <p:sldId id="261" r:id="rId7"/>
+    <p:sldId id="262" r:id="rId8"/>
+    <p:sldId id="263" r:id="rId9"/>
+    <p:sldId id="264" r:id="rId10"/>
   </p:sldIdLst>
   <p:sldSz cx="12192000" cy="6858000"/>
   <p:notesSz cx="6858000" cy="9144000"/>
   <p:defaultTextStyle>
     <a:defPPr>
-      <a:defRPr lang="fr-FR"/>
+      <a:defRPr lang="en-US"/>
     </a:defPPr>
     <a:lvl1pPr marL="0" algn="l" defTabSz="914400" rtl="0" eaLnBrk="1" latinLnBrk="0" hangingPunct="1">
       <a:defRPr sz="1800" kern="1200">
@@ -114,103 +123,438 @@
 </p:presentation>
 </file>
 
-<file path=ppt/revisionInfo.xml><?xml version="1.0" encoding="utf-8"?>
-<p1510:revInfo xmlns:a="http://schemas.openxmlformats.org/drawingml/2006/main" xmlns:r="http://schemas.openxmlformats.org/officeDocument/2006/relationships" xmlns:p1510="http://schemas.microsoft.com/office/powerpoint/2015/10/main">
-  <p1510:revLst>
-    <p1510:client id="{2DC0DC02-D087-46CE-A6DA-BDD5F50D2208}" v="9" dt="2024-10-04T12:22:21.846"/>
-  </p1510:revLst>
-</p1510:revInfo>
+<file path=ppt/notesMasters/notesMaster1.xml><?xml version="1.0" encoding="utf-8"?>
+<p:notesMaster xmlns:a="http://schemas.openxmlformats.org/drawingml/2006/main" xmlns:r="http://schemas.openxmlformats.org/officeDocument/2006/relationships" xmlns:p="http://schemas.openxmlformats.org/presentationml/2006/main">
+  <p:cSld>
+    <p:bg>
+      <p:bgRef idx="1001">
+        <a:schemeClr val="bg1"/>
+      </p:bgRef>
+    </p:bg>
+    <p:spTree>
+      <p:nvGrpSpPr>
+        <p:cNvPr id="1" name=""/>
+        <p:cNvGrpSpPr/>
+        <p:nvPr/>
+      </p:nvGrpSpPr>
+      <p:grpSpPr>
+        <a:xfrm>
+          <a:off x="0" y="0"/>
+          <a:ext cx="0" cy="0"/>
+          <a:chOff x="0" y="0"/>
+          <a:chExt cx="0" cy="0"/>
+        </a:xfrm>
+      </p:grpSpPr>
+      <p:sp>
+        <p:nvSpPr>
+          <p:cNvPr id="2" name="Espace réservé de l'en-tête 1"/>
+          <p:cNvSpPr>
+            <a:spLocks noGrp="1"/>
+          </p:cNvSpPr>
+          <p:nvPr>
+            <p:ph type="hdr" sz="quarter"/>
+          </p:nvPr>
+        </p:nvSpPr>
+        <p:spPr>
+          <a:xfrm>
+            <a:off x="0" y="0"/>
+            <a:ext cx="2971800" cy="458788"/>
+          </a:xfrm>
+          <a:prstGeom prst="rect">
+            <a:avLst/>
+          </a:prstGeom>
+        </p:spPr>
+        <p:txBody>
+          <a:bodyPr vert="horz" lIns="91440" tIns="45720" rIns="91440" bIns="45720" rtlCol="0"/>
+          <a:lstStyle>
+            <a:lvl1pPr algn="l">
+              <a:defRPr sz="1200"/>
+            </a:lvl1pPr>
+          </a:lstStyle>
+          <a:p>
+            <a:endParaRPr lang="en-US"/>
+          </a:p>
+        </p:txBody>
+      </p:sp>
+      <p:sp>
+        <p:nvSpPr>
+          <p:cNvPr id="3" name="Espace réservé de la date 2"/>
+          <p:cNvSpPr>
+            <a:spLocks noGrp="1"/>
+          </p:cNvSpPr>
+          <p:nvPr>
+            <p:ph type="dt" idx="1"/>
+          </p:nvPr>
+        </p:nvSpPr>
+        <p:spPr>
+          <a:xfrm>
+            <a:off x="3884613" y="0"/>
+            <a:ext cx="2971800" cy="458788"/>
+          </a:xfrm>
+          <a:prstGeom prst="rect">
+            <a:avLst/>
+          </a:prstGeom>
+        </p:spPr>
+        <p:txBody>
+          <a:bodyPr vert="horz" lIns="91440" tIns="45720" rIns="91440" bIns="45720" rtlCol="0"/>
+          <a:lstStyle>
+            <a:lvl1pPr algn="r">
+              <a:defRPr sz="1200"/>
+            </a:lvl1pPr>
+          </a:lstStyle>
+          <a:p>
+            <a:fld id="{0500E7BB-84BD-4BD1-AF01-256E15EC8D70}" type="datetimeFigureOut">
+              <a:rPr lang="en-US" smtClean="0"/>
+              <a:t>10/17/2024</a:t>
+            </a:fld>
+            <a:endParaRPr lang="en-US"/>
+          </a:p>
+        </p:txBody>
+      </p:sp>
+      <p:sp>
+        <p:nvSpPr>
+          <p:cNvPr id="4" name="Espace réservé de l'image des diapositives 3"/>
+          <p:cNvSpPr>
+            <a:spLocks noGrp="1" noRot="1" noChangeAspect="1"/>
+          </p:cNvSpPr>
+          <p:nvPr>
+            <p:ph type="sldImg" idx="2"/>
+          </p:nvPr>
+        </p:nvSpPr>
+        <p:spPr>
+          <a:xfrm>
+            <a:off x="685800" y="1143000"/>
+            <a:ext cx="5486400" cy="3086100"/>
+          </a:xfrm>
+          <a:prstGeom prst="rect">
+            <a:avLst/>
+          </a:prstGeom>
+          <a:noFill/>
+          <a:ln w="12700">
+            <a:solidFill>
+              <a:prstClr val="black"/>
+            </a:solidFill>
+          </a:ln>
+        </p:spPr>
+        <p:txBody>
+          <a:bodyPr vert="horz" lIns="91440" tIns="45720" rIns="91440" bIns="45720" rtlCol="0" anchor="ctr"/>
+          <a:lstStyle/>
+          <a:p>
+            <a:endParaRPr lang="en-US"/>
+          </a:p>
+        </p:txBody>
+      </p:sp>
+      <p:sp>
+        <p:nvSpPr>
+          <p:cNvPr id="5" name="Espace réservé des notes 4"/>
+          <p:cNvSpPr>
+            <a:spLocks noGrp="1"/>
+          </p:cNvSpPr>
+          <p:nvPr>
+            <p:ph type="body" sz="quarter" idx="3"/>
+          </p:nvPr>
+        </p:nvSpPr>
+        <p:spPr>
+          <a:xfrm>
+            <a:off x="685800" y="4400550"/>
+            <a:ext cx="5486400" cy="3600450"/>
+          </a:xfrm>
+          <a:prstGeom prst="rect">
+            <a:avLst/>
+          </a:prstGeom>
+        </p:spPr>
+        <p:txBody>
+          <a:bodyPr vert="horz" lIns="91440" tIns="45720" rIns="91440" bIns="45720" rtlCol="0"/>
+          <a:lstStyle/>
+          <a:p>
+            <a:pPr lvl="0"/>
+            <a:r>
+              <a:rPr lang="fr-FR" smtClean="0"/>
+              <a:t>Modifier les styles du texte du masque</a:t>
+            </a:r>
+          </a:p>
+          <a:p>
+            <a:pPr lvl="1"/>
+            <a:r>
+              <a:rPr lang="fr-FR" smtClean="0"/>
+              <a:t>Deuxième niveau</a:t>
+            </a:r>
+          </a:p>
+          <a:p>
+            <a:pPr lvl="2"/>
+            <a:r>
+              <a:rPr lang="fr-FR" smtClean="0"/>
+              <a:t>Troisième niveau</a:t>
+            </a:r>
+          </a:p>
+          <a:p>
+            <a:pPr lvl="3"/>
+            <a:r>
+              <a:rPr lang="fr-FR" smtClean="0"/>
+              <a:t>Quatrième niveau</a:t>
+            </a:r>
+          </a:p>
+          <a:p>
+            <a:pPr lvl="4"/>
+            <a:r>
+              <a:rPr lang="fr-FR" smtClean="0"/>
+              <a:t>Cinquième niveau</a:t>
+            </a:r>
+            <a:endParaRPr lang="en-US"/>
+          </a:p>
+        </p:txBody>
+      </p:sp>
+      <p:sp>
+        <p:nvSpPr>
+          <p:cNvPr id="6" name="Espace réservé du pied de page 5"/>
+          <p:cNvSpPr>
+            <a:spLocks noGrp="1"/>
+          </p:cNvSpPr>
+          <p:nvPr>
+            <p:ph type="ftr" sz="quarter" idx="4"/>
+          </p:nvPr>
+        </p:nvSpPr>
+        <p:spPr>
+          <a:xfrm>
+            <a:off x="0" y="8685213"/>
+            <a:ext cx="2971800" cy="458787"/>
+          </a:xfrm>
+          <a:prstGeom prst="rect">
+            <a:avLst/>
+          </a:prstGeom>
+        </p:spPr>
+        <p:txBody>
+          <a:bodyPr vert="horz" lIns="91440" tIns="45720" rIns="91440" bIns="45720" rtlCol="0" anchor="b"/>
+          <a:lstStyle>
+            <a:lvl1pPr algn="l">
+              <a:defRPr sz="1200"/>
+            </a:lvl1pPr>
+          </a:lstStyle>
+          <a:p>
+            <a:endParaRPr lang="en-US"/>
+          </a:p>
+        </p:txBody>
+      </p:sp>
+      <p:sp>
+        <p:nvSpPr>
+          <p:cNvPr id="7" name="Espace réservé du numéro de diapositive 6"/>
+          <p:cNvSpPr>
+            <a:spLocks noGrp="1"/>
+          </p:cNvSpPr>
+          <p:nvPr>
+            <p:ph type="sldNum" sz="quarter" idx="5"/>
+          </p:nvPr>
+        </p:nvSpPr>
+        <p:spPr>
+          <a:xfrm>
+            <a:off x="3884613" y="8685213"/>
+            <a:ext cx="2971800" cy="458787"/>
+          </a:xfrm>
+          <a:prstGeom prst="rect">
+            <a:avLst/>
+          </a:prstGeom>
+        </p:spPr>
+        <p:txBody>
+          <a:bodyPr vert="horz" lIns="91440" tIns="45720" rIns="91440" bIns="45720" rtlCol="0" anchor="b"/>
+          <a:lstStyle>
+            <a:lvl1pPr algn="r">
+              <a:defRPr sz="1200"/>
+            </a:lvl1pPr>
+          </a:lstStyle>
+          <a:p>
+            <a:fld id="{28FA5C25-7651-4876-887A-8B73E0BFF353}" type="slidenum">
+              <a:rPr lang="en-US" smtClean="0"/>
+              <a:t>‹N°›</a:t>
+            </a:fld>
+            <a:endParaRPr lang="en-US"/>
+          </a:p>
+        </p:txBody>
+      </p:sp>
+    </p:spTree>
+    <p:extLst>
+      <p:ext uri="{BB962C8B-B14F-4D97-AF65-F5344CB8AC3E}">
+        <p14:creationId xmlns:p14="http://schemas.microsoft.com/office/powerpoint/2010/main" val="3576873226"/>
+      </p:ext>
+    </p:extLst>
+  </p:cSld>
+  <p:clrMap bg1="lt1" tx1="dk1" bg2="lt2" tx2="dk2" accent1="accent1" accent2="accent2" accent3="accent3" accent4="accent4" accent5="accent5" accent6="accent6" hlink="hlink" folHlink="folHlink"/>
+  <p:notesStyle>
+    <a:lvl1pPr marL="0" algn="l" defTabSz="914400" rtl="0" eaLnBrk="1" latinLnBrk="0" hangingPunct="1">
+      <a:defRPr sz="1200" kern="1200">
+        <a:solidFill>
+          <a:schemeClr val="tx1"/>
+        </a:solidFill>
+        <a:latin typeface="+mn-lt"/>
+        <a:ea typeface="+mn-ea"/>
+        <a:cs typeface="+mn-cs"/>
+      </a:defRPr>
+    </a:lvl1pPr>
+    <a:lvl2pPr marL="457200" algn="l" defTabSz="914400" rtl="0" eaLnBrk="1" latinLnBrk="0" hangingPunct="1">
+      <a:defRPr sz="1200" kern="1200">
+        <a:solidFill>
+          <a:schemeClr val="tx1"/>
+        </a:solidFill>
+        <a:latin typeface="+mn-lt"/>
+        <a:ea typeface="+mn-ea"/>
+        <a:cs typeface="+mn-cs"/>
+      </a:defRPr>
+    </a:lvl2pPr>
+    <a:lvl3pPr marL="914400" algn="l" defTabSz="914400" rtl="0" eaLnBrk="1" latinLnBrk="0" hangingPunct="1">
+      <a:defRPr sz="1200" kern="1200">
+        <a:solidFill>
+          <a:schemeClr val="tx1"/>
+        </a:solidFill>
+        <a:latin typeface="+mn-lt"/>
+        <a:ea typeface="+mn-ea"/>
+        <a:cs typeface="+mn-cs"/>
+      </a:defRPr>
+    </a:lvl3pPr>
+    <a:lvl4pPr marL="1371600" algn="l" defTabSz="914400" rtl="0" eaLnBrk="1" latinLnBrk="0" hangingPunct="1">
+      <a:defRPr sz="1200" kern="1200">
+        <a:solidFill>
+          <a:schemeClr val="tx1"/>
+        </a:solidFill>
+        <a:latin typeface="+mn-lt"/>
+        <a:ea typeface="+mn-ea"/>
+        <a:cs typeface="+mn-cs"/>
+      </a:defRPr>
+    </a:lvl4pPr>
+    <a:lvl5pPr marL="1828800" algn="l" defTabSz="914400" rtl="0" eaLnBrk="1" latinLnBrk="0" hangingPunct="1">
+      <a:defRPr sz="1200" kern="1200">
+        <a:solidFill>
+          <a:schemeClr val="tx1"/>
+        </a:solidFill>
+        <a:latin typeface="+mn-lt"/>
+        <a:ea typeface="+mn-ea"/>
+        <a:cs typeface="+mn-cs"/>
+      </a:defRPr>
+    </a:lvl5pPr>
+    <a:lvl6pPr marL="2286000" algn="l" defTabSz="914400" rtl="0" eaLnBrk="1" latinLnBrk="0" hangingPunct="1">
+      <a:defRPr sz="1200" kern="1200">
+        <a:solidFill>
+          <a:schemeClr val="tx1"/>
+        </a:solidFill>
+        <a:latin typeface="+mn-lt"/>
+        <a:ea typeface="+mn-ea"/>
+        <a:cs typeface="+mn-cs"/>
+      </a:defRPr>
+    </a:lvl6pPr>
+    <a:lvl7pPr marL="2743200" algn="l" defTabSz="914400" rtl="0" eaLnBrk="1" latinLnBrk="0" hangingPunct="1">
+      <a:defRPr sz="1200" kern="1200">
+        <a:solidFill>
+          <a:schemeClr val="tx1"/>
+        </a:solidFill>
+        <a:latin typeface="+mn-lt"/>
+        <a:ea typeface="+mn-ea"/>
+        <a:cs typeface="+mn-cs"/>
+      </a:defRPr>
+    </a:lvl7pPr>
+    <a:lvl8pPr marL="3200400" algn="l" defTabSz="914400" rtl="0" eaLnBrk="1" latinLnBrk="0" hangingPunct="1">
+      <a:defRPr sz="1200" kern="1200">
+        <a:solidFill>
+          <a:schemeClr val="tx1"/>
+        </a:solidFill>
+        <a:latin typeface="+mn-lt"/>
+        <a:ea typeface="+mn-ea"/>
+        <a:cs typeface="+mn-cs"/>
+      </a:defRPr>
+    </a:lvl8pPr>
+    <a:lvl9pPr marL="3657600" algn="l" defTabSz="914400" rtl="0" eaLnBrk="1" latinLnBrk="0" hangingPunct="1">
+      <a:defRPr sz="1200" kern="1200">
+        <a:solidFill>
+          <a:schemeClr val="tx1"/>
+        </a:solidFill>
+        <a:latin typeface="+mn-lt"/>
+        <a:ea typeface="+mn-ea"/>
+        <a:cs typeface="+mn-cs"/>
+      </a:defRPr>
+    </a:lvl9pPr>
+  </p:notesStyle>
+</p:notesMaster>
 </file>
 
-<file path=ppt/changesInfos/changesInfo1.xml><?xml version="1.0" encoding="utf-8"?>
-<pc:chgInfo xmlns:a="http://schemas.openxmlformats.org/drawingml/2006/main" xmlns:r="http://schemas.openxmlformats.org/officeDocument/2006/relationships" xmlns:ac="http://schemas.microsoft.com/office/drawing/2013/main/command" xmlns:pc="http://schemas.microsoft.com/office/powerpoint/2013/main/command">
-  <pc:docChgLst>
-    <pc:chgData name="RAZAFINDRAVELO, Tantelison Odilon (COLAS MADA)" userId="0b678112-4431-42d1-aa39-6880e2121ca0" providerId="ADAL" clId="{2DC0DC02-D087-46CE-A6DA-BDD5F50D2208}"/>
-    <pc:docChg chg="custSel addSld modSld">
-      <pc:chgData name="RAZAFINDRAVELO, Tantelison Odilon (COLAS MADA)" userId="0b678112-4431-42d1-aa39-6880e2121ca0" providerId="ADAL" clId="{2DC0DC02-D087-46CE-A6DA-BDD5F50D2208}" dt="2024-10-04T12:22:21.846" v="13"/>
-      <pc:docMkLst>
-        <pc:docMk/>
-      </pc:docMkLst>
-      <pc:sldChg chg="addSp delSp modSp new mod">
-        <pc:chgData name="RAZAFINDRAVELO, Tantelison Odilon (COLAS MADA)" userId="0b678112-4431-42d1-aa39-6880e2121ca0" providerId="ADAL" clId="{2DC0DC02-D087-46CE-A6DA-BDD5F50D2208}" dt="2024-10-04T12:18:06.485" v="9"/>
-        <pc:sldMkLst>
-          <pc:docMk/>
-          <pc:sldMk cId="2186309702" sldId="256"/>
-        </pc:sldMkLst>
-        <pc:spChg chg="add del mod">
-          <ac:chgData name="RAZAFINDRAVELO, Tantelison Odilon (COLAS MADA)" userId="0b678112-4431-42d1-aa39-6880e2121ca0" providerId="ADAL" clId="{2DC0DC02-D087-46CE-A6DA-BDD5F50D2208}" dt="2024-10-04T12:12:03.200" v="3" actId="478"/>
-          <ac:spMkLst>
-            <pc:docMk/>
-            <pc:sldMk cId="2186309702" sldId="256"/>
-            <ac:spMk id="4" creationId="{0F9D5ECE-9F55-B492-5509-B0EF6B56D5FD}"/>
-          </ac:spMkLst>
-        </pc:spChg>
-        <pc:picChg chg="add mod">
-          <ac:chgData name="RAZAFINDRAVELO, Tantelison Odilon (COLAS MADA)" userId="0b678112-4431-42d1-aa39-6880e2121ca0" providerId="ADAL" clId="{2DC0DC02-D087-46CE-A6DA-BDD5F50D2208}" dt="2024-10-04T12:18:06.485" v="9"/>
-          <ac:picMkLst>
-            <pc:docMk/>
-            <pc:sldMk cId="2186309702" sldId="256"/>
-            <ac:picMk id="4" creationId="{DA215AA2-231B-FE10-35CA-861D53D4BC35}"/>
-          </ac:picMkLst>
-        </pc:picChg>
-        <pc:picChg chg="add del mod">
-          <ac:chgData name="RAZAFINDRAVELO, Tantelison Odilon (COLAS MADA)" userId="0b678112-4431-42d1-aa39-6880e2121ca0" providerId="ADAL" clId="{2DC0DC02-D087-46CE-A6DA-BDD5F50D2208}" dt="2024-10-04T12:13:26.293" v="8" actId="478"/>
-          <ac:picMkLst>
-            <pc:docMk/>
-            <pc:sldMk cId="2186309702" sldId="256"/>
-            <ac:picMk id="1026" creationId="{C357C8A1-C826-09BE-A87A-C28FE0C10D86}"/>
-          </ac:picMkLst>
-        </pc:picChg>
-      </pc:sldChg>
-      <pc:sldChg chg="addSp modSp new">
-        <pc:chgData name="RAZAFINDRAVELO, Tantelison Odilon (COLAS MADA)" userId="0b678112-4431-42d1-aa39-6880e2121ca0" providerId="ADAL" clId="{2DC0DC02-D087-46CE-A6DA-BDD5F50D2208}" dt="2024-10-04T12:20:24.312" v="11"/>
-        <pc:sldMkLst>
-          <pc:docMk/>
-          <pc:sldMk cId="3009418033" sldId="257"/>
-        </pc:sldMkLst>
-        <pc:spChg chg="add mod">
-          <ac:chgData name="RAZAFINDRAVELO, Tantelison Odilon (COLAS MADA)" userId="0b678112-4431-42d1-aa39-6880e2121ca0" providerId="ADAL" clId="{2DC0DC02-D087-46CE-A6DA-BDD5F50D2208}" dt="2024-10-04T12:20:24.312" v="11"/>
-          <ac:spMkLst>
-            <pc:docMk/>
-            <pc:sldMk cId="3009418033" sldId="257"/>
-            <ac:spMk id="4" creationId="{A25960CD-10EE-D449-ABF3-6A1F0B3FE679}"/>
-          </ac:spMkLst>
-        </pc:spChg>
-      </pc:sldChg>
-      <pc:sldChg chg="addSp modSp new">
-        <pc:chgData name="RAZAFINDRAVELO, Tantelison Odilon (COLAS MADA)" userId="0b678112-4431-42d1-aa39-6880e2121ca0" providerId="ADAL" clId="{2DC0DC02-D087-46CE-A6DA-BDD5F50D2208}" dt="2024-10-04T12:22:21.846" v="13"/>
-        <pc:sldMkLst>
-          <pc:docMk/>
-          <pc:sldMk cId="3830888646" sldId="258"/>
-        </pc:sldMkLst>
-        <pc:spChg chg="mod">
-          <ac:chgData name="RAZAFINDRAVELO, Tantelison Odilon (COLAS MADA)" userId="0b678112-4431-42d1-aa39-6880e2121ca0" providerId="ADAL" clId="{2DC0DC02-D087-46CE-A6DA-BDD5F50D2208}" dt="2024-10-04T12:22:21.846" v="13"/>
-          <ac:spMkLst>
-            <pc:docMk/>
-            <pc:sldMk cId="3830888646" sldId="258"/>
-            <ac:spMk id="6" creationId="{E5F16619-43BC-992E-90D2-08E7C249E39F}"/>
-          </ac:spMkLst>
-        </pc:spChg>
-        <pc:grpChg chg="add mod">
-          <ac:chgData name="RAZAFINDRAVELO, Tantelison Odilon (COLAS MADA)" userId="0b678112-4431-42d1-aa39-6880e2121ca0" providerId="ADAL" clId="{2DC0DC02-D087-46CE-A6DA-BDD5F50D2208}" dt="2024-10-04T12:22:21.846" v="13"/>
-          <ac:grpSpMkLst>
-            <pc:docMk/>
-            <pc:sldMk cId="3830888646" sldId="258"/>
-            <ac:grpSpMk id="4" creationId="{E87D0427-DB01-CCAD-B9A8-BB51715D8A8E}"/>
-          </ac:grpSpMkLst>
-        </pc:grpChg>
-        <pc:cxnChg chg="mod">
-          <ac:chgData name="RAZAFINDRAVELO, Tantelison Odilon (COLAS MADA)" userId="0b678112-4431-42d1-aa39-6880e2121ca0" providerId="ADAL" clId="{2DC0DC02-D087-46CE-A6DA-BDD5F50D2208}" dt="2024-10-04T12:22:21.846" v="13"/>
-          <ac:cxnSpMkLst>
-            <pc:docMk/>
-            <pc:sldMk cId="3830888646" sldId="258"/>
-            <ac:cxnSpMk id="5" creationId="{218C90C3-A1AF-76D4-B4AB-F2F626BD5F77}"/>
-          </ac:cxnSpMkLst>
-        </pc:cxnChg>
-      </pc:sldChg>
-    </pc:docChg>
-  </pc:docChgLst>
-</pc:chgInfo>
+<file path=ppt/notesSlides/notesSlide1.xml><?xml version="1.0" encoding="utf-8"?>
+<p:notes xmlns:a="http://schemas.openxmlformats.org/drawingml/2006/main" xmlns:r="http://schemas.openxmlformats.org/officeDocument/2006/relationships" xmlns:p="http://schemas.openxmlformats.org/presentationml/2006/main">
+  <p:cSld>
+    <p:spTree>
+      <p:nvGrpSpPr>
+        <p:cNvPr id="1" name=""/>
+        <p:cNvGrpSpPr/>
+        <p:nvPr/>
+      </p:nvGrpSpPr>
+      <p:grpSpPr>
+        <a:xfrm>
+          <a:off x="0" y="0"/>
+          <a:ext cx="0" cy="0"/>
+          <a:chOff x="0" y="0"/>
+          <a:chExt cx="0" cy="0"/>
+        </a:xfrm>
+      </p:grpSpPr>
+      <p:sp>
+        <p:nvSpPr>
+          <p:cNvPr id="2" name="Espace réservé de l'image des diapositives 1"/>
+          <p:cNvSpPr>
+            <a:spLocks noGrp="1" noRot="1" noChangeAspect="1"/>
+          </p:cNvSpPr>
+          <p:nvPr>
+            <p:ph type="sldImg"/>
+          </p:nvPr>
+        </p:nvSpPr>
+        <p:spPr/>
+      </p:sp>
+      <p:sp>
+        <p:nvSpPr>
+          <p:cNvPr id="3" name="Espace réservé des notes 2"/>
+          <p:cNvSpPr>
+            <a:spLocks noGrp="1"/>
+          </p:cNvSpPr>
+          <p:nvPr>
+            <p:ph type="body" idx="1"/>
+          </p:nvPr>
+        </p:nvSpPr>
+        <p:spPr/>
+        <p:txBody>
+          <a:bodyPr/>
+          <a:lstStyle/>
+          <a:p>
+            <a:endParaRPr lang="en-US" dirty="0"/>
+          </a:p>
+        </p:txBody>
+      </p:sp>
+      <p:sp>
+        <p:nvSpPr>
+          <p:cNvPr id="4" name="Espace réservé du numéro de diapositive 3"/>
+          <p:cNvSpPr>
+            <a:spLocks noGrp="1"/>
+          </p:cNvSpPr>
+          <p:nvPr>
+            <p:ph type="sldNum" sz="quarter" idx="10"/>
+          </p:nvPr>
+        </p:nvSpPr>
+        <p:spPr/>
+        <p:txBody>
+          <a:bodyPr/>
+          <a:lstStyle/>
+          <a:p>
+            <a:fld id="{28FA5C25-7651-4876-887A-8B73E0BFF353}" type="slidenum">
+              <a:rPr lang="en-US" smtClean="0"/>
+              <a:t>1</a:t>
+            </a:fld>
+            <a:endParaRPr lang="en-US"/>
+          </a:p>
+        </p:txBody>
+      </p:sp>
+    </p:spTree>
+    <p:extLst>
+      <p:ext uri="{BB962C8B-B14F-4D97-AF65-F5344CB8AC3E}">
+        <p14:creationId xmlns:p14="http://schemas.microsoft.com/office/powerpoint/2010/main" val="1298740416"/>
+      </p:ext>
+    </p:extLst>
+  </p:cSld>
+  <p:clrMapOvr>
+    <a:masterClrMapping/>
+  </p:clrMapOvr>
+</p:notes>
 </file>
 
 <file path=ppt/slideLayouts/slideLayout1.xml><?xml version="1.0" encoding="utf-8"?>
@@ -232,13 +576,7 @@
       </p:grpSpPr>
       <p:sp>
         <p:nvSpPr>
-          <p:cNvPr id="2" name="Titre 1">
-            <a:extLst>
-              <a:ext uri="{FF2B5EF4-FFF2-40B4-BE49-F238E27FC236}">
-                <a16:creationId xmlns:a16="http://schemas.microsoft.com/office/drawing/2014/main" id="{0874CD31-7AC2-53A1-0A48-A0DF787EE8AA}"/>
-              </a:ext>
-            </a:extLst>
-          </p:cNvPr>
+          <p:cNvPr id="2" name="Titre 1"/>
           <p:cNvSpPr>
             <a:spLocks noGrp="1"/>
           </p:cNvSpPr>
@@ -261,21 +599,16 @@
           </a:lstStyle>
           <a:p>
             <a:r>
-              <a:rPr lang="fr-FR"/>
+              <a:rPr lang="fr-FR" smtClean="0"/>
               <a:t>Modifiez le style du titre</a:t>
             </a:r>
-          </a:p>
-        </p:txBody>
-      </p:sp>
-      <p:sp>
-        <p:nvSpPr>
-          <p:cNvPr id="3" name="Sous-titre 2">
-            <a:extLst>
-              <a:ext uri="{FF2B5EF4-FFF2-40B4-BE49-F238E27FC236}">
-                <a16:creationId xmlns:a16="http://schemas.microsoft.com/office/drawing/2014/main" id="{BC14B9F9-409E-8820-1830-EFC5EDC572F8}"/>
-              </a:ext>
-            </a:extLst>
-          </p:cNvPr>
+            <a:endParaRPr lang="en-US"/>
+          </a:p>
+        </p:txBody>
+      </p:sp>
+      <p:sp>
+        <p:nvSpPr>
+          <p:cNvPr id="3" name="Sous-titre 2"/>
           <p:cNvSpPr>
             <a:spLocks noGrp="1"/>
           </p:cNvSpPr>
@@ -331,21 +664,16 @@
           </a:lstStyle>
           <a:p>
             <a:r>
-              <a:rPr lang="fr-FR"/>
-              <a:t>Modifiez le style des sous-titres du masque</a:t>
-            </a:r>
-          </a:p>
-        </p:txBody>
-      </p:sp>
-      <p:sp>
-        <p:nvSpPr>
-          <p:cNvPr id="4" name="Espace réservé de la date 3">
-            <a:extLst>
-              <a:ext uri="{FF2B5EF4-FFF2-40B4-BE49-F238E27FC236}">
-                <a16:creationId xmlns:a16="http://schemas.microsoft.com/office/drawing/2014/main" id="{B88B1E4D-934C-3FE4-87A6-7AE74A4176B9}"/>
-              </a:ext>
-            </a:extLst>
-          </p:cNvPr>
+              <a:rPr lang="fr-FR" smtClean="0"/>
+              <a:t>Modifier le style des sous-titres du masque</a:t>
+            </a:r>
+            <a:endParaRPr lang="en-US"/>
+          </a:p>
+        </p:txBody>
+      </p:sp>
+      <p:sp>
+        <p:nvSpPr>
+          <p:cNvPr id="4" name="Espace réservé de la date 3"/>
           <p:cNvSpPr>
             <a:spLocks noGrp="1"/>
           </p:cNvSpPr>
@@ -358,23 +686,17 @@
           <a:bodyPr/>
           <a:lstStyle/>
           <a:p>
-            <a:fld id="{94384E3B-C972-4E91-83F9-1D5BD72EB66E}" type="datetimeFigureOut">
-              <a:rPr lang="fr-FR" smtClean="0"/>
-              <a:t>04/10/2024</a:t>
+            <a:fld id="{C69C6884-988C-4BB7-ACB9-800278D48C3B}" type="datetimeFigureOut">
+              <a:rPr lang="en-US" smtClean="0"/>
+              <a:t>10/17/2024</a:t>
             </a:fld>
-            <a:endParaRPr lang="fr-FR"/>
-          </a:p>
-        </p:txBody>
-      </p:sp>
-      <p:sp>
-        <p:nvSpPr>
-          <p:cNvPr id="5" name="Espace réservé du pied de page 4">
-            <a:extLst>
-              <a:ext uri="{FF2B5EF4-FFF2-40B4-BE49-F238E27FC236}">
-                <a16:creationId xmlns:a16="http://schemas.microsoft.com/office/drawing/2014/main" id="{FF20C68B-B7EB-15FF-0614-0BB9FBB599A1}"/>
-              </a:ext>
-            </a:extLst>
-          </p:cNvPr>
+            <a:endParaRPr lang="en-US"/>
+          </a:p>
+        </p:txBody>
+      </p:sp>
+      <p:sp>
+        <p:nvSpPr>
+          <p:cNvPr id="5" name="Espace réservé du pied de page 4"/>
           <p:cNvSpPr>
             <a:spLocks noGrp="1"/>
           </p:cNvSpPr>
@@ -387,19 +709,13 @@
           <a:bodyPr/>
           <a:lstStyle/>
           <a:p>
-            <a:endParaRPr lang="fr-FR"/>
-          </a:p>
-        </p:txBody>
-      </p:sp>
-      <p:sp>
-        <p:nvSpPr>
-          <p:cNvPr id="6" name="Espace réservé du numéro de diapositive 5">
-            <a:extLst>
-              <a:ext uri="{FF2B5EF4-FFF2-40B4-BE49-F238E27FC236}">
-                <a16:creationId xmlns:a16="http://schemas.microsoft.com/office/drawing/2014/main" id="{E86146F8-55DB-5BAA-2CFB-4547777DBF5F}"/>
-              </a:ext>
-            </a:extLst>
-          </p:cNvPr>
+            <a:endParaRPr lang="en-US"/>
+          </a:p>
+        </p:txBody>
+      </p:sp>
+      <p:sp>
+        <p:nvSpPr>
+          <p:cNvPr id="6" name="Espace réservé du numéro de diapositive 5"/>
           <p:cNvSpPr>
             <a:spLocks noGrp="1"/>
           </p:cNvSpPr>
@@ -412,18 +728,18 @@
           <a:bodyPr/>
           <a:lstStyle/>
           <a:p>
-            <a:fld id="{0AE4B259-6E1C-4A72-AF0B-95D69555EA20}" type="slidenum">
-              <a:rPr lang="fr-FR" smtClean="0"/>
+            <a:fld id="{3C419C12-E9C3-450D-8593-49D249BC6564}" type="slidenum">
+              <a:rPr lang="en-US" smtClean="0"/>
               <a:t>‹N°›</a:t>
             </a:fld>
-            <a:endParaRPr lang="fr-FR"/>
+            <a:endParaRPr lang="en-US"/>
           </a:p>
         </p:txBody>
       </p:sp>
     </p:spTree>
     <p:extLst>
       <p:ext uri="{BB962C8B-B14F-4D97-AF65-F5344CB8AC3E}">
-        <p14:creationId xmlns:p14="http://schemas.microsoft.com/office/powerpoint/2010/main" val="2288995046"/>
+        <p14:creationId xmlns:p14="http://schemas.microsoft.com/office/powerpoint/2010/main" val="2855885690"/>
       </p:ext>
     </p:extLst>
   </p:cSld>
@@ -452,13 +768,7 @@
       </p:grpSpPr>
       <p:sp>
         <p:nvSpPr>
-          <p:cNvPr id="2" name="Titre 1">
-            <a:extLst>
-              <a:ext uri="{FF2B5EF4-FFF2-40B4-BE49-F238E27FC236}">
-                <a16:creationId xmlns:a16="http://schemas.microsoft.com/office/drawing/2014/main" id="{783D6EBB-C171-5D9A-3E16-6DB93390A490}"/>
-              </a:ext>
-            </a:extLst>
-          </p:cNvPr>
+          <p:cNvPr id="2" name="Titre 1"/>
           <p:cNvSpPr>
             <a:spLocks noGrp="1"/>
           </p:cNvSpPr>
@@ -472,21 +782,16 @@
           <a:lstStyle/>
           <a:p>
             <a:r>
-              <a:rPr lang="fr-FR"/>
+              <a:rPr lang="fr-FR" smtClean="0"/>
               <a:t>Modifiez le style du titre</a:t>
             </a:r>
-          </a:p>
-        </p:txBody>
-      </p:sp>
-      <p:sp>
-        <p:nvSpPr>
-          <p:cNvPr id="3" name="Espace réservé du texte vertical 2">
-            <a:extLst>
-              <a:ext uri="{FF2B5EF4-FFF2-40B4-BE49-F238E27FC236}">
-                <a16:creationId xmlns:a16="http://schemas.microsoft.com/office/drawing/2014/main" id="{92C03713-A093-0FC6-C915-30A66B0C7F2A}"/>
-              </a:ext>
-            </a:extLst>
-          </p:cNvPr>
+            <a:endParaRPr lang="en-US"/>
+          </a:p>
+        </p:txBody>
+      </p:sp>
+      <p:sp>
+        <p:nvSpPr>
+          <p:cNvPr id="3" name="Espace réservé du texte vertical 2"/>
           <p:cNvSpPr>
             <a:spLocks noGrp="1"/>
           </p:cNvSpPr>
@@ -501,49 +806,44 @@
           <a:p>
             <a:pPr lvl="0"/>
             <a:r>
-              <a:rPr lang="fr-FR"/>
-              <a:t>Cliquez pour modifier les styles du texte du masque</a:t>
+              <a:rPr lang="fr-FR" smtClean="0"/>
+              <a:t>Modifier les styles du texte du masque</a:t>
             </a:r>
           </a:p>
           <a:p>
             <a:pPr lvl="1"/>
             <a:r>
-              <a:rPr lang="fr-FR"/>
+              <a:rPr lang="fr-FR" smtClean="0"/>
               <a:t>Deuxième niveau</a:t>
             </a:r>
           </a:p>
           <a:p>
             <a:pPr lvl="2"/>
             <a:r>
-              <a:rPr lang="fr-FR"/>
+              <a:rPr lang="fr-FR" smtClean="0"/>
               <a:t>Troisième niveau</a:t>
             </a:r>
           </a:p>
           <a:p>
             <a:pPr lvl="3"/>
             <a:r>
-              <a:rPr lang="fr-FR"/>
+              <a:rPr lang="fr-FR" smtClean="0"/>
               <a:t>Quatrième niveau</a:t>
             </a:r>
           </a:p>
           <a:p>
             <a:pPr lvl="4"/>
             <a:r>
-              <a:rPr lang="fr-FR"/>
+              <a:rPr lang="fr-FR" smtClean="0"/>
               <a:t>Cinquième niveau</a:t>
             </a:r>
-          </a:p>
-        </p:txBody>
-      </p:sp>
-      <p:sp>
-        <p:nvSpPr>
-          <p:cNvPr id="4" name="Espace réservé de la date 3">
-            <a:extLst>
-              <a:ext uri="{FF2B5EF4-FFF2-40B4-BE49-F238E27FC236}">
-                <a16:creationId xmlns:a16="http://schemas.microsoft.com/office/drawing/2014/main" id="{1AEA5C89-4B05-212B-86FE-7BB83D8ED790}"/>
-              </a:ext>
-            </a:extLst>
-          </p:cNvPr>
+            <a:endParaRPr lang="en-US"/>
+          </a:p>
+        </p:txBody>
+      </p:sp>
+      <p:sp>
+        <p:nvSpPr>
+          <p:cNvPr id="4" name="Espace réservé de la date 3"/>
           <p:cNvSpPr>
             <a:spLocks noGrp="1"/>
           </p:cNvSpPr>
@@ -556,23 +856,17 @@
           <a:bodyPr/>
           <a:lstStyle/>
           <a:p>
-            <a:fld id="{94384E3B-C972-4E91-83F9-1D5BD72EB66E}" type="datetimeFigureOut">
-              <a:rPr lang="fr-FR" smtClean="0"/>
-              <a:t>04/10/2024</a:t>
+            <a:fld id="{C69C6884-988C-4BB7-ACB9-800278D48C3B}" type="datetimeFigureOut">
+              <a:rPr lang="en-US" smtClean="0"/>
+              <a:t>10/17/2024</a:t>
             </a:fld>
-            <a:endParaRPr lang="fr-FR"/>
-          </a:p>
-        </p:txBody>
-      </p:sp>
-      <p:sp>
-        <p:nvSpPr>
-          <p:cNvPr id="5" name="Espace réservé du pied de page 4">
-            <a:extLst>
-              <a:ext uri="{FF2B5EF4-FFF2-40B4-BE49-F238E27FC236}">
-                <a16:creationId xmlns:a16="http://schemas.microsoft.com/office/drawing/2014/main" id="{E820ADC9-0C8D-BBE2-882D-44E755C9B75C}"/>
-              </a:ext>
-            </a:extLst>
-          </p:cNvPr>
+            <a:endParaRPr lang="en-US"/>
+          </a:p>
+        </p:txBody>
+      </p:sp>
+      <p:sp>
+        <p:nvSpPr>
+          <p:cNvPr id="5" name="Espace réservé du pied de page 4"/>
           <p:cNvSpPr>
             <a:spLocks noGrp="1"/>
           </p:cNvSpPr>
@@ -585,19 +879,13 @@
           <a:bodyPr/>
           <a:lstStyle/>
           <a:p>
-            <a:endParaRPr lang="fr-FR"/>
-          </a:p>
-        </p:txBody>
-      </p:sp>
-      <p:sp>
-        <p:nvSpPr>
-          <p:cNvPr id="6" name="Espace réservé du numéro de diapositive 5">
-            <a:extLst>
-              <a:ext uri="{FF2B5EF4-FFF2-40B4-BE49-F238E27FC236}">
-                <a16:creationId xmlns:a16="http://schemas.microsoft.com/office/drawing/2014/main" id="{7A5BA885-4BB7-15C2-C3AA-9D4F22ECC95C}"/>
-              </a:ext>
-            </a:extLst>
-          </p:cNvPr>
+            <a:endParaRPr lang="en-US"/>
+          </a:p>
+        </p:txBody>
+      </p:sp>
+      <p:sp>
+        <p:nvSpPr>
+          <p:cNvPr id="6" name="Espace réservé du numéro de diapositive 5"/>
           <p:cNvSpPr>
             <a:spLocks noGrp="1"/>
           </p:cNvSpPr>
@@ -610,18 +898,18 @@
           <a:bodyPr/>
           <a:lstStyle/>
           <a:p>
-            <a:fld id="{0AE4B259-6E1C-4A72-AF0B-95D69555EA20}" type="slidenum">
-              <a:rPr lang="fr-FR" smtClean="0"/>
+            <a:fld id="{3C419C12-E9C3-450D-8593-49D249BC6564}" type="slidenum">
+              <a:rPr lang="en-US" smtClean="0"/>
               <a:t>‹N°›</a:t>
             </a:fld>
-            <a:endParaRPr lang="fr-FR"/>
+            <a:endParaRPr lang="en-US"/>
           </a:p>
         </p:txBody>
       </p:sp>
     </p:spTree>
     <p:extLst>
       <p:ext uri="{BB962C8B-B14F-4D97-AF65-F5344CB8AC3E}">
-        <p14:creationId xmlns:p14="http://schemas.microsoft.com/office/powerpoint/2010/main" val="2330052392"/>
+        <p14:creationId xmlns:p14="http://schemas.microsoft.com/office/powerpoint/2010/main" val="3316286966"/>
       </p:ext>
     </p:extLst>
   </p:cSld>
@@ -650,13 +938,7 @@
       </p:grpSpPr>
       <p:sp>
         <p:nvSpPr>
-          <p:cNvPr id="2" name="Titre vertical 1">
-            <a:extLst>
-              <a:ext uri="{FF2B5EF4-FFF2-40B4-BE49-F238E27FC236}">
-                <a16:creationId xmlns:a16="http://schemas.microsoft.com/office/drawing/2014/main" id="{17B38063-15DF-323E-1EEC-4B3FCF41FC82}"/>
-              </a:ext>
-            </a:extLst>
-          </p:cNvPr>
+          <p:cNvPr id="2" name="Titre vertical 1"/>
           <p:cNvSpPr>
             <a:spLocks noGrp="1"/>
           </p:cNvSpPr>
@@ -675,21 +957,16 @@
           <a:lstStyle/>
           <a:p>
             <a:r>
-              <a:rPr lang="fr-FR"/>
+              <a:rPr lang="fr-FR" smtClean="0"/>
               <a:t>Modifiez le style du titre</a:t>
             </a:r>
-          </a:p>
-        </p:txBody>
-      </p:sp>
-      <p:sp>
-        <p:nvSpPr>
-          <p:cNvPr id="3" name="Espace réservé du texte vertical 2">
-            <a:extLst>
-              <a:ext uri="{FF2B5EF4-FFF2-40B4-BE49-F238E27FC236}">
-                <a16:creationId xmlns:a16="http://schemas.microsoft.com/office/drawing/2014/main" id="{4AAC51FB-0EED-004E-26F4-79E9F478F8DB}"/>
-              </a:ext>
-            </a:extLst>
-          </p:cNvPr>
+            <a:endParaRPr lang="en-US"/>
+          </a:p>
+        </p:txBody>
+      </p:sp>
+      <p:sp>
+        <p:nvSpPr>
+          <p:cNvPr id="3" name="Espace réservé du texte vertical 2"/>
           <p:cNvSpPr>
             <a:spLocks noGrp="1"/>
           </p:cNvSpPr>
@@ -709,49 +986,44 @@
           <a:p>
             <a:pPr lvl="0"/>
             <a:r>
-              <a:rPr lang="fr-FR"/>
-              <a:t>Cliquez pour modifier les styles du texte du masque</a:t>
+              <a:rPr lang="fr-FR" smtClean="0"/>
+              <a:t>Modifier les styles du texte du masque</a:t>
             </a:r>
           </a:p>
           <a:p>
             <a:pPr lvl="1"/>
             <a:r>
-              <a:rPr lang="fr-FR"/>
+              <a:rPr lang="fr-FR" smtClean="0"/>
               <a:t>Deuxième niveau</a:t>
             </a:r>
           </a:p>
           <a:p>
             <a:pPr lvl="2"/>
             <a:r>
-              <a:rPr lang="fr-FR"/>
+              <a:rPr lang="fr-FR" smtClean="0"/>
               <a:t>Troisième niveau</a:t>
             </a:r>
           </a:p>
           <a:p>
             <a:pPr lvl="3"/>
             <a:r>
-              <a:rPr lang="fr-FR"/>
+              <a:rPr lang="fr-FR" smtClean="0"/>
               <a:t>Quatrième niveau</a:t>
             </a:r>
           </a:p>
           <a:p>
             <a:pPr lvl="4"/>
             <a:r>
-              <a:rPr lang="fr-FR"/>
+              <a:rPr lang="fr-FR" smtClean="0"/>
               <a:t>Cinquième niveau</a:t>
             </a:r>
-          </a:p>
-        </p:txBody>
-      </p:sp>
-      <p:sp>
-        <p:nvSpPr>
-          <p:cNvPr id="4" name="Espace réservé de la date 3">
-            <a:extLst>
-              <a:ext uri="{FF2B5EF4-FFF2-40B4-BE49-F238E27FC236}">
-                <a16:creationId xmlns:a16="http://schemas.microsoft.com/office/drawing/2014/main" id="{19263E94-0E8A-AE2D-AB7B-912027890809}"/>
-              </a:ext>
-            </a:extLst>
-          </p:cNvPr>
+            <a:endParaRPr lang="en-US"/>
+          </a:p>
+        </p:txBody>
+      </p:sp>
+      <p:sp>
+        <p:nvSpPr>
+          <p:cNvPr id="4" name="Espace réservé de la date 3"/>
           <p:cNvSpPr>
             <a:spLocks noGrp="1"/>
           </p:cNvSpPr>
@@ -764,23 +1036,17 @@
           <a:bodyPr/>
           <a:lstStyle/>
           <a:p>
-            <a:fld id="{94384E3B-C972-4E91-83F9-1D5BD72EB66E}" type="datetimeFigureOut">
-              <a:rPr lang="fr-FR" smtClean="0"/>
-              <a:t>04/10/2024</a:t>
+            <a:fld id="{C69C6884-988C-4BB7-ACB9-800278D48C3B}" type="datetimeFigureOut">
+              <a:rPr lang="en-US" smtClean="0"/>
+              <a:t>10/17/2024</a:t>
             </a:fld>
-            <a:endParaRPr lang="fr-FR"/>
-          </a:p>
-        </p:txBody>
-      </p:sp>
-      <p:sp>
-        <p:nvSpPr>
-          <p:cNvPr id="5" name="Espace réservé du pied de page 4">
-            <a:extLst>
-              <a:ext uri="{FF2B5EF4-FFF2-40B4-BE49-F238E27FC236}">
-                <a16:creationId xmlns:a16="http://schemas.microsoft.com/office/drawing/2014/main" id="{CE1C3143-88F6-6343-FDE0-92E71D707939}"/>
-              </a:ext>
-            </a:extLst>
-          </p:cNvPr>
+            <a:endParaRPr lang="en-US"/>
+          </a:p>
+        </p:txBody>
+      </p:sp>
+      <p:sp>
+        <p:nvSpPr>
+          <p:cNvPr id="5" name="Espace réservé du pied de page 4"/>
           <p:cNvSpPr>
             <a:spLocks noGrp="1"/>
           </p:cNvSpPr>
@@ -793,19 +1059,13 @@
           <a:bodyPr/>
           <a:lstStyle/>
           <a:p>
-            <a:endParaRPr lang="fr-FR"/>
-          </a:p>
-        </p:txBody>
-      </p:sp>
-      <p:sp>
-        <p:nvSpPr>
-          <p:cNvPr id="6" name="Espace réservé du numéro de diapositive 5">
-            <a:extLst>
-              <a:ext uri="{FF2B5EF4-FFF2-40B4-BE49-F238E27FC236}">
-                <a16:creationId xmlns:a16="http://schemas.microsoft.com/office/drawing/2014/main" id="{07E18966-4AF6-D32B-6B58-BFE2B9CE197C}"/>
-              </a:ext>
-            </a:extLst>
-          </p:cNvPr>
+            <a:endParaRPr lang="en-US"/>
+          </a:p>
+        </p:txBody>
+      </p:sp>
+      <p:sp>
+        <p:nvSpPr>
+          <p:cNvPr id="6" name="Espace réservé du numéro de diapositive 5"/>
           <p:cNvSpPr>
             <a:spLocks noGrp="1"/>
           </p:cNvSpPr>
@@ -818,18 +1078,18 @@
           <a:bodyPr/>
           <a:lstStyle/>
           <a:p>
-            <a:fld id="{0AE4B259-6E1C-4A72-AF0B-95D69555EA20}" type="slidenum">
-              <a:rPr lang="fr-FR" smtClean="0"/>
+            <a:fld id="{3C419C12-E9C3-450D-8593-49D249BC6564}" type="slidenum">
+              <a:rPr lang="en-US" smtClean="0"/>
               <a:t>‹N°›</a:t>
             </a:fld>
-            <a:endParaRPr lang="fr-FR"/>
+            <a:endParaRPr lang="en-US"/>
           </a:p>
         </p:txBody>
       </p:sp>
     </p:spTree>
     <p:extLst>
       <p:ext uri="{BB962C8B-B14F-4D97-AF65-F5344CB8AC3E}">
-        <p14:creationId xmlns:p14="http://schemas.microsoft.com/office/powerpoint/2010/main" val="3091737345"/>
+        <p14:creationId xmlns:p14="http://schemas.microsoft.com/office/powerpoint/2010/main" val="3505375138"/>
       </p:ext>
     </p:extLst>
   </p:cSld>
@@ -858,13 +1118,7 @@
       </p:grpSpPr>
       <p:sp>
         <p:nvSpPr>
-          <p:cNvPr id="2" name="Titre 1">
-            <a:extLst>
-              <a:ext uri="{FF2B5EF4-FFF2-40B4-BE49-F238E27FC236}">
-                <a16:creationId xmlns:a16="http://schemas.microsoft.com/office/drawing/2014/main" id="{267D04A7-59DE-FC9C-CA30-0DFBB77A6639}"/>
-              </a:ext>
-            </a:extLst>
-          </p:cNvPr>
+          <p:cNvPr id="2" name="Titre 1"/>
           <p:cNvSpPr>
             <a:spLocks noGrp="1"/>
           </p:cNvSpPr>
@@ -878,21 +1132,16 @@
           <a:lstStyle/>
           <a:p>
             <a:r>
-              <a:rPr lang="fr-FR"/>
+              <a:rPr lang="fr-FR" smtClean="0"/>
               <a:t>Modifiez le style du titre</a:t>
             </a:r>
-          </a:p>
-        </p:txBody>
-      </p:sp>
-      <p:sp>
-        <p:nvSpPr>
-          <p:cNvPr id="3" name="Espace réservé du contenu 2">
-            <a:extLst>
-              <a:ext uri="{FF2B5EF4-FFF2-40B4-BE49-F238E27FC236}">
-                <a16:creationId xmlns:a16="http://schemas.microsoft.com/office/drawing/2014/main" id="{4DC18074-6B39-908D-4B0F-92248BA2A100}"/>
-              </a:ext>
-            </a:extLst>
-          </p:cNvPr>
+            <a:endParaRPr lang="en-US"/>
+          </a:p>
+        </p:txBody>
+      </p:sp>
+      <p:sp>
+        <p:nvSpPr>
+          <p:cNvPr id="3" name="Espace réservé du contenu 2"/>
           <p:cNvSpPr>
             <a:spLocks noGrp="1"/>
           </p:cNvSpPr>
@@ -907,49 +1156,44 @@
           <a:p>
             <a:pPr lvl="0"/>
             <a:r>
-              <a:rPr lang="fr-FR"/>
-              <a:t>Cliquez pour modifier les styles du texte du masque</a:t>
+              <a:rPr lang="fr-FR" smtClean="0"/>
+              <a:t>Modifier les styles du texte du masque</a:t>
             </a:r>
           </a:p>
           <a:p>
             <a:pPr lvl="1"/>
             <a:r>
-              <a:rPr lang="fr-FR"/>
+              <a:rPr lang="fr-FR" smtClean="0"/>
               <a:t>Deuxième niveau</a:t>
             </a:r>
           </a:p>
           <a:p>
             <a:pPr lvl="2"/>
             <a:r>
-              <a:rPr lang="fr-FR"/>
+              <a:rPr lang="fr-FR" smtClean="0"/>
               <a:t>Troisième niveau</a:t>
             </a:r>
           </a:p>
           <a:p>
             <a:pPr lvl="3"/>
             <a:r>
-              <a:rPr lang="fr-FR"/>
+              <a:rPr lang="fr-FR" smtClean="0"/>
               <a:t>Quatrième niveau</a:t>
             </a:r>
           </a:p>
           <a:p>
             <a:pPr lvl="4"/>
             <a:r>
-              <a:rPr lang="fr-FR"/>
+              <a:rPr lang="fr-FR" smtClean="0"/>
               <a:t>Cinquième niveau</a:t>
             </a:r>
-          </a:p>
-        </p:txBody>
-      </p:sp>
-      <p:sp>
-        <p:nvSpPr>
-          <p:cNvPr id="4" name="Espace réservé de la date 3">
-            <a:extLst>
-              <a:ext uri="{FF2B5EF4-FFF2-40B4-BE49-F238E27FC236}">
-                <a16:creationId xmlns:a16="http://schemas.microsoft.com/office/drawing/2014/main" id="{1F748487-60FE-9172-A93B-70B0C8ECE3A2}"/>
-              </a:ext>
-            </a:extLst>
-          </p:cNvPr>
+            <a:endParaRPr lang="en-US"/>
+          </a:p>
+        </p:txBody>
+      </p:sp>
+      <p:sp>
+        <p:nvSpPr>
+          <p:cNvPr id="4" name="Espace réservé de la date 3"/>
           <p:cNvSpPr>
             <a:spLocks noGrp="1"/>
           </p:cNvSpPr>
@@ -962,23 +1206,17 @@
           <a:bodyPr/>
           <a:lstStyle/>
           <a:p>
-            <a:fld id="{94384E3B-C972-4E91-83F9-1D5BD72EB66E}" type="datetimeFigureOut">
-              <a:rPr lang="fr-FR" smtClean="0"/>
-              <a:t>04/10/2024</a:t>
+            <a:fld id="{C69C6884-988C-4BB7-ACB9-800278D48C3B}" type="datetimeFigureOut">
+              <a:rPr lang="en-US" smtClean="0"/>
+              <a:t>10/17/2024</a:t>
             </a:fld>
-            <a:endParaRPr lang="fr-FR"/>
-          </a:p>
-        </p:txBody>
-      </p:sp>
-      <p:sp>
-        <p:nvSpPr>
-          <p:cNvPr id="5" name="Espace réservé du pied de page 4">
-            <a:extLst>
-              <a:ext uri="{FF2B5EF4-FFF2-40B4-BE49-F238E27FC236}">
-                <a16:creationId xmlns:a16="http://schemas.microsoft.com/office/drawing/2014/main" id="{0EE00C17-4E14-2359-6202-B647E9FAE9F5}"/>
-              </a:ext>
-            </a:extLst>
-          </p:cNvPr>
+            <a:endParaRPr lang="en-US"/>
+          </a:p>
+        </p:txBody>
+      </p:sp>
+      <p:sp>
+        <p:nvSpPr>
+          <p:cNvPr id="5" name="Espace réservé du pied de page 4"/>
           <p:cNvSpPr>
             <a:spLocks noGrp="1"/>
           </p:cNvSpPr>
@@ -991,19 +1229,13 @@
           <a:bodyPr/>
           <a:lstStyle/>
           <a:p>
-            <a:endParaRPr lang="fr-FR"/>
-          </a:p>
-        </p:txBody>
-      </p:sp>
-      <p:sp>
-        <p:nvSpPr>
-          <p:cNvPr id="6" name="Espace réservé du numéro de diapositive 5">
-            <a:extLst>
-              <a:ext uri="{FF2B5EF4-FFF2-40B4-BE49-F238E27FC236}">
-                <a16:creationId xmlns:a16="http://schemas.microsoft.com/office/drawing/2014/main" id="{30D4183A-EA4C-414C-8947-D51155153384}"/>
-              </a:ext>
-            </a:extLst>
-          </p:cNvPr>
+            <a:endParaRPr lang="en-US"/>
+          </a:p>
+        </p:txBody>
+      </p:sp>
+      <p:sp>
+        <p:nvSpPr>
+          <p:cNvPr id="6" name="Espace réservé du numéro de diapositive 5"/>
           <p:cNvSpPr>
             <a:spLocks noGrp="1"/>
           </p:cNvSpPr>
@@ -1016,18 +1248,18 @@
           <a:bodyPr/>
           <a:lstStyle/>
           <a:p>
-            <a:fld id="{0AE4B259-6E1C-4A72-AF0B-95D69555EA20}" type="slidenum">
-              <a:rPr lang="fr-FR" smtClean="0"/>
+            <a:fld id="{3C419C12-E9C3-450D-8593-49D249BC6564}" type="slidenum">
+              <a:rPr lang="en-US" smtClean="0"/>
               <a:t>‹N°›</a:t>
             </a:fld>
-            <a:endParaRPr lang="fr-FR"/>
+            <a:endParaRPr lang="en-US"/>
           </a:p>
         </p:txBody>
       </p:sp>
     </p:spTree>
     <p:extLst>
       <p:ext uri="{BB962C8B-B14F-4D97-AF65-F5344CB8AC3E}">
-        <p14:creationId xmlns:p14="http://schemas.microsoft.com/office/powerpoint/2010/main" val="4264868803"/>
+        <p14:creationId xmlns:p14="http://schemas.microsoft.com/office/powerpoint/2010/main" val="2928959249"/>
       </p:ext>
     </p:extLst>
   </p:cSld>
@@ -1056,13 +1288,7 @@
       </p:grpSpPr>
       <p:sp>
         <p:nvSpPr>
-          <p:cNvPr id="2" name="Titre 1">
-            <a:extLst>
-              <a:ext uri="{FF2B5EF4-FFF2-40B4-BE49-F238E27FC236}">
-                <a16:creationId xmlns:a16="http://schemas.microsoft.com/office/drawing/2014/main" id="{AAEE6AE9-1CA5-6293-38F1-7C6D2FCB519C}"/>
-              </a:ext>
-            </a:extLst>
-          </p:cNvPr>
+          <p:cNvPr id="2" name="Titre 1"/>
           <p:cNvSpPr>
             <a:spLocks noGrp="1"/>
           </p:cNvSpPr>
@@ -1085,21 +1311,16 @@
           </a:lstStyle>
           <a:p>
             <a:r>
-              <a:rPr lang="fr-FR"/>
+              <a:rPr lang="fr-FR" smtClean="0"/>
               <a:t>Modifiez le style du titre</a:t>
             </a:r>
-          </a:p>
-        </p:txBody>
-      </p:sp>
-      <p:sp>
-        <p:nvSpPr>
-          <p:cNvPr id="3" name="Espace réservé du texte 2">
-            <a:extLst>
-              <a:ext uri="{FF2B5EF4-FFF2-40B4-BE49-F238E27FC236}">
-                <a16:creationId xmlns:a16="http://schemas.microsoft.com/office/drawing/2014/main" id="{EAB113A8-2582-9BB9-4E3C-57C5B1E04A77}"/>
-              </a:ext>
-            </a:extLst>
-          </p:cNvPr>
+            <a:endParaRPr lang="en-US"/>
+          </a:p>
+        </p:txBody>
+      </p:sp>
+      <p:sp>
+        <p:nvSpPr>
+          <p:cNvPr id="3" name="Espace réservé du texte 2"/>
           <p:cNvSpPr>
             <a:spLocks noGrp="1"/>
           </p:cNvSpPr>
@@ -1121,7 +1342,7 @@
               <a:defRPr sz="2400">
                 <a:solidFill>
                   <a:schemeClr val="tx1">
-                    <a:tint val="82000"/>
+                    <a:tint val="75000"/>
                   </a:schemeClr>
                 </a:solidFill>
               </a:defRPr>
@@ -1131,7 +1352,7 @@
               <a:defRPr sz="2000">
                 <a:solidFill>
                   <a:schemeClr val="tx1">
-                    <a:tint val="82000"/>
+                    <a:tint val="75000"/>
                   </a:schemeClr>
                 </a:solidFill>
               </a:defRPr>
@@ -1141,7 +1362,7 @@
               <a:defRPr sz="1800">
                 <a:solidFill>
                   <a:schemeClr val="tx1">
-                    <a:tint val="82000"/>
+                    <a:tint val="75000"/>
                   </a:schemeClr>
                 </a:solidFill>
               </a:defRPr>
@@ -1151,7 +1372,7 @@
               <a:defRPr sz="1600">
                 <a:solidFill>
                   <a:schemeClr val="tx1">
-                    <a:tint val="82000"/>
+                    <a:tint val="75000"/>
                   </a:schemeClr>
                 </a:solidFill>
               </a:defRPr>
@@ -1161,7 +1382,7 @@
               <a:defRPr sz="1600">
                 <a:solidFill>
                   <a:schemeClr val="tx1">
-                    <a:tint val="82000"/>
+                    <a:tint val="75000"/>
                   </a:schemeClr>
                 </a:solidFill>
               </a:defRPr>
@@ -1171,7 +1392,7 @@
               <a:defRPr sz="1600">
                 <a:solidFill>
                   <a:schemeClr val="tx1">
-                    <a:tint val="82000"/>
+                    <a:tint val="75000"/>
                   </a:schemeClr>
                 </a:solidFill>
               </a:defRPr>
@@ -1181,7 +1402,7 @@
               <a:defRPr sz="1600">
                 <a:solidFill>
                   <a:schemeClr val="tx1">
-                    <a:tint val="82000"/>
+                    <a:tint val="75000"/>
                   </a:schemeClr>
                 </a:solidFill>
               </a:defRPr>
@@ -1191,7 +1412,7 @@
               <a:defRPr sz="1600">
                 <a:solidFill>
                   <a:schemeClr val="tx1">
-                    <a:tint val="82000"/>
+                    <a:tint val="75000"/>
                   </a:schemeClr>
                 </a:solidFill>
               </a:defRPr>
@@ -1201,7 +1422,7 @@
               <a:defRPr sz="1600">
                 <a:solidFill>
                   <a:schemeClr val="tx1">
-                    <a:tint val="82000"/>
+                    <a:tint val="75000"/>
                   </a:schemeClr>
                 </a:solidFill>
               </a:defRPr>
@@ -1210,21 +1431,15 @@
           <a:p>
             <a:pPr lvl="0"/>
             <a:r>
-              <a:rPr lang="fr-FR"/>
-              <a:t>Cliquez pour modifier les styles du texte du masque</a:t>
-            </a:r>
-          </a:p>
-        </p:txBody>
-      </p:sp>
-      <p:sp>
-        <p:nvSpPr>
-          <p:cNvPr id="4" name="Espace réservé de la date 3">
-            <a:extLst>
-              <a:ext uri="{FF2B5EF4-FFF2-40B4-BE49-F238E27FC236}">
-                <a16:creationId xmlns:a16="http://schemas.microsoft.com/office/drawing/2014/main" id="{94EC8ECC-D1F2-27F7-CE8F-F9CAD8F89F77}"/>
-              </a:ext>
-            </a:extLst>
-          </p:cNvPr>
+              <a:rPr lang="fr-FR" smtClean="0"/>
+              <a:t>Modifier les styles du texte du masque</a:t>
+            </a:r>
+          </a:p>
+        </p:txBody>
+      </p:sp>
+      <p:sp>
+        <p:nvSpPr>
+          <p:cNvPr id="4" name="Espace réservé de la date 3"/>
           <p:cNvSpPr>
             <a:spLocks noGrp="1"/>
           </p:cNvSpPr>
@@ -1237,23 +1452,17 @@
           <a:bodyPr/>
           <a:lstStyle/>
           <a:p>
-            <a:fld id="{94384E3B-C972-4E91-83F9-1D5BD72EB66E}" type="datetimeFigureOut">
-              <a:rPr lang="fr-FR" smtClean="0"/>
-              <a:t>04/10/2024</a:t>
+            <a:fld id="{C69C6884-988C-4BB7-ACB9-800278D48C3B}" type="datetimeFigureOut">
+              <a:rPr lang="en-US" smtClean="0"/>
+              <a:t>10/17/2024</a:t>
             </a:fld>
-            <a:endParaRPr lang="fr-FR"/>
-          </a:p>
-        </p:txBody>
-      </p:sp>
-      <p:sp>
-        <p:nvSpPr>
-          <p:cNvPr id="5" name="Espace réservé du pied de page 4">
-            <a:extLst>
-              <a:ext uri="{FF2B5EF4-FFF2-40B4-BE49-F238E27FC236}">
-                <a16:creationId xmlns:a16="http://schemas.microsoft.com/office/drawing/2014/main" id="{C38C68A1-BF54-EE47-2298-2C6EEA87AFE9}"/>
-              </a:ext>
-            </a:extLst>
-          </p:cNvPr>
+            <a:endParaRPr lang="en-US"/>
+          </a:p>
+        </p:txBody>
+      </p:sp>
+      <p:sp>
+        <p:nvSpPr>
+          <p:cNvPr id="5" name="Espace réservé du pied de page 4"/>
           <p:cNvSpPr>
             <a:spLocks noGrp="1"/>
           </p:cNvSpPr>
@@ -1266,19 +1475,13 @@
           <a:bodyPr/>
           <a:lstStyle/>
           <a:p>
-            <a:endParaRPr lang="fr-FR"/>
-          </a:p>
-        </p:txBody>
-      </p:sp>
-      <p:sp>
-        <p:nvSpPr>
-          <p:cNvPr id="6" name="Espace réservé du numéro de diapositive 5">
-            <a:extLst>
-              <a:ext uri="{FF2B5EF4-FFF2-40B4-BE49-F238E27FC236}">
-                <a16:creationId xmlns:a16="http://schemas.microsoft.com/office/drawing/2014/main" id="{C750288C-A3B5-5BC9-07D3-3C999A06BAF4}"/>
-              </a:ext>
-            </a:extLst>
-          </p:cNvPr>
+            <a:endParaRPr lang="en-US"/>
+          </a:p>
+        </p:txBody>
+      </p:sp>
+      <p:sp>
+        <p:nvSpPr>
+          <p:cNvPr id="6" name="Espace réservé du numéro de diapositive 5"/>
           <p:cNvSpPr>
             <a:spLocks noGrp="1"/>
           </p:cNvSpPr>
@@ -1291,18 +1494,18 @@
           <a:bodyPr/>
           <a:lstStyle/>
           <a:p>
-            <a:fld id="{0AE4B259-6E1C-4A72-AF0B-95D69555EA20}" type="slidenum">
-              <a:rPr lang="fr-FR" smtClean="0"/>
+            <a:fld id="{3C419C12-E9C3-450D-8593-49D249BC6564}" type="slidenum">
+              <a:rPr lang="en-US" smtClean="0"/>
               <a:t>‹N°›</a:t>
             </a:fld>
-            <a:endParaRPr lang="fr-FR"/>
+            <a:endParaRPr lang="en-US"/>
           </a:p>
         </p:txBody>
       </p:sp>
     </p:spTree>
     <p:extLst>
       <p:ext uri="{BB962C8B-B14F-4D97-AF65-F5344CB8AC3E}">
-        <p14:creationId xmlns:p14="http://schemas.microsoft.com/office/powerpoint/2010/main" val="3554219040"/>
+        <p14:creationId xmlns:p14="http://schemas.microsoft.com/office/powerpoint/2010/main" val="1508252260"/>
       </p:ext>
     </p:extLst>
   </p:cSld>
@@ -1331,13 +1534,7 @@
       </p:grpSpPr>
       <p:sp>
         <p:nvSpPr>
-          <p:cNvPr id="2" name="Titre 1">
-            <a:extLst>
-              <a:ext uri="{FF2B5EF4-FFF2-40B4-BE49-F238E27FC236}">
-                <a16:creationId xmlns:a16="http://schemas.microsoft.com/office/drawing/2014/main" id="{D517D3AD-9101-4527-501D-3BD3EAA6784C}"/>
-              </a:ext>
-            </a:extLst>
-          </p:cNvPr>
+          <p:cNvPr id="2" name="Titre 1"/>
           <p:cNvSpPr>
             <a:spLocks noGrp="1"/>
           </p:cNvSpPr>
@@ -1351,21 +1548,16 @@
           <a:lstStyle/>
           <a:p>
             <a:r>
-              <a:rPr lang="fr-FR"/>
+              <a:rPr lang="fr-FR" smtClean="0"/>
               <a:t>Modifiez le style du titre</a:t>
             </a:r>
-          </a:p>
-        </p:txBody>
-      </p:sp>
-      <p:sp>
-        <p:nvSpPr>
-          <p:cNvPr id="3" name="Espace réservé du contenu 2">
-            <a:extLst>
-              <a:ext uri="{FF2B5EF4-FFF2-40B4-BE49-F238E27FC236}">
-                <a16:creationId xmlns:a16="http://schemas.microsoft.com/office/drawing/2014/main" id="{7A1D7B60-D512-A639-C87E-AEB3EF66F39A}"/>
-              </a:ext>
-            </a:extLst>
-          </p:cNvPr>
+            <a:endParaRPr lang="en-US"/>
+          </a:p>
+        </p:txBody>
+      </p:sp>
+      <p:sp>
+        <p:nvSpPr>
+          <p:cNvPr id="3" name="Espace réservé du contenu 2"/>
           <p:cNvSpPr>
             <a:spLocks noGrp="1"/>
           </p:cNvSpPr>
@@ -1385,49 +1577,44 @@
           <a:p>
             <a:pPr lvl="0"/>
             <a:r>
-              <a:rPr lang="fr-FR"/>
-              <a:t>Cliquez pour modifier les styles du texte du masque</a:t>
+              <a:rPr lang="fr-FR" smtClean="0"/>
+              <a:t>Modifier les styles du texte du masque</a:t>
             </a:r>
           </a:p>
           <a:p>
             <a:pPr lvl="1"/>
             <a:r>
-              <a:rPr lang="fr-FR"/>
+              <a:rPr lang="fr-FR" smtClean="0"/>
               <a:t>Deuxième niveau</a:t>
             </a:r>
           </a:p>
           <a:p>
             <a:pPr lvl="2"/>
             <a:r>
-              <a:rPr lang="fr-FR"/>
+              <a:rPr lang="fr-FR" smtClean="0"/>
               <a:t>Troisième niveau</a:t>
             </a:r>
           </a:p>
           <a:p>
             <a:pPr lvl="3"/>
             <a:r>
-              <a:rPr lang="fr-FR"/>
+              <a:rPr lang="fr-FR" smtClean="0"/>
               <a:t>Quatrième niveau</a:t>
             </a:r>
           </a:p>
           <a:p>
             <a:pPr lvl="4"/>
             <a:r>
-              <a:rPr lang="fr-FR"/>
+              <a:rPr lang="fr-FR" smtClean="0"/>
               <a:t>Cinquième niveau</a:t>
             </a:r>
-          </a:p>
-        </p:txBody>
-      </p:sp>
-      <p:sp>
-        <p:nvSpPr>
-          <p:cNvPr id="4" name="Espace réservé du contenu 3">
-            <a:extLst>
-              <a:ext uri="{FF2B5EF4-FFF2-40B4-BE49-F238E27FC236}">
-                <a16:creationId xmlns:a16="http://schemas.microsoft.com/office/drawing/2014/main" id="{B32196AB-3124-8EE3-4CB5-A492931FD41C}"/>
-              </a:ext>
-            </a:extLst>
-          </p:cNvPr>
+            <a:endParaRPr lang="en-US"/>
+          </a:p>
+        </p:txBody>
+      </p:sp>
+      <p:sp>
+        <p:nvSpPr>
+          <p:cNvPr id="4" name="Espace réservé du contenu 3"/>
           <p:cNvSpPr>
             <a:spLocks noGrp="1"/>
           </p:cNvSpPr>
@@ -1447,49 +1634,44 @@
           <a:p>
             <a:pPr lvl="0"/>
             <a:r>
-              <a:rPr lang="fr-FR"/>
-              <a:t>Cliquez pour modifier les styles du texte du masque</a:t>
+              <a:rPr lang="fr-FR" smtClean="0"/>
+              <a:t>Modifier les styles du texte du masque</a:t>
             </a:r>
           </a:p>
           <a:p>
             <a:pPr lvl="1"/>
             <a:r>
-              <a:rPr lang="fr-FR"/>
+              <a:rPr lang="fr-FR" smtClean="0"/>
               <a:t>Deuxième niveau</a:t>
             </a:r>
           </a:p>
           <a:p>
             <a:pPr lvl="2"/>
             <a:r>
-              <a:rPr lang="fr-FR"/>
+              <a:rPr lang="fr-FR" smtClean="0"/>
               <a:t>Troisième niveau</a:t>
             </a:r>
           </a:p>
           <a:p>
             <a:pPr lvl="3"/>
             <a:r>
-              <a:rPr lang="fr-FR"/>
+              <a:rPr lang="fr-FR" smtClean="0"/>
               <a:t>Quatrième niveau</a:t>
             </a:r>
           </a:p>
           <a:p>
             <a:pPr lvl="4"/>
             <a:r>
-              <a:rPr lang="fr-FR"/>
+              <a:rPr lang="fr-FR" smtClean="0"/>
               <a:t>Cinquième niveau</a:t>
             </a:r>
-          </a:p>
-        </p:txBody>
-      </p:sp>
-      <p:sp>
-        <p:nvSpPr>
-          <p:cNvPr id="5" name="Espace réservé de la date 4">
-            <a:extLst>
-              <a:ext uri="{FF2B5EF4-FFF2-40B4-BE49-F238E27FC236}">
-                <a16:creationId xmlns:a16="http://schemas.microsoft.com/office/drawing/2014/main" id="{4FB00BDB-6464-FF74-3A77-BA718127E131}"/>
-              </a:ext>
-            </a:extLst>
-          </p:cNvPr>
+            <a:endParaRPr lang="en-US"/>
+          </a:p>
+        </p:txBody>
+      </p:sp>
+      <p:sp>
+        <p:nvSpPr>
+          <p:cNvPr id="5" name="Espace réservé de la date 4"/>
           <p:cNvSpPr>
             <a:spLocks noGrp="1"/>
           </p:cNvSpPr>
@@ -1502,23 +1684,17 @@
           <a:bodyPr/>
           <a:lstStyle/>
           <a:p>
-            <a:fld id="{94384E3B-C972-4E91-83F9-1D5BD72EB66E}" type="datetimeFigureOut">
-              <a:rPr lang="fr-FR" smtClean="0"/>
-              <a:t>04/10/2024</a:t>
+            <a:fld id="{C69C6884-988C-4BB7-ACB9-800278D48C3B}" type="datetimeFigureOut">
+              <a:rPr lang="en-US" smtClean="0"/>
+              <a:t>10/17/2024</a:t>
             </a:fld>
-            <a:endParaRPr lang="fr-FR"/>
-          </a:p>
-        </p:txBody>
-      </p:sp>
-      <p:sp>
-        <p:nvSpPr>
-          <p:cNvPr id="6" name="Espace réservé du pied de page 5">
-            <a:extLst>
-              <a:ext uri="{FF2B5EF4-FFF2-40B4-BE49-F238E27FC236}">
-                <a16:creationId xmlns:a16="http://schemas.microsoft.com/office/drawing/2014/main" id="{3482770B-3A6A-A333-DF5E-3CF819047AF5}"/>
-              </a:ext>
-            </a:extLst>
-          </p:cNvPr>
+            <a:endParaRPr lang="en-US"/>
+          </a:p>
+        </p:txBody>
+      </p:sp>
+      <p:sp>
+        <p:nvSpPr>
+          <p:cNvPr id="6" name="Espace réservé du pied de page 5"/>
           <p:cNvSpPr>
             <a:spLocks noGrp="1"/>
           </p:cNvSpPr>
@@ -1531,19 +1707,13 @@
           <a:bodyPr/>
           <a:lstStyle/>
           <a:p>
-            <a:endParaRPr lang="fr-FR"/>
-          </a:p>
-        </p:txBody>
-      </p:sp>
-      <p:sp>
-        <p:nvSpPr>
-          <p:cNvPr id="7" name="Espace réservé du numéro de diapositive 6">
-            <a:extLst>
-              <a:ext uri="{FF2B5EF4-FFF2-40B4-BE49-F238E27FC236}">
-                <a16:creationId xmlns:a16="http://schemas.microsoft.com/office/drawing/2014/main" id="{F84D0E47-9AFE-3CD5-C39B-2DA84B0DB917}"/>
-              </a:ext>
-            </a:extLst>
-          </p:cNvPr>
+            <a:endParaRPr lang="en-US"/>
+          </a:p>
+        </p:txBody>
+      </p:sp>
+      <p:sp>
+        <p:nvSpPr>
+          <p:cNvPr id="7" name="Espace réservé du numéro de diapositive 6"/>
           <p:cNvSpPr>
             <a:spLocks noGrp="1"/>
           </p:cNvSpPr>
@@ -1556,18 +1726,18 @@
           <a:bodyPr/>
           <a:lstStyle/>
           <a:p>
-            <a:fld id="{0AE4B259-6E1C-4A72-AF0B-95D69555EA20}" type="slidenum">
-              <a:rPr lang="fr-FR" smtClean="0"/>
+            <a:fld id="{3C419C12-E9C3-450D-8593-49D249BC6564}" type="slidenum">
+              <a:rPr lang="en-US" smtClean="0"/>
               <a:t>‹N°›</a:t>
             </a:fld>
-            <a:endParaRPr lang="fr-FR"/>
+            <a:endParaRPr lang="en-US"/>
           </a:p>
         </p:txBody>
       </p:sp>
     </p:spTree>
     <p:extLst>
       <p:ext uri="{BB962C8B-B14F-4D97-AF65-F5344CB8AC3E}">
-        <p14:creationId xmlns:p14="http://schemas.microsoft.com/office/powerpoint/2010/main" val="2111423325"/>
+        <p14:creationId xmlns:p14="http://schemas.microsoft.com/office/powerpoint/2010/main" val="4121729997"/>
       </p:ext>
     </p:extLst>
   </p:cSld>
@@ -1596,13 +1766,7 @@
       </p:grpSpPr>
       <p:sp>
         <p:nvSpPr>
-          <p:cNvPr id="2" name="Titre 1">
-            <a:extLst>
-              <a:ext uri="{FF2B5EF4-FFF2-40B4-BE49-F238E27FC236}">
-                <a16:creationId xmlns:a16="http://schemas.microsoft.com/office/drawing/2014/main" id="{D236B78F-9F69-F420-1913-FDE47EF2954A}"/>
-              </a:ext>
-            </a:extLst>
-          </p:cNvPr>
+          <p:cNvPr id="2" name="Titre 1"/>
           <p:cNvSpPr>
             <a:spLocks noGrp="1"/>
           </p:cNvSpPr>
@@ -1621,21 +1785,16 @@
           <a:lstStyle/>
           <a:p>
             <a:r>
-              <a:rPr lang="fr-FR"/>
+              <a:rPr lang="fr-FR" smtClean="0"/>
               <a:t>Modifiez le style du titre</a:t>
             </a:r>
-          </a:p>
-        </p:txBody>
-      </p:sp>
-      <p:sp>
-        <p:nvSpPr>
-          <p:cNvPr id="3" name="Espace réservé du texte 2">
-            <a:extLst>
-              <a:ext uri="{FF2B5EF4-FFF2-40B4-BE49-F238E27FC236}">
-                <a16:creationId xmlns:a16="http://schemas.microsoft.com/office/drawing/2014/main" id="{16AABF95-991F-25F2-1B21-722349CF0EC2}"/>
-              </a:ext>
-            </a:extLst>
-          </p:cNvPr>
+            <a:endParaRPr lang="en-US"/>
+          </a:p>
+        </p:txBody>
+      </p:sp>
+      <p:sp>
+        <p:nvSpPr>
+          <p:cNvPr id="3" name="Espace réservé du texte 2"/>
           <p:cNvSpPr>
             <a:spLocks noGrp="1"/>
           </p:cNvSpPr>
@@ -1692,21 +1851,15 @@
           <a:p>
             <a:pPr lvl="0"/>
             <a:r>
-              <a:rPr lang="fr-FR"/>
-              <a:t>Cliquez pour modifier les styles du texte du masque</a:t>
-            </a:r>
-          </a:p>
-        </p:txBody>
-      </p:sp>
-      <p:sp>
-        <p:nvSpPr>
-          <p:cNvPr id="4" name="Espace réservé du contenu 3">
-            <a:extLst>
-              <a:ext uri="{FF2B5EF4-FFF2-40B4-BE49-F238E27FC236}">
-                <a16:creationId xmlns:a16="http://schemas.microsoft.com/office/drawing/2014/main" id="{46D19247-3ED1-A16E-AD71-FE28C13C861D}"/>
-              </a:ext>
-            </a:extLst>
-          </p:cNvPr>
+              <a:rPr lang="fr-FR" smtClean="0"/>
+              <a:t>Modifier les styles du texte du masque</a:t>
+            </a:r>
+          </a:p>
+        </p:txBody>
+      </p:sp>
+      <p:sp>
+        <p:nvSpPr>
+          <p:cNvPr id="4" name="Espace réservé du contenu 3"/>
           <p:cNvSpPr>
             <a:spLocks noGrp="1"/>
           </p:cNvSpPr>
@@ -1726,49 +1879,44 @@
           <a:p>
             <a:pPr lvl="0"/>
             <a:r>
-              <a:rPr lang="fr-FR"/>
-              <a:t>Cliquez pour modifier les styles du texte du masque</a:t>
+              <a:rPr lang="fr-FR" smtClean="0"/>
+              <a:t>Modifier les styles du texte du masque</a:t>
             </a:r>
           </a:p>
           <a:p>
             <a:pPr lvl="1"/>
             <a:r>
-              <a:rPr lang="fr-FR"/>
+              <a:rPr lang="fr-FR" smtClean="0"/>
               <a:t>Deuxième niveau</a:t>
             </a:r>
           </a:p>
           <a:p>
             <a:pPr lvl="2"/>
             <a:r>
-              <a:rPr lang="fr-FR"/>
+              <a:rPr lang="fr-FR" smtClean="0"/>
               <a:t>Troisième niveau</a:t>
             </a:r>
           </a:p>
           <a:p>
             <a:pPr lvl="3"/>
             <a:r>
-              <a:rPr lang="fr-FR"/>
+              <a:rPr lang="fr-FR" smtClean="0"/>
               <a:t>Quatrième niveau</a:t>
             </a:r>
           </a:p>
           <a:p>
             <a:pPr lvl="4"/>
             <a:r>
-              <a:rPr lang="fr-FR"/>
+              <a:rPr lang="fr-FR" smtClean="0"/>
               <a:t>Cinquième niveau</a:t>
             </a:r>
-          </a:p>
-        </p:txBody>
-      </p:sp>
-      <p:sp>
-        <p:nvSpPr>
-          <p:cNvPr id="5" name="Espace réservé du texte 4">
-            <a:extLst>
-              <a:ext uri="{FF2B5EF4-FFF2-40B4-BE49-F238E27FC236}">
-                <a16:creationId xmlns:a16="http://schemas.microsoft.com/office/drawing/2014/main" id="{E8270057-A192-9C98-7CA0-E74C722A86D5}"/>
-              </a:ext>
-            </a:extLst>
-          </p:cNvPr>
+            <a:endParaRPr lang="en-US"/>
+          </a:p>
+        </p:txBody>
+      </p:sp>
+      <p:sp>
+        <p:nvSpPr>
+          <p:cNvPr id="5" name="Espace réservé du texte 4"/>
           <p:cNvSpPr>
             <a:spLocks noGrp="1"/>
           </p:cNvSpPr>
@@ -1825,21 +1973,15 @@
           <a:p>
             <a:pPr lvl="0"/>
             <a:r>
-              <a:rPr lang="fr-FR"/>
-              <a:t>Cliquez pour modifier les styles du texte du masque</a:t>
-            </a:r>
-          </a:p>
-        </p:txBody>
-      </p:sp>
-      <p:sp>
-        <p:nvSpPr>
-          <p:cNvPr id="6" name="Espace réservé du contenu 5">
-            <a:extLst>
-              <a:ext uri="{FF2B5EF4-FFF2-40B4-BE49-F238E27FC236}">
-                <a16:creationId xmlns:a16="http://schemas.microsoft.com/office/drawing/2014/main" id="{18EE58ED-AE4A-7CB5-A55E-DD2F521E9FF7}"/>
-              </a:ext>
-            </a:extLst>
-          </p:cNvPr>
+              <a:rPr lang="fr-FR" smtClean="0"/>
+              <a:t>Modifier les styles du texte du masque</a:t>
+            </a:r>
+          </a:p>
+        </p:txBody>
+      </p:sp>
+      <p:sp>
+        <p:nvSpPr>
+          <p:cNvPr id="6" name="Espace réservé du contenu 5"/>
           <p:cNvSpPr>
             <a:spLocks noGrp="1"/>
           </p:cNvSpPr>
@@ -1859,49 +2001,44 @@
           <a:p>
             <a:pPr lvl="0"/>
             <a:r>
-              <a:rPr lang="fr-FR"/>
-              <a:t>Cliquez pour modifier les styles du texte du masque</a:t>
+              <a:rPr lang="fr-FR" smtClean="0"/>
+              <a:t>Modifier les styles du texte du masque</a:t>
             </a:r>
           </a:p>
           <a:p>
             <a:pPr lvl="1"/>
             <a:r>
-              <a:rPr lang="fr-FR"/>
+              <a:rPr lang="fr-FR" smtClean="0"/>
               <a:t>Deuxième niveau</a:t>
             </a:r>
           </a:p>
           <a:p>
             <a:pPr lvl="2"/>
             <a:r>
-              <a:rPr lang="fr-FR"/>
+              <a:rPr lang="fr-FR" smtClean="0"/>
               <a:t>Troisième niveau</a:t>
             </a:r>
           </a:p>
           <a:p>
             <a:pPr lvl="3"/>
             <a:r>
-              <a:rPr lang="fr-FR"/>
+              <a:rPr lang="fr-FR" smtClean="0"/>
               <a:t>Quatrième niveau</a:t>
             </a:r>
           </a:p>
           <a:p>
             <a:pPr lvl="4"/>
             <a:r>
-              <a:rPr lang="fr-FR"/>
+              <a:rPr lang="fr-FR" smtClean="0"/>
               <a:t>Cinquième niveau</a:t>
             </a:r>
-          </a:p>
-        </p:txBody>
-      </p:sp>
-      <p:sp>
-        <p:nvSpPr>
-          <p:cNvPr id="7" name="Espace réservé de la date 6">
-            <a:extLst>
-              <a:ext uri="{FF2B5EF4-FFF2-40B4-BE49-F238E27FC236}">
-                <a16:creationId xmlns:a16="http://schemas.microsoft.com/office/drawing/2014/main" id="{9AFACE9F-31C8-44E8-9D26-766B4FC29AF1}"/>
-              </a:ext>
-            </a:extLst>
-          </p:cNvPr>
+            <a:endParaRPr lang="en-US"/>
+          </a:p>
+        </p:txBody>
+      </p:sp>
+      <p:sp>
+        <p:nvSpPr>
+          <p:cNvPr id="7" name="Espace réservé de la date 6"/>
           <p:cNvSpPr>
             <a:spLocks noGrp="1"/>
           </p:cNvSpPr>
@@ -1914,23 +2051,17 @@
           <a:bodyPr/>
           <a:lstStyle/>
           <a:p>
-            <a:fld id="{94384E3B-C972-4E91-83F9-1D5BD72EB66E}" type="datetimeFigureOut">
-              <a:rPr lang="fr-FR" smtClean="0"/>
-              <a:t>04/10/2024</a:t>
+            <a:fld id="{C69C6884-988C-4BB7-ACB9-800278D48C3B}" type="datetimeFigureOut">
+              <a:rPr lang="en-US" smtClean="0"/>
+              <a:t>10/17/2024</a:t>
             </a:fld>
-            <a:endParaRPr lang="fr-FR"/>
-          </a:p>
-        </p:txBody>
-      </p:sp>
-      <p:sp>
-        <p:nvSpPr>
-          <p:cNvPr id="8" name="Espace réservé du pied de page 7">
-            <a:extLst>
-              <a:ext uri="{FF2B5EF4-FFF2-40B4-BE49-F238E27FC236}">
-                <a16:creationId xmlns:a16="http://schemas.microsoft.com/office/drawing/2014/main" id="{0A9AFF85-E60B-0FEC-F9CB-6844604F7532}"/>
-              </a:ext>
-            </a:extLst>
-          </p:cNvPr>
+            <a:endParaRPr lang="en-US"/>
+          </a:p>
+        </p:txBody>
+      </p:sp>
+      <p:sp>
+        <p:nvSpPr>
+          <p:cNvPr id="8" name="Espace réservé du pied de page 7"/>
           <p:cNvSpPr>
             <a:spLocks noGrp="1"/>
           </p:cNvSpPr>
@@ -1943,19 +2074,13 @@
           <a:bodyPr/>
           <a:lstStyle/>
           <a:p>
-            <a:endParaRPr lang="fr-FR"/>
-          </a:p>
-        </p:txBody>
-      </p:sp>
-      <p:sp>
-        <p:nvSpPr>
-          <p:cNvPr id="9" name="Espace réservé du numéro de diapositive 8">
-            <a:extLst>
-              <a:ext uri="{FF2B5EF4-FFF2-40B4-BE49-F238E27FC236}">
-                <a16:creationId xmlns:a16="http://schemas.microsoft.com/office/drawing/2014/main" id="{A6BBA1C9-47AC-25DF-3EB6-B5FA7E11E1BF}"/>
-              </a:ext>
-            </a:extLst>
-          </p:cNvPr>
+            <a:endParaRPr lang="en-US"/>
+          </a:p>
+        </p:txBody>
+      </p:sp>
+      <p:sp>
+        <p:nvSpPr>
+          <p:cNvPr id="9" name="Espace réservé du numéro de diapositive 8"/>
           <p:cNvSpPr>
             <a:spLocks noGrp="1"/>
           </p:cNvSpPr>
@@ -1968,18 +2093,18 @@
           <a:bodyPr/>
           <a:lstStyle/>
           <a:p>
-            <a:fld id="{0AE4B259-6E1C-4A72-AF0B-95D69555EA20}" type="slidenum">
-              <a:rPr lang="fr-FR" smtClean="0"/>
+            <a:fld id="{3C419C12-E9C3-450D-8593-49D249BC6564}" type="slidenum">
+              <a:rPr lang="en-US" smtClean="0"/>
               <a:t>‹N°›</a:t>
             </a:fld>
-            <a:endParaRPr lang="fr-FR"/>
+            <a:endParaRPr lang="en-US"/>
           </a:p>
         </p:txBody>
       </p:sp>
     </p:spTree>
     <p:extLst>
       <p:ext uri="{BB962C8B-B14F-4D97-AF65-F5344CB8AC3E}">
-        <p14:creationId xmlns:p14="http://schemas.microsoft.com/office/powerpoint/2010/main" val="2351767095"/>
+        <p14:creationId xmlns:p14="http://schemas.microsoft.com/office/powerpoint/2010/main" val="4258270535"/>
       </p:ext>
     </p:extLst>
   </p:cSld>
@@ -2008,13 +2133,7 @@
       </p:grpSpPr>
       <p:sp>
         <p:nvSpPr>
-          <p:cNvPr id="2" name="Titre 1">
-            <a:extLst>
-              <a:ext uri="{FF2B5EF4-FFF2-40B4-BE49-F238E27FC236}">
-                <a16:creationId xmlns:a16="http://schemas.microsoft.com/office/drawing/2014/main" id="{504BCB6B-06B6-D9D4-CBBE-4CA57879F17C}"/>
-              </a:ext>
-            </a:extLst>
-          </p:cNvPr>
+          <p:cNvPr id="2" name="Titre 1"/>
           <p:cNvSpPr>
             <a:spLocks noGrp="1"/>
           </p:cNvSpPr>
@@ -2028,21 +2147,16 @@
           <a:lstStyle/>
           <a:p>
             <a:r>
-              <a:rPr lang="fr-FR"/>
+              <a:rPr lang="fr-FR" smtClean="0"/>
               <a:t>Modifiez le style du titre</a:t>
             </a:r>
-          </a:p>
-        </p:txBody>
-      </p:sp>
-      <p:sp>
-        <p:nvSpPr>
-          <p:cNvPr id="3" name="Espace réservé de la date 2">
-            <a:extLst>
-              <a:ext uri="{FF2B5EF4-FFF2-40B4-BE49-F238E27FC236}">
-                <a16:creationId xmlns:a16="http://schemas.microsoft.com/office/drawing/2014/main" id="{E0FE9B5A-F664-2241-AB9C-662051596768}"/>
-              </a:ext>
-            </a:extLst>
-          </p:cNvPr>
+            <a:endParaRPr lang="en-US"/>
+          </a:p>
+        </p:txBody>
+      </p:sp>
+      <p:sp>
+        <p:nvSpPr>
+          <p:cNvPr id="3" name="Espace réservé de la date 2"/>
           <p:cNvSpPr>
             <a:spLocks noGrp="1"/>
           </p:cNvSpPr>
@@ -2055,23 +2169,17 @@
           <a:bodyPr/>
           <a:lstStyle/>
           <a:p>
-            <a:fld id="{94384E3B-C972-4E91-83F9-1D5BD72EB66E}" type="datetimeFigureOut">
-              <a:rPr lang="fr-FR" smtClean="0"/>
-              <a:t>04/10/2024</a:t>
+            <a:fld id="{C69C6884-988C-4BB7-ACB9-800278D48C3B}" type="datetimeFigureOut">
+              <a:rPr lang="en-US" smtClean="0"/>
+              <a:t>10/17/2024</a:t>
             </a:fld>
-            <a:endParaRPr lang="fr-FR"/>
-          </a:p>
-        </p:txBody>
-      </p:sp>
-      <p:sp>
-        <p:nvSpPr>
-          <p:cNvPr id="4" name="Espace réservé du pied de page 3">
-            <a:extLst>
-              <a:ext uri="{FF2B5EF4-FFF2-40B4-BE49-F238E27FC236}">
-                <a16:creationId xmlns:a16="http://schemas.microsoft.com/office/drawing/2014/main" id="{0685622A-3C4E-4E27-4F76-B975EDB1FD56}"/>
-              </a:ext>
-            </a:extLst>
-          </p:cNvPr>
+            <a:endParaRPr lang="en-US"/>
+          </a:p>
+        </p:txBody>
+      </p:sp>
+      <p:sp>
+        <p:nvSpPr>
+          <p:cNvPr id="4" name="Espace réservé du pied de page 3"/>
           <p:cNvSpPr>
             <a:spLocks noGrp="1"/>
           </p:cNvSpPr>
@@ -2084,19 +2192,13 @@
           <a:bodyPr/>
           <a:lstStyle/>
           <a:p>
-            <a:endParaRPr lang="fr-FR"/>
-          </a:p>
-        </p:txBody>
-      </p:sp>
-      <p:sp>
-        <p:nvSpPr>
-          <p:cNvPr id="5" name="Espace réservé du numéro de diapositive 4">
-            <a:extLst>
-              <a:ext uri="{FF2B5EF4-FFF2-40B4-BE49-F238E27FC236}">
-                <a16:creationId xmlns:a16="http://schemas.microsoft.com/office/drawing/2014/main" id="{AE6F68C4-6FC9-184A-07FF-79DD159109BC}"/>
-              </a:ext>
-            </a:extLst>
-          </p:cNvPr>
+            <a:endParaRPr lang="en-US"/>
+          </a:p>
+        </p:txBody>
+      </p:sp>
+      <p:sp>
+        <p:nvSpPr>
+          <p:cNvPr id="5" name="Espace réservé du numéro de diapositive 4"/>
           <p:cNvSpPr>
             <a:spLocks noGrp="1"/>
           </p:cNvSpPr>
@@ -2109,18 +2211,18 @@
           <a:bodyPr/>
           <a:lstStyle/>
           <a:p>
-            <a:fld id="{0AE4B259-6E1C-4A72-AF0B-95D69555EA20}" type="slidenum">
-              <a:rPr lang="fr-FR" smtClean="0"/>
+            <a:fld id="{3C419C12-E9C3-450D-8593-49D249BC6564}" type="slidenum">
+              <a:rPr lang="en-US" smtClean="0"/>
               <a:t>‹N°›</a:t>
             </a:fld>
-            <a:endParaRPr lang="fr-FR"/>
+            <a:endParaRPr lang="en-US"/>
           </a:p>
         </p:txBody>
       </p:sp>
     </p:spTree>
     <p:extLst>
       <p:ext uri="{BB962C8B-B14F-4D97-AF65-F5344CB8AC3E}">
-        <p14:creationId xmlns:p14="http://schemas.microsoft.com/office/powerpoint/2010/main" val="1633263345"/>
+        <p14:creationId xmlns:p14="http://schemas.microsoft.com/office/powerpoint/2010/main" val="3869562858"/>
       </p:ext>
     </p:extLst>
   </p:cSld>
@@ -2149,13 +2251,7 @@
       </p:grpSpPr>
       <p:sp>
         <p:nvSpPr>
-          <p:cNvPr id="2" name="Espace réservé de la date 1">
-            <a:extLst>
-              <a:ext uri="{FF2B5EF4-FFF2-40B4-BE49-F238E27FC236}">
-                <a16:creationId xmlns:a16="http://schemas.microsoft.com/office/drawing/2014/main" id="{213F295B-D726-242F-E5BC-B99968C9F2A5}"/>
-              </a:ext>
-            </a:extLst>
-          </p:cNvPr>
+          <p:cNvPr id="2" name="Espace réservé de la date 1"/>
           <p:cNvSpPr>
             <a:spLocks noGrp="1"/>
           </p:cNvSpPr>
@@ -2168,23 +2264,17 @@
           <a:bodyPr/>
           <a:lstStyle/>
           <a:p>
-            <a:fld id="{94384E3B-C972-4E91-83F9-1D5BD72EB66E}" type="datetimeFigureOut">
-              <a:rPr lang="fr-FR" smtClean="0"/>
-              <a:t>04/10/2024</a:t>
+            <a:fld id="{C69C6884-988C-4BB7-ACB9-800278D48C3B}" type="datetimeFigureOut">
+              <a:rPr lang="en-US" smtClean="0"/>
+              <a:t>10/17/2024</a:t>
             </a:fld>
-            <a:endParaRPr lang="fr-FR"/>
-          </a:p>
-        </p:txBody>
-      </p:sp>
-      <p:sp>
-        <p:nvSpPr>
-          <p:cNvPr id="3" name="Espace réservé du pied de page 2">
-            <a:extLst>
-              <a:ext uri="{FF2B5EF4-FFF2-40B4-BE49-F238E27FC236}">
-                <a16:creationId xmlns:a16="http://schemas.microsoft.com/office/drawing/2014/main" id="{12B8654D-ACBF-2D76-1B00-653F6078F653}"/>
-              </a:ext>
-            </a:extLst>
-          </p:cNvPr>
+            <a:endParaRPr lang="en-US"/>
+          </a:p>
+        </p:txBody>
+      </p:sp>
+      <p:sp>
+        <p:nvSpPr>
+          <p:cNvPr id="3" name="Espace réservé du pied de page 2"/>
           <p:cNvSpPr>
             <a:spLocks noGrp="1"/>
           </p:cNvSpPr>
@@ -2197,19 +2287,13 @@
           <a:bodyPr/>
           <a:lstStyle/>
           <a:p>
-            <a:endParaRPr lang="fr-FR"/>
-          </a:p>
-        </p:txBody>
-      </p:sp>
-      <p:sp>
-        <p:nvSpPr>
-          <p:cNvPr id="4" name="Espace réservé du numéro de diapositive 3">
-            <a:extLst>
-              <a:ext uri="{FF2B5EF4-FFF2-40B4-BE49-F238E27FC236}">
-                <a16:creationId xmlns:a16="http://schemas.microsoft.com/office/drawing/2014/main" id="{0AF7286A-C5FB-D4BC-CE4E-4C75A74CA977}"/>
-              </a:ext>
-            </a:extLst>
-          </p:cNvPr>
+            <a:endParaRPr lang="en-US"/>
+          </a:p>
+        </p:txBody>
+      </p:sp>
+      <p:sp>
+        <p:nvSpPr>
+          <p:cNvPr id="4" name="Espace réservé du numéro de diapositive 3"/>
           <p:cNvSpPr>
             <a:spLocks noGrp="1"/>
           </p:cNvSpPr>
@@ -2222,18 +2306,18 @@
           <a:bodyPr/>
           <a:lstStyle/>
           <a:p>
-            <a:fld id="{0AE4B259-6E1C-4A72-AF0B-95D69555EA20}" type="slidenum">
-              <a:rPr lang="fr-FR" smtClean="0"/>
+            <a:fld id="{3C419C12-E9C3-450D-8593-49D249BC6564}" type="slidenum">
+              <a:rPr lang="en-US" smtClean="0"/>
               <a:t>‹N°›</a:t>
             </a:fld>
-            <a:endParaRPr lang="fr-FR"/>
+            <a:endParaRPr lang="en-US"/>
           </a:p>
         </p:txBody>
       </p:sp>
     </p:spTree>
     <p:extLst>
       <p:ext uri="{BB962C8B-B14F-4D97-AF65-F5344CB8AC3E}">
-        <p14:creationId xmlns:p14="http://schemas.microsoft.com/office/powerpoint/2010/main" val="3657891114"/>
+        <p14:creationId xmlns:p14="http://schemas.microsoft.com/office/powerpoint/2010/main" val="1161612510"/>
       </p:ext>
     </p:extLst>
   </p:cSld>
@@ -2262,13 +2346,7 @@
       </p:grpSpPr>
       <p:sp>
         <p:nvSpPr>
-          <p:cNvPr id="2" name="Titre 1">
-            <a:extLst>
-              <a:ext uri="{FF2B5EF4-FFF2-40B4-BE49-F238E27FC236}">
-                <a16:creationId xmlns:a16="http://schemas.microsoft.com/office/drawing/2014/main" id="{DEEF66F0-A0E3-71E7-308A-4DB171518F87}"/>
-              </a:ext>
-            </a:extLst>
-          </p:cNvPr>
+          <p:cNvPr id="2" name="Titre 1"/>
           <p:cNvSpPr>
             <a:spLocks noGrp="1"/>
           </p:cNvSpPr>
@@ -2291,21 +2369,16 @@
           </a:lstStyle>
           <a:p>
             <a:r>
-              <a:rPr lang="fr-FR"/>
+              <a:rPr lang="fr-FR" smtClean="0"/>
               <a:t>Modifiez le style du titre</a:t>
             </a:r>
-          </a:p>
-        </p:txBody>
-      </p:sp>
-      <p:sp>
-        <p:nvSpPr>
-          <p:cNvPr id="3" name="Espace réservé du contenu 2">
-            <a:extLst>
-              <a:ext uri="{FF2B5EF4-FFF2-40B4-BE49-F238E27FC236}">
-                <a16:creationId xmlns:a16="http://schemas.microsoft.com/office/drawing/2014/main" id="{3B5BF5E7-4100-514E-C718-CC0BFA3E52E7}"/>
-              </a:ext>
-            </a:extLst>
-          </p:cNvPr>
+            <a:endParaRPr lang="en-US"/>
+          </a:p>
+        </p:txBody>
+      </p:sp>
+      <p:sp>
+        <p:nvSpPr>
+          <p:cNvPr id="3" name="Espace réservé du contenu 2"/>
           <p:cNvSpPr>
             <a:spLocks noGrp="1"/>
           </p:cNvSpPr>
@@ -2353,49 +2426,44 @@
           <a:p>
             <a:pPr lvl="0"/>
             <a:r>
-              <a:rPr lang="fr-FR"/>
-              <a:t>Cliquez pour modifier les styles du texte du masque</a:t>
+              <a:rPr lang="fr-FR" smtClean="0"/>
+              <a:t>Modifier les styles du texte du masque</a:t>
             </a:r>
           </a:p>
           <a:p>
             <a:pPr lvl="1"/>
             <a:r>
-              <a:rPr lang="fr-FR"/>
+              <a:rPr lang="fr-FR" smtClean="0"/>
               <a:t>Deuxième niveau</a:t>
             </a:r>
           </a:p>
           <a:p>
             <a:pPr lvl="2"/>
             <a:r>
-              <a:rPr lang="fr-FR"/>
+              <a:rPr lang="fr-FR" smtClean="0"/>
               <a:t>Troisième niveau</a:t>
             </a:r>
           </a:p>
           <a:p>
             <a:pPr lvl="3"/>
             <a:r>
-              <a:rPr lang="fr-FR"/>
+              <a:rPr lang="fr-FR" smtClean="0"/>
               <a:t>Quatrième niveau</a:t>
             </a:r>
           </a:p>
           <a:p>
             <a:pPr lvl="4"/>
             <a:r>
-              <a:rPr lang="fr-FR"/>
+              <a:rPr lang="fr-FR" smtClean="0"/>
               <a:t>Cinquième niveau</a:t>
             </a:r>
-          </a:p>
-        </p:txBody>
-      </p:sp>
-      <p:sp>
-        <p:nvSpPr>
-          <p:cNvPr id="4" name="Espace réservé du texte 3">
-            <a:extLst>
-              <a:ext uri="{FF2B5EF4-FFF2-40B4-BE49-F238E27FC236}">
-                <a16:creationId xmlns:a16="http://schemas.microsoft.com/office/drawing/2014/main" id="{00AB88FE-B066-FE17-EA3C-4BB0742C4FF3}"/>
-              </a:ext>
-            </a:extLst>
-          </p:cNvPr>
+            <a:endParaRPr lang="en-US"/>
+          </a:p>
+        </p:txBody>
+      </p:sp>
+      <p:sp>
+        <p:nvSpPr>
+          <p:cNvPr id="4" name="Espace réservé du texte 3"/>
           <p:cNvSpPr>
             <a:spLocks noGrp="1"/>
           </p:cNvSpPr>
@@ -2452,21 +2520,15 @@
           <a:p>
             <a:pPr lvl="0"/>
             <a:r>
-              <a:rPr lang="fr-FR"/>
-              <a:t>Cliquez pour modifier les styles du texte du masque</a:t>
-            </a:r>
-          </a:p>
-        </p:txBody>
-      </p:sp>
-      <p:sp>
-        <p:nvSpPr>
-          <p:cNvPr id="5" name="Espace réservé de la date 4">
-            <a:extLst>
-              <a:ext uri="{FF2B5EF4-FFF2-40B4-BE49-F238E27FC236}">
-                <a16:creationId xmlns:a16="http://schemas.microsoft.com/office/drawing/2014/main" id="{B25E8D23-7FD9-1144-002F-A14835A977C0}"/>
-              </a:ext>
-            </a:extLst>
-          </p:cNvPr>
+              <a:rPr lang="fr-FR" smtClean="0"/>
+              <a:t>Modifier les styles du texte du masque</a:t>
+            </a:r>
+          </a:p>
+        </p:txBody>
+      </p:sp>
+      <p:sp>
+        <p:nvSpPr>
+          <p:cNvPr id="5" name="Espace réservé de la date 4"/>
           <p:cNvSpPr>
             <a:spLocks noGrp="1"/>
           </p:cNvSpPr>
@@ -2479,23 +2541,17 @@
           <a:bodyPr/>
           <a:lstStyle/>
           <a:p>
-            <a:fld id="{94384E3B-C972-4E91-83F9-1D5BD72EB66E}" type="datetimeFigureOut">
-              <a:rPr lang="fr-FR" smtClean="0"/>
-              <a:t>04/10/2024</a:t>
+            <a:fld id="{C69C6884-988C-4BB7-ACB9-800278D48C3B}" type="datetimeFigureOut">
+              <a:rPr lang="en-US" smtClean="0"/>
+              <a:t>10/17/2024</a:t>
             </a:fld>
-            <a:endParaRPr lang="fr-FR"/>
-          </a:p>
-        </p:txBody>
-      </p:sp>
-      <p:sp>
-        <p:nvSpPr>
-          <p:cNvPr id="6" name="Espace réservé du pied de page 5">
-            <a:extLst>
-              <a:ext uri="{FF2B5EF4-FFF2-40B4-BE49-F238E27FC236}">
-                <a16:creationId xmlns:a16="http://schemas.microsoft.com/office/drawing/2014/main" id="{51A8C289-5526-2CF6-B2BA-F805A821F155}"/>
-              </a:ext>
-            </a:extLst>
-          </p:cNvPr>
+            <a:endParaRPr lang="en-US"/>
+          </a:p>
+        </p:txBody>
+      </p:sp>
+      <p:sp>
+        <p:nvSpPr>
+          <p:cNvPr id="6" name="Espace réservé du pied de page 5"/>
           <p:cNvSpPr>
             <a:spLocks noGrp="1"/>
           </p:cNvSpPr>
@@ -2508,19 +2564,13 @@
           <a:bodyPr/>
           <a:lstStyle/>
           <a:p>
-            <a:endParaRPr lang="fr-FR"/>
-          </a:p>
-        </p:txBody>
-      </p:sp>
-      <p:sp>
-        <p:nvSpPr>
-          <p:cNvPr id="7" name="Espace réservé du numéro de diapositive 6">
-            <a:extLst>
-              <a:ext uri="{FF2B5EF4-FFF2-40B4-BE49-F238E27FC236}">
-                <a16:creationId xmlns:a16="http://schemas.microsoft.com/office/drawing/2014/main" id="{63536C92-3E32-4A22-CC12-A39115369C23}"/>
-              </a:ext>
-            </a:extLst>
-          </p:cNvPr>
+            <a:endParaRPr lang="en-US"/>
+          </a:p>
+        </p:txBody>
+      </p:sp>
+      <p:sp>
+        <p:nvSpPr>
+          <p:cNvPr id="7" name="Espace réservé du numéro de diapositive 6"/>
           <p:cNvSpPr>
             <a:spLocks noGrp="1"/>
           </p:cNvSpPr>
@@ -2533,18 +2583,18 @@
           <a:bodyPr/>
           <a:lstStyle/>
           <a:p>
-            <a:fld id="{0AE4B259-6E1C-4A72-AF0B-95D69555EA20}" type="slidenum">
-              <a:rPr lang="fr-FR" smtClean="0"/>
+            <a:fld id="{3C419C12-E9C3-450D-8593-49D249BC6564}" type="slidenum">
+              <a:rPr lang="en-US" smtClean="0"/>
               <a:t>‹N°›</a:t>
             </a:fld>
-            <a:endParaRPr lang="fr-FR"/>
+            <a:endParaRPr lang="en-US"/>
           </a:p>
         </p:txBody>
       </p:sp>
     </p:spTree>
     <p:extLst>
       <p:ext uri="{BB962C8B-B14F-4D97-AF65-F5344CB8AC3E}">
-        <p14:creationId xmlns:p14="http://schemas.microsoft.com/office/powerpoint/2010/main" val="3235470437"/>
+        <p14:creationId xmlns:p14="http://schemas.microsoft.com/office/powerpoint/2010/main" val="3094321055"/>
       </p:ext>
     </p:extLst>
   </p:cSld>
@@ -2573,13 +2623,7 @@
       </p:grpSpPr>
       <p:sp>
         <p:nvSpPr>
-          <p:cNvPr id="2" name="Titre 1">
-            <a:extLst>
-              <a:ext uri="{FF2B5EF4-FFF2-40B4-BE49-F238E27FC236}">
-                <a16:creationId xmlns:a16="http://schemas.microsoft.com/office/drawing/2014/main" id="{12F57EA3-5628-EB93-0A06-96836D139095}"/>
-              </a:ext>
-            </a:extLst>
-          </p:cNvPr>
+          <p:cNvPr id="2" name="Titre 1"/>
           <p:cNvSpPr>
             <a:spLocks noGrp="1"/>
           </p:cNvSpPr>
@@ -2602,21 +2646,16 @@
           </a:lstStyle>
           <a:p>
             <a:r>
-              <a:rPr lang="fr-FR"/>
+              <a:rPr lang="fr-FR" smtClean="0"/>
               <a:t>Modifiez le style du titre</a:t>
             </a:r>
-          </a:p>
-        </p:txBody>
-      </p:sp>
-      <p:sp>
-        <p:nvSpPr>
-          <p:cNvPr id="3" name="Espace réservé pour une image  2">
-            <a:extLst>
-              <a:ext uri="{FF2B5EF4-FFF2-40B4-BE49-F238E27FC236}">
-                <a16:creationId xmlns:a16="http://schemas.microsoft.com/office/drawing/2014/main" id="{1482AB84-8933-7D02-E80D-217F021BD0BB}"/>
-              </a:ext>
-            </a:extLst>
-          </p:cNvPr>
+            <a:endParaRPr lang="en-US"/>
+          </a:p>
+        </p:txBody>
+      </p:sp>
+      <p:sp>
+        <p:nvSpPr>
+          <p:cNvPr id="3" name="Espace réservé pour une image  2"/>
           <p:cNvSpPr>
             <a:spLocks noGrp="1"/>
           </p:cNvSpPr>
@@ -2671,19 +2710,13 @@
             </a:lvl9pPr>
           </a:lstStyle>
           <a:p>
-            <a:endParaRPr lang="fr-FR"/>
-          </a:p>
-        </p:txBody>
-      </p:sp>
-      <p:sp>
-        <p:nvSpPr>
-          <p:cNvPr id="4" name="Espace réservé du texte 3">
-            <a:extLst>
-              <a:ext uri="{FF2B5EF4-FFF2-40B4-BE49-F238E27FC236}">
-                <a16:creationId xmlns:a16="http://schemas.microsoft.com/office/drawing/2014/main" id="{55A9D1E4-B18F-B8F7-E26C-6C92DAACCB03}"/>
-              </a:ext>
-            </a:extLst>
-          </p:cNvPr>
+            <a:endParaRPr lang="en-US"/>
+          </a:p>
+        </p:txBody>
+      </p:sp>
+      <p:sp>
+        <p:nvSpPr>
+          <p:cNvPr id="4" name="Espace réservé du texte 3"/>
           <p:cNvSpPr>
             <a:spLocks noGrp="1"/>
           </p:cNvSpPr>
@@ -2740,21 +2773,15 @@
           <a:p>
             <a:pPr lvl="0"/>
             <a:r>
-              <a:rPr lang="fr-FR"/>
-              <a:t>Cliquez pour modifier les styles du texte du masque</a:t>
-            </a:r>
-          </a:p>
-        </p:txBody>
-      </p:sp>
-      <p:sp>
-        <p:nvSpPr>
-          <p:cNvPr id="5" name="Espace réservé de la date 4">
-            <a:extLst>
-              <a:ext uri="{FF2B5EF4-FFF2-40B4-BE49-F238E27FC236}">
-                <a16:creationId xmlns:a16="http://schemas.microsoft.com/office/drawing/2014/main" id="{9C810933-0A7A-B0D8-BDFF-53041E3CA6C0}"/>
-              </a:ext>
-            </a:extLst>
-          </p:cNvPr>
+              <a:rPr lang="fr-FR" smtClean="0"/>
+              <a:t>Modifier les styles du texte du masque</a:t>
+            </a:r>
+          </a:p>
+        </p:txBody>
+      </p:sp>
+      <p:sp>
+        <p:nvSpPr>
+          <p:cNvPr id="5" name="Espace réservé de la date 4"/>
           <p:cNvSpPr>
             <a:spLocks noGrp="1"/>
           </p:cNvSpPr>
@@ -2767,23 +2794,17 @@
           <a:bodyPr/>
           <a:lstStyle/>
           <a:p>
-            <a:fld id="{94384E3B-C972-4E91-83F9-1D5BD72EB66E}" type="datetimeFigureOut">
-              <a:rPr lang="fr-FR" smtClean="0"/>
-              <a:t>04/10/2024</a:t>
+            <a:fld id="{C69C6884-988C-4BB7-ACB9-800278D48C3B}" type="datetimeFigureOut">
+              <a:rPr lang="en-US" smtClean="0"/>
+              <a:t>10/17/2024</a:t>
             </a:fld>
-            <a:endParaRPr lang="fr-FR"/>
-          </a:p>
-        </p:txBody>
-      </p:sp>
-      <p:sp>
-        <p:nvSpPr>
-          <p:cNvPr id="6" name="Espace réservé du pied de page 5">
-            <a:extLst>
-              <a:ext uri="{FF2B5EF4-FFF2-40B4-BE49-F238E27FC236}">
-                <a16:creationId xmlns:a16="http://schemas.microsoft.com/office/drawing/2014/main" id="{D67E9266-8BEE-2420-5F3A-A261CB84EDC0}"/>
-              </a:ext>
-            </a:extLst>
-          </p:cNvPr>
+            <a:endParaRPr lang="en-US"/>
+          </a:p>
+        </p:txBody>
+      </p:sp>
+      <p:sp>
+        <p:nvSpPr>
+          <p:cNvPr id="6" name="Espace réservé du pied de page 5"/>
           <p:cNvSpPr>
             <a:spLocks noGrp="1"/>
           </p:cNvSpPr>
@@ -2796,19 +2817,13 @@
           <a:bodyPr/>
           <a:lstStyle/>
           <a:p>
-            <a:endParaRPr lang="fr-FR"/>
-          </a:p>
-        </p:txBody>
-      </p:sp>
-      <p:sp>
-        <p:nvSpPr>
-          <p:cNvPr id="7" name="Espace réservé du numéro de diapositive 6">
-            <a:extLst>
-              <a:ext uri="{FF2B5EF4-FFF2-40B4-BE49-F238E27FC236}">
-                <a16:creationId xmlns:a16="http://schemas.microsoft.com/office/drawing/2014/main" id="{E3E3CC5D-EA9A-164A-7127-41BB2490653D}"/>
-              </a:ext>
-            </a:extLst>
-          </p:cNvPr>
+            <a:endParaRPr lang="en-US"/>
+          </a:p>
+        </p:txBody>
+      </p:sp>
+      <p:sp>
+        <p:nvSpPr>
+          <p:cNvPr id="7" name="Espace réservé du numéro de diapositive 6"/>
           <p:cNvSpPr>
             <a:spLocks noGrp="1"/>
           </p:cNvSpPr>
@@ -2821,18 +2836,18 @@
           <a:bodyPr/>
           <a:lstStyle/>
           <a:p>
-            <a:fld id="{0AE4B259-6E1C-4A72-AF0B-95D69555EA20}" type="slidenum">
-              <a:rPr lang="fr-FR" smtClean="0"/>
+            <a:fld id="{3C419C12-E9C3-450D-8593-49D249BC6564}" type="slidenum">
+              <a:rPr lang="en-US" smtClean="0"/>
               <a:t>‹N°›</a:t>
             </a:fld>
-            <a:endParaRPr lang="fr-FR"/>
+            <a:endParaRPr lang="en-US"/>
           </a:p>
         </p:txBody>
       </p:sp>
     </p:spTree>
     <p:extLst>
       <p:ext uri="{BB962C8B-B14F-4D97-AF65-F5344CB8AC3E}">
-        <p14:creationId xmlns:p14="http://schemas.microsoft.com/office/powerpoint/2010/main" val="2756404560"/>
+        <p14:creationId xmlns:p14="http://schemas.microsoft.com/office/powerpoint/2010/main" val="2989627722"/>
       </p:ext>
     </p:extLst>
   </p:cSld>
@@ -2866,13 +2881,7 @@
       </p:grpSpPr>
       <p:sp>
         <p:nvSpPr>
-          <p:cNvPr id="2" name="Espace réservé du titre 1">
-            <a:extLst>
-              <a:ext uri="{FF2B5EF4-FFF2-40B4-BE49-F238E27FC236}">
-                <a16:creationId xmlns:a16="http://schemas.microsoft.com/office/drawing/2014/main" id="{AD852136-62C6-11E8-1D94-5BD5FE0E6CA5}"/>
-              </a:ext>
-            </a:extLst>
-          </p:cNvPr>
+          <p:cNvPr id="2" name="Espace réservé du titre 1"/>
           <p:cNvSpPr>
             <a:spLocks noGrp="1"/>
           </p:cNvSpPr>
@@ -2896,21 +2905,16 @@
           <a:lstStyle/>
           <a:p>
             <a:r>
-              <a:rPr lang="fr-FR"/>
+              <a:rPr lang="fr-FR" smtClean="0"/>
               <a:t>Modifiez le style du titre</a:t>
             </a:r>
-          </a:p>
-        </p:txBody>
-      </p:sp>
-      <p:sp>
-        <p:nvSpPr>
-          <p:cNvPr id="3" name="Espace réservé du texte 2">
-            <a:extLst>
-              <a:ext uri="{FF2B5EF4-FFF2-40B4-BE49-F238E27FC236}">
-                <a16:creationId xmlns:a16="http://schemas.microsoft.com/office/drawing/2014/main" id="{28555376-F5A5-B2DD-E4DD-30FE4A954A6C}"/>
-              </a:ext>
-            </a:extLst>
-          </p:cNvPr>
+            <a:endParaRPr lang="en-US"/>
+          </a:p>
+        </p:txBody>
+      </p:sp>
+      <p:sp>
+        <p:nvSpPr>
+          <p:cNvPr id="3" name="Espace réservé du texte 2"/>
           <p:cNvSpPr>
             <a:spLocks noGrp="1"/>
           </p:cNvSpPr>
@@ -2935,49 +2939,44 @@
           <a:p>
             <a:pPr lvl="0"/>
             <a:r>
-              <a:rPr lang="fr-FR"/>
-              <a:t>Cliquez pour modifier les styles du texte du masque</a:t>
+              <a:rPr lang="fr-FR" smtClean="0"/>
+              <a:t>Modifier les styles du texte du masque</a:t>
             </a:r>
           </a:p>
           <a:p>
             <a:pPr lvl="1"/>
             <a:r>
-              <a:rPr lang="fr-FR"/>
+              <a:rPr lang="fr-FR" smtClean="0"/>
               <a:t>Deuxième niveau</a:t>
             </a:r>
           </a:p>
           <a:p>
             <a:pPr lvl="2"/>
             <a:r>
-              <a:rPr lang="fr-FR"/>
+              <a:rPr lang="fr-FR" smtClean="0"/>
               <a:t>Troisième niveau</a:t>
             </a:r>
           </a:p>
           <a:p>
             <a:pPr lvl="3"/>
             <a:r>
-              <a:rPr lang="fr-FR"/>
+              <a:rPr lang="fr-FR" smtClean="0"/>
               <a:t>Quatrième niveau</a:t>
             </a:r>
           </a:p>
           <a:p>
             <a:pPr lvl="4"/>
             <a:r>
-              <a:rPr lang="fr-FR"/>
+              <a:rPr lang="fr-FR" smtClean="0"/>
               <a:t>Cinquième niveau</a:t>
             </a:r>
-          </a:p>
-        </p:txBody>
-      </p:sp>
-      <p:sp>
-        <p:nvSpPr>
-          <p:cNvPr id="4" name="Espace réservé de la date 3">
-            <a:extLst>
-              <a:ext uri="{FF2B5EF4-FFF2-40B4-BE49-F238E27FC236}">
-                <a16:creationId xmlns:a16="http://schemas.microsoft.com/office/drawing/2014/main" id="{EA80CBAB-1A13-29CA-77F2-AC268D2757E7}"/>
-              </a:ext>
-            </a:extLst>
-          </p:cNvPr>
+            <a:endParaRPr lang="en-US"/>
+          </a:p>
+        </p:txBody>
+      </p:sp>
+      <p:sp>
+        <p:nvSpPr>
+          <p:cNvPr id="4" name="Espace réservé de la date 3"/>
           <p:cNvSpPr>
             <a:spLocks noGrp="1"/>
           </p:cNvSpPr>
@@ -3001,30 +3000,24 @@
               <a:defRPr sz="1200">
                 <a:solidFill>
                   <a:schemeClr val="tx1">
-                    <a:tint val="82000"/>
+                    <a:tint val="75000"/>
                   </a:schemeClr>
                 </a:solidFill>
               </a:defRPr>
             </a:lvl1pPr>
           </a:lstStyle>
           <a:p>
-            <a:fld id="{94384E3B-C972-4E91-83F9-1D5BD72EB66E}" type="datetimeFigureOut">
-              <a:rPr lang="fr-FR" smtClean="0"/>
-              <a:t>04/10/2024</a:t>
+            <a:fld id="{C69C6884-988C-4BB7-ACB9-800278D48C3B}" type="datetimeFigureOut">
+              <a:rPr lang="en-US" smtClean="0"/>
+              <a:t>10/17/2024</a:t>
             </a:fld>
-            <a:endParaRPr lang="fr-FR"/>
-          </a:p>
-        </p:txBody>
-      </p:sp>
-      <p:sp>
-        <p:nvSpPr>
-          <p:cNvPr id="5" name="Espace réservé du pied de page 4">
-            <a:extLst>
-              <a:ext uri="{FF2B5EF4-FFF2-40B4-BE49-F238E27FC236}">
-                <a16:creationId xmlns:a16="http://schemas.microsoft.com/office/drawing/2014/main" id="{AEE86B08-8658-A947-D578-20BE90829CA8}"/>
-              </a:ext>
-            </a:extLst>
-          </p:cNvPr>
+            <a:endParaRPr lang="en-US"/>
+          </a:p>
+        </p:txBody>
+      </p:sp>
+      <p:sp>
+        <p:nvSpPr>
+          <p:cNvPr id="5" name="Espace réservé du pied de page 4"/>
           <p:cNvSpPr>
             <a:spLocks noGrp="1"/>
           </p:cNvSpPr>
@@ -3048,26 +3041,20 @@
               <a:defRPr sz="1200">
                 <a:solidFill>
                   <a:schemeClr val="tx1">
-                    <a:tint val="82000"/>
+                    <a:tint val="75000"/>
                   </a:schemeClr>
                 </a:solidFill>
               </a:defRPr>
             </a:lvl1pPr>
           </a:lstStyle>
           <a:p>
-            <a:endParaRPr lang="fr-FR"/>
-          </a:p>
-        </p:txBody>
-      </p:sp>
-      <p:sp>
-        <p:nvSpPr>
-          <p:cNvPr id="6" name="Espace réservé du numéro de diapositive 5">
-            <a:extLst>
-              <a:ext uri="{FF2B5EF4-FFF2-40B4-BE49-F238E27FC236}">
-                <a16:creationId xmlns:a16="http://schemas.microsoft.com/office/drawing/2014/main" id="{46E22F5A-85DE-16BD-6112-C3E0DF1E413B}"/>
-              </a:ext>
-            </a:extLst>
-          </p:cNvPr>
+            <a:endParaRPr lang="en-US"/>
+          </a:p>
+        </p:txBody>
+      </p:sp>
+      <p:sp>
+        <p:nvSpPr>
+          <p:cNvPr id="6" name="Espace réservé du numéro de diapositive 5"/>
           <p:cNvSpPr>
             <a:spLocks noGrp="1"/>
           </p:cNvSpPr>
@@ -3091,72 +3078,25 @@
               <a:defRPr sz="1200">
                 <a:solidFill>
                   <a:schemeClr val="tx1">
-                    <a:tint val="82000"/>
+                    <a:tint val="75000"/>
                   </a:schemeClr>
                 </a:solidFill>
               </a:defRPr>
             </a:lvl1pPr>
           </a:lstStyle>
           <a:p>
-            <a:fld id="{0AE4B259-6E1C-4A72-AF0B-95D69555EA20}" type="slidenum">
-              <a:rPr lang="fr-FR" smtClean="0"/>
+            <a:fld id="{3C419C12-E9C3-450D-8593-49D249BC6564}" type="slidenum">
+              <a:rPr lang="en-US" smtClean="0"/>
               <a:t>‹N°›</a:t>
             </a:fld>
-            <a:endParaRPr lang="fr-FR"/>
-          </a:p>
-        </p:txBody>
-      </p:sp>
-      <p:sp>
-        <p:nvSpPr>
-          <p:cNvPr id="8" name="ZoneTexte 7">
-            <a:extLst>
-              <a:ext uri="{FF2B5EF4-FFF2-40B4-BE49-F238E27FC236}">
-                <a16:creationId xmlns:a16="http://schemas.microsoft.com/office/drawing/2014/main" id="{A6E9E79A-F6E4-48D6-D64E-700AA52724FF}"/>
-              </a:ext>
-            </a:extLst>
-          </p:cNvPr>
-          <p:cNvSpPr txBox="1"/>
-          <p:nvPr userDrawn="1">
-            <p:extLst>
-              <p:ext uri="{1162E1C5-73C7-4A58-AE30-91384D911F3F}">
-                <p184:classification xmlns:p184="http://schemas.microsoft.com/office/powerpoint/2018/4/main" val="ftr"/>
-              </p:ext>
-            </p:extLst>
-          </p:nvPr>
-        </p:nvSpPr>
-        <p:spPr>
-          <a:xfrm>
-            <a:off x="3901250" y="6642100"/>
-            <a:ext cx="4424362" cy="152400"/>
-          </a:xfrm>
-          <a:prstGeom prst="rect">
-            <a:avLst/>
-          </a:prstGeom>
-        </p:spPr>
-        <p:txBody>
-          <a:bodyPr horzOverflow="overflow" lIns="0" tIns="0" rIns="0" bIns="0">
-            <a:spAutoFit/>
-          </a:bodyPr>
-          <a:lstStyle/>
-          <a:p>
-            <a:pPr algn="l"/>
-            <a:r>
-              <a:rPr lang="fr-FR" sz="1000">
-                <a:solidFill>
-                  <a:srgbClr val="29CF00"/>
-                </a:solidFill>
-                <a:latin typeface="Arial" panose="020B0604020202020204" pitchFamily="34" charset="0"/>
-                <a:cs typeface="Arial" panose="020B0604020202020204" pitchFamily="34" charset="0"/>
-              </a:rPr>
-              <a:t>C2 - COLAS GROUP INTERNAL: Employees and partners who need to know.</a:t>
-            </a:r>
+            <a:endParaRPr lang="en-US"/>
           </a:p>
         </p:txBody>
       </p:sp>
     </p:spTree>
     <p:extLst>
       <p:ext uri="{BB962C8B-B14F-4D97-AF65-F5344CB8AC3E}">
-        <p14:creationId xmlns:p14="http://schemas.microsoft.com/office/powerpoint/2010/main" val="1448994740"/>
+        <p14:creationId xmlns:p14="http://schemas.microsoft.com/office/powerpoint/2010/main" val="2955698624"/>
       </p:ext>
     </p:extLst>
   </p:cSld>
@@ -3360,7 +3300,7 @@
     </p:bodyStyle>
     <p:otherStyle>
       <a:defPPr>
-        <a:defRPr lang="fr-FR"/>
+        <a:defRPr lang="en-US"/>
       </a:defPPr>
       <a:lvl1pPr marL="0" algn="l" defTabSz="914400" rtl="0" eaLnBrk="1" latinLnBrk="0" hangingPunct="1">
         <a:defRPr sz="1800" kern="1200">
@@ -3476,57 +3416,682 @@
       </p:grpSpPr>
       <p:sp>
         <p:nvSpPr>
-          <p:cNvPr id="2" name="Titre 1">
+          <p:cNvPr id="2" name="Titre 1"/>
+          <p:cNvSpPr>
+            <a:spLocks noGrp="1"/>
+          </p:cNvSpPr>
+          <p:nvPr>
+            <p:ph type="ctrTitle"/>
+          </p:nvPr>
+        </p:nvSpPr>
+        <p:spPr>
+          <a:xfrm>
+            <a:off x="1375815" y="2133751"/>
+            <a:ext cx="7044408" cy="452985"/>
+          </a:xfrm>
+        </p:spPr>
+        <p:txBody>
+          <a:bodyPr>
+            <a:normAutofit/>
+          </a:bodyPr>
+          <a:lstStyle/>
+          <a:p>
+            <a:r>
+              <a:rPr lang="fr-FR" sz="2000" i="1" dirty="0" smtClean="0">
+                <a:latin typeface="Times New Roman" panose="02020603050405020304" pitchFamily="18" charset="0"/>
+                <a:cs typeface="Times New Roman" panose="02020603050405020304" pitchFamily="18" charset="0"/>
+              </a:rPr>
+              <a:t>Présentation de mémoire de licence professionnelle</a:t>
+            </a:r>
+            <a:endParaRPr lang="en-US" sz="2000" i="1" dirty="0">
+              <a:latin typeface="Times New Roman" panose="02020603050405020304" pitchFamily="18" charset="0"/>
+              <a:cs typeface="Times New Roman" panose="02020603050405020304" pitchFamily="18" charset="0"/>
+            </a:endParaRPr>
+          </a:p>
+        </p:txBody>
+      </p:sp>
+      <p:sp>
+        <p:nvSpPr>
+          <p:cNvPr id="3" name="Sous-titre 2"/>
+          <p:cNvSpPr>
+            <a:spLocks noGrp="1"/>
+          </p:cNvSpPr>
+          <p:nvPr>
+            <p:ph type="subTitle" idx="1"/>
+          </p:nvPr>
+        </p:nvSpPr>
+        <p:spPr>
+          <a:xfrm>
+            <a:off x="7239096" y="5881926"/>
+            <a:ext cx="4952904" cy="483577"/>
+          </a:xfrm>
+        </p:spPr>
+        <p:txBody>
+          <a:bodyPr>
+            <a:normAutofit/>
+          </a:bodyPr>
+          <a:lstStyle/>
+          <a:p>
+            <a:r>
+              <a:rPr lang="fr-FR" sz="1400" i="1" dirty="0">
+                <a:latin typeface="Times New Roman" panose="02020603050405020304" pitchFamily="18" charset="0"/>
+                <a:cs typeface="Times New Roman" panose="02020603050405020304" pitchFamily="18" charset="0"/>
+              </a:rPr>
+              <a:t>p</a:t>
+            </a:r>
+            <a:r>
+              <a:rPr lang="fr-FR" sz="1400" i="1" dirty="0" smtClean="0">
+                <a:latin typeface="Times New Roman" panose="02020603050405020304" pitchFamily="18" charset="0"/>
+                <a:cs typeface="Times New Roman" panose="02020603050405020304" pitchFamily="18" charset="0"/>
+              </a:rPr>
+              <a:t>résenté par RAZAFINDRAVELO Tantelison Odilon</a:t>
+            </a:r>
+            <a:endParaRPr lang="en-US" sz="1400" i="1" dirty="0">
+              <a:latin typeface="Times New Roman" panose="02020603050405020304" pitchFamily="18" charset="0"/>
+              <a:cs typeface="Times New Roman" panose="02020603050405020304" pitchFamily="18" charset="0"/>
+            </a:endParaRPr>
+          </a:p>
+        </p:txBody>
+      </p:sp>
+      <p:sp>
+        <p:nvSpPr>
+          <p:cNvPr id="5" name="Rectangle 4"/>
+          <p:cNvSpPr/>
+          <p:nvPr/>
+        </p:nvSpPr>
+        <p:spPr>
+          <a:xfrm>
+            <a:off x="-1" y="6192456"/>
+            <a:ext cx="12192000" cy="702474"/>
+          </a:xfrm>
+          <a:prstGeom prst="rect">
+            <a:avLst/>
+          </a:prstGeom>
+          <a:solidFill>
+            <a:schemeClr val="tx1"/>
+          </a:solidFill>
+          <a:ln>
+            <a:noFill/>
+          </a:ln>
+        </p:spPr>
+        <p:style>
+          <a:lnRef idx="2">
+            <a:schemeClr val="accent1">
+              <a:shade val="50000"/>
+            </a:schemeClr>
+          </a:lnRef>
+          <a:fillRef idx="1">
+            <a:schemeClr val="accent1"/>
+          </a:fillRef>
+          <a:effectRef idx="0">
+            <a:schemeClr val="accent1"/>
+          </a:effectRef>
+          <a:fontRef idx="minor">
+            <a:schemeClr val="lt1"/>
+          </a:fontRef>
+        </p:style>
+        <p:txBody>
+          <a:bodyPr rtlCol="0" anchor="ctr"/>
+          <a:lstStyle/>
+          <a:p>
+            <a:pPr algn="ctr"/>
+            <a:endParaRPr lang="en-US"/>
+          </a:p>
+        </p:txBody>
+      </p:sp>
+      <p:pic>
+        <p:nvPicPr>
+          <p:cNvPr id="8" name="Image 7"/>
+          <p:cNvPicPr>
+            <a:picLocks noChangeAspect="1"/>
+          </p:cNvPicPr>
+          <p:nvPr/>
+        </p:nvPicPr>
+        <p:blipFill>
+          <a:blip r:embed="rId3" cstate="print">
             <a:extLst>
-              <a:ext uri="{FF2B5EF4-FFF2-40B4-BE49-F238E27FC236}">
-                <a16:creationId xmlns:a16="http://schemas.microsoft.com/office/drawing/2014/main" id="{4B4454D3-AFBA-2364-823E-A8862125E829}"/>
+              <a:ext uri="{28A0092B-C50C-407E-A947-70E740481C1C}">
+                <a14:useLocalDpi xmlns:a14="http://schemas.microsoft.com/office/drawing/2010/main" val="0"/>
               </a:ext>
             </a:extLst>
-          </p:cNvPr>
-          <p:cNvSpPr>
-            <a:spLocks noGrp="1"/>
-          </p:cNvSpPr>
-          <p:nvPr>
-            <p:ph type="ctrTitle"/>
-          </p:nvPr>
-        </p:nvSpPr>
-        <p:spPr/>
-        <p:txBody>
-          <a:bodyPr/>
-          <a:lstStyle/>
-          <a:p>
-            <a:endParaRPr lang="fr-FR" dirty="0"/>
-          </a:p>
-        </p:txBody>
-      </p:sp>
-      <p:sp>
-        <p:nvSpPr>
-          <p:cNvPr id="3" name="Sous-titre 2">
+          </a:blip>
+          <a:stretch>
+            <a:fillRect/>
+          </a:stretch>
+        </p:blipFill>
+        <p:spPr>
+          <a:xfrm>
+            <a:off x="5145173" y="5881926"/>
+            <a:ext cx="1901654" cy="621060"/>
+          </a:xfrm>
+          <a:prstGeom prst="rect">
+            <a:avLst/>
+          </a:prstGeom>
+        </p:spPr>
+      </p:pic>
+      <p:sp>
+        <p:nvSpPr>
+          <p:cNvPr id="9" name="Rectangle 8"/>
+          <p:cNvSpPr/>
+          <p:nvPr/>
+        </p:nvSpPr>
+        <p:spPr>
+          <a:xfrm>
+            <a:off x="0" y="6331945"/>
+            <a:ext cx="1332689" cy="423493"/>
+          </a:xfrm>
+          <a:prstGeom prst="rect">
+            <a:avLst/>
+          </a:prstGeom>
+          <a:noFill/>
+          <a:ln>
+            <a:noFill/>
+          </a:ln>
+        </p:spPr>
+        <p:style>
+          <a:lnRef idx="2">
+            <a:schemeClr val="accent1">
+              <a:shade val="50000"/>
+            </a:schemeClr>
+          </a:lnRef>
+          <a:fillRef idx="1">
+            <a:schemeClr val="accent1"/>
+          </a:fillRef>
+          <a:effectRef idx="0">
+            <a:schemeClr val="accent1"/>
+          </a:effectRef>
+          <a:fontRef idx="minor">
+            <a:schemeClr val="lt1"/>
+          </a:fontRef>
+        </p:style>
+        <p:txBody>
+          <a:bodyPr rtlCol="0" anchor="ctr"/>
+          <a:lstStyle/>
+          <a:p>
+            <a:pPr algn="ctr"/>
+            <a:r>
+              <a:rPr lang="fr-FR" dirty="0" smtClean="0">
+                <a:latin typeface="+mj-lt"/>
+                <a:ea typeface="Verdana" panose="020B0604030504040204" pitchFamily="34" charset="0"/>
+              </a:rPr>
+              <a:t>UF/ENI</a:t>
+            </a:r>
+            <a:endParaRPr lang="en-US" dirty="0">
+              <a:latin typeface="+mj-lt"/>
+              <a:ea typeface="Verdana" panose="020B0604030504040204" pitchFamily="34" charset="0"/>
+            </a:endParaRPr>
+          </a:p>
+        </p:txBody>
+      </p:sp>
+      <p:sp>
+        <p:nvSpPr>
+          <p:cNvPr id="12" name="Rectangle 11"/>
+          <p:cNvSpPr/>
+          <p:nvPr/>
+        </p:nvSpPr>
+        <p:spPr>
+          <a:xfrm>
+            <a:off x="10859311" y="6331946"/>
+            <a:ext cx="1332689" cy="423493"/>
+          </a:xfrm>
+          <a:prstGeom prst="rect">
+            <a:avLst/>
+          </a:prstGeom>
+          <a:noFill/>
+          <a:ln>
+            <a:noFill/>
+          </a:ln>
+        </p:spPr>
+        <p:style>
+          <a:lnRef idx="2">
+            <a:schemeClr val="accent1">
+              <a:shade val="50000"/>
+            </a:schemeClr>
+          </a:lnRef>
+          <a:fillRef idx="1">
+            <a:schemeClr val="accent1"/>
+          </a:fillRef>
+          <a:effectRef idx="0">
+            <a:schemeClr val="accent1"/>
+          </a:effectRef>
+          <a:fontRef idx="minor">
+            <a:schemeClr val="lt1"/>
+          </a:fontRef>
+        </p:style>
+        <p:txBody>
+          <a:bodyPr rtlCol="0" anchor="ctr"/>
+          <a:lstStyle/>
+          <a:p>
+            <a:pPr algn="ctr"/>
+            <a:r>
+              <a:rPr lang="fr-FR" dirty="0" smtClean="0">
+                <a:latin typeface="+mj-lt"/>
+              </a:rPr>
+              <a:t>2024</a:t>
+            </a:r>
+            <a:endParaRPr lang="en-US" dirty="0">
+              <a:latin typeface="+mj-lt"/>
+            </a:endParaRPr>
+          </a:p>
+        </p:txBody>
+      </p:sp>
+      <p:sp>
+        <p:nvSpPr>
+          <p:cNvPr id="14" name="Rectangle 13"/>
+          <p:cNvSpPr/>
+          <p:nvPr/>
+        </p:nvSpPr>
+        <p:spPr>
+          <a:xfrm>
+            <a:off x="4843135" y="6464286"/>
+            <a:ext cx="2395961" cy="423493"/>
+          </a:xfrm>
+          <a:prstGeom prst="rect">
+            <a:avLst/>
+          </a:prstGeom>
+          <a:noFill/>
+          <a:ln>
+            <a:noFill/>
+          </a:ln>
+        </p:spPr>
+        <p:style>
+          <a:lnRef idx="2">
+            <a:schemeClr val="accent1">
+              <a:shade val="50000"/>
+            </a:schemeClr>
+          </a:lnRef>
+          <a:fillRef idx="1">
+            <a:schemeClr val="accent1"/>
+          </a:fillRef>
+          <a:effectRef idx="0">
+            <a:schemeClr val="accent1"/>
+          </a:effectRef>
+          <a:fontRef idx="minor">
+            <a:schemeClr val="lt1"/>
+          </a:fontRef>
+        </p:style>
+        <p:txBody>
+          <a:bodyPr rtlCol="0" anchor="ctr"/>
+          <a:lstStyle/>
+          <a:p>
+            <a:pPr algn="ctr"/>
+            <a:r>
+              <a:rPr lang="fr-FR" sz="1200" dirty="0" smtClean="0">
+                <a:latin typeface="Bahnschrift" panose="020B0502040204020203" pitchFamily="34" charset="0"/>
+                <a:ea typeface="Verdana" panose="020B0604030504040204" pitchFamily="34" charset="0"/>
+              </a:rPr>
+              <a:t>WE OPEN THE WAY</a:t>
+            </a:r>
+            <a:endParaRPr lang="en-US" sz="1200" dirty="0">
+              <a:latin typeface="Bahnschrift" panose="020B0502040204020203" pitchFamily="34" charset="0"/>
+              <a:ea typeface="Verdana" panose="020B0604030504040204" pitchFamily="34" charset="0"/>
+            </a:endParaRPr>
+          </a:p>
+        </p:txBody>
+      </p:sp>
+      <p:pic>
+        <p:nvPicPr>
+          <p:cNvPr id="15" name="Image 14"/>
+          <p:cNvPicPr>
+            <a:picLocks noChangeAspect="1"/>
+          </p:cNvPicPr>
+          <p:nvPr/>
+        </p:nvPicPr>
+        <p:blipFill>
+          <a:blip r:embed="rId4" cstate="print">
             <a:extLst>
-              <a:ext uri="{FF2B5EF4-FFF2-40B4-BE49-F238E27FC236}">
-                <a16:creationId xmlns:a16="http://schemas.microsoft.com/office/drawing/2014/main" id="{54519827-AC10-9C48-2F6E-09C7415E0548}"/>
+              <a:ext uri="{28A0092B-C50C-407E-A947-70E740481C1C}">
+                <a14:useLocalDpi xmlns:a14="http://schemas.microsoft.com/office/drawing/2010/main" val="0"/>
               </a:ext>
             </a:extLst>
-          </p:cNvPr>
-          <p:cNvSpPr>
-            <a:spLocks noGrp="1"/>
-          </p:cNvSpPr>
-          <p:nvPr>
-            <p:ph type="subTitle" idx="1"/>
-          </p:nvPr>
-        </p:nvSpPr>
-        <p:spPr/>
-        <p:txBody>
-          <a:bodyPr/>
-          <a:lstStyle/>
-          <a:p>
-            <a:endParaRPr lang="fr-FR"/>
-          </a:p>
-        </p:txBody>
-      </p:sp>
+          </a:blip>
+          <a:stretch>
+            <a:fillRect/>
+          </a:stretch>
+        </p:blipFill>
+        <p:spPr>
+          <a:xfrm>
+            <a:off x="1248631" y="660503"/>
+            <a:ext cx="1098198" cy="1098198"/>
+          </a:xfrm>
+          <a:prstGeom prst="rect">
+            <a:avLst/>
+          </a:prstGeom>
+        </p:spPr>
+      </p:pic>
       <p:pic>
         <p:nvPicPr>
-          <p:cNvPr id="4" name="Image 3" descr="Une image contenant capture d’écran, ligne, jaune, Caractère coloré&#10;&#10;Description générée automatiquement">
+          <p:cNvPr id="16" name="Image 15"/>
+          <p:cNvPicPr>
+            <a:picLocks noChangeAspect="1"/>
+          </p:cNvPicPr>
+          <p:nvPr/>
+        </p:nvPicPr>
+        <p:blipFill>
+          <a:blip r:embed="rId5" cstate="print">
+            <a:extLst>
+              <a:ext uri="{28A0092B-C50C-407E-A947-70E740481C1C}">
+                <a14:useLocalDpi xmlns:a14="http://schemas.microsoft.com/office/drawing/2010/main" val="0"/>
+              </a:ext>
+            </a:extLst>
+          </a:blip>
+          <a:stretch>
+            <a:fillRect/>
+          </a:stretch>
+        </p:blipFill>
+        <p:spPr>
+          <a:xfrm>
+            <a:off x="224733" y="579265"/>
+            <a:ext cx="1023898" cy="1260675"/>
+          </a:xfrm>
+          <a:prstGeom prst="rect">
+            <a:avLst/>
+          </a:prstGeom>
+        </p:spPr>
+      </p:pic>
+      <p:sp>
+        <p:nvSpPr>
+          <p:cNvPr id="19" name="Parchemin horizontal 18"/>
+          <p:cNvSpPr/>
+          <p:nvPr/>
+        </p:nvSpPr>
+        <p:spPr>
+          <a:xfrm>
+            <a:off x="1968072" y="2742001"/>
+            <a:ext cx="6705893" cy="1647294"/>
+          </a:xfrm>
+          <a:prstGeom prst="horizontalScroll">
+            <a:avLst/>
+          </a:prstGeom>
+          <a:noFill/>
+          <a:ln>
+            <a:noFill/>
+          </a:ln>
+        </p:spPr>
+        <p:style>
+          <a:lnRef idx="2">
+            <a:schemeClr val="accent1">
+              <a:shade val="50000"/>
+            </a:schemeClr>
+          </a:lnRef>
+          <a:fillRef idx="1">
+            <a:schemeClr val="accent1"/>
+          </a:fillRef>
+          <a:effectRef idx="0">
+            <a:schemeClr val="accent1"/>
+          </a:effectRef>
+          <a:fontRef idx="minor">
+            <a:schemeClr val="lt1"/>
+          </a:fontRef>
+        </p:style>
+        <p:txBody>
+          <a:bodyPr rtlCol="0" anchor="ctr"/>
+          <a:lstStyle/>
+          <a:p>
+            <a:pPr algn="ctr"/>
+            <a:r>
+              <a:rPr lang="fr-FR" sz="3200" dirty="0" smtClean="0">
+                <a:solidFill>
+                  <a:schemeClr val="tx1"/>
+                </a:solidFill>
+                <a:latin typeface="+mj-lt"/>
+              </a:rPr>
+              <a:t>Supervision des matériels d’un réseau informatique et gestion des tickets</a:t>
+            </a:r>
+            <a:endParaRPr lang="en-US" sz="3200" dirty="0">
+              <a:solidFill>
+                <a:schemeClr val="tx1"/>
+              </a:solidFill>
+              <a:latin typeface="+mj-lt"/>
+            </a:endParaRPr>
+          </a:p>
+        </p:txBody>
+      </p:sp>
+      <p:sp>
+        <p:nvSpPr>
+          <p:cNvPr id="20" name="Sous-titre 2"/>
+          <p:cNvSpPr txBox="1">
+            <a:spLocks/>
+          </p:cNvSpPr>
+          <p:nvPr/>
+        </p:nvSpPr>
+        <p:spPr>
+          <a:xfrm>
+            <a:off x="368115" y="4295179"/>
+            <a:ext cx="4952904" cy="1345405"/>
+          </a:xfrm>
+          <a:prstGeom prst="rect">
+            <a:avLst/>
+          </a:prstGeom>
+        </p:spPr>
+        <p:txBody>
+          <a:bodyPr vert="horz" lIns="91440" tIns="45720" rIns="91440" bIns="45720" rtlCol="0">
+            <a:normAutofit/>
+          </a:bodyPr>
+          <a:lstStyle>
+            <a:lvl1pPr marL="0" indent="0" algn="ctr" defTabSz="914400" rtl="0" eaLnBrk="1" latinLnBrk="0" hangingPunct="1">
+              <a:lnSpc>
+                <a:spcPct val="90000"/>
+              </a:lnSpc>
+              <a:spcBef>
+                <a:spcPts val="1000"/>
+              </a:spcBef>
+              <a:buFont typeface="Arial" panose="020B0604020202020204" pitchFamily="34" charset="0"/>
+              <a:buNone/>
+              <a:defRPr sz="2400" kern="1200">
+                <a:solidFill>
+                  <a:schemeClr val="tx1"/>
+                </a:solidFill>
+                <a:latin typeface="+mn-lt"/>
+                <a:ea typeface="+mn-ea"/>
+                <a:cs typeface="+mn-cs"/>
+              </a:defRPr>
+            </a:lvl1pPr>
+            <a:lvl2pPr marL="457200" indent="0" algn="ctr" defTabSz="914400" rtl="0" eaLnBrk="1" latinLnBrk="0" hangingPunct="1">
+              <a:lnSpc>
+                <a:spcPct val="90000"/>
+              </a:lnSpc>
+              <a:spcBef>
+                <a:spcPts val="500"/>
+              </a:spcBef>
+              <a:buFont typeface="Arial" panose="020B0604020202020204" pitchFamily="34" charset="0"/>
+              <a:buNone/>
+              <a:defRPr sz="2000" kern="1200">
+                <a:solidFill>
+                  <a:schemeClr val="tx1"/>
+                </a:solidFill>
+                <a:latin typeface="+mn-lt"/>
+                <a:ea typeface="+mn-ea"/>
+                <a:cs typeface="+mn-cs"/>
+              </a:defRPr>
+            </a:lvl2pPr>
+            <a:lvl3pPr marL="914400" indent="0" algn="ctr" defTabSz="914400" rtl="0" eaLnBrk="1" latinLnBrk="0" hangingPunct="1">
+              <a:lnSpc>
+                <a:spcPct val="90000"/>
+              </a:lnSpc>
+              <a:spcBef>
+                <a:spcPts val="500"/>
+              </a:spcBef>
+              <a:buFont typeface="Arial" panose="020B0604020202020204" pitchFamily="34" charset="0"/>
+              <a:buNone/>
+              <a:defRPr sz="1800" kern="1200">
+                <a:solidFill>
+                  <a:schemeClr val="tx1"/>
+                </a:solidFill>
+                <a:latin typeface="+mn-lt"/>
+                <a:ea typeface="+mn-ea"/>
+                <a:cs typeface="+mn-cs"/>
+              </a:defRPr>
+            </a:lvl3pPr>
+            <a:lvl4pPr marL="1371600" indent="0" algn="ctr" defTabSz="914400" rtl="0" eaLnBrk="1" latinLnBrk="0" hangingPunct="1">
+              <a:lnSpc>
+                <a:spcPct val="90000"/>
+              </a:lnSpc>
+              <a:spcBef>
+                <a:spcPts val="500"/>
+              </a:spcBef>
+              <a:buFont typeface="Arial" panose="020B0604020202020204" pitchFamily="34" charset="0"/>
+              <a:buNone/>
+              <a:defRPr sz="1600" kern="1200">
+                <a:solidFill>
+                  <a:schemeClr val="tx1"/>
+                </a:solidFill>
+                <a:latin typeface="+mn-lt"/>
+                <a:ea typeface="+mn-ea"/>
+                <a:cs typeface="+mn-cs"/>
+              </a:defRPr>
+            </a:lvl4pPr>
+            <a:lvl5pPr marL="1828800" indent="0" algn="ctr" defTabSz="914400" rtl="0" eaLnBrk="1" latinLnBrk="0" hangingPunct="1">
+              <a:lnSpc>
+                <a:spcPct val="90000"/>
+              </a:lnSpc>
+              <a:spcBef>
+                <a:spcPts val="500"/>
+              </a:spcBef>
+              <a:buFont typeface="Arial" panose="020B0604020202020204" pitchFamily="34" charset="0"/>
+              <a:buNone/>
+              <a:defRPr sz="1600" kern="1200">
+                <a:solidFill>
+                  <a:schemeClr val="tx1"/>
+                </a:solidFill>
+                <a:latin typeface="+mn-lt"/>
+                <a:ea typeface="+mn-ea"/>
+                <a:cs typeface="+mn-cs"/>
+              </a:defRPr>
+            </a:lvl5pPr>
+            <a:lvl6pPr marL="2286000" indent="0" algn="ctr" defTabSz="914400" rtl="0" eaLnBrk="1" latinLnBrk="0" hangingPunct="1">
+              <a:lnSpc>
+                <a:spcPct val="90000"/>
+              </a:lnSpc>
+              <a:spcBef>
+                <a:spcPts val="500"/>
+              </a:spcBef>
+              <a:buFont typeface="Arial" panose="020B0604020202020204" pitchFamily="34" charset="0"/>
+              <a:buNone/>
+              <a:defRPr sz="1600" kern="1200">
+                <a:solidFill>
+                  <a:schemeClr val="tx1"/>
+                </a:solidFill>
+                <a:latin typeface="+mn-lt"/>
+                <a:ea typeface="+mn-ea"/>
+                <a:cs typeface="+mn-cs"/>
+              </a:defRPr>
+            </a:lvl6pPr>
+            <a:lvl7pPr marL="2743200" indent="0" algn="ctr" defTabSz="914400" rtl="0" eaLnBrk="1" latinLnBrk="0" hangingPunct="1">
+              <a:lnSpc>
+                <a:spcPct val="90000"/>
+              </a:lnSpc>
+              <a:spcBef>
+                <a:spcPts val="500"/>
+              </a:spcBef>
+              <a:buFont typeface="Arial" panose="020B0604020202020204" pitchFamily="34" charset="0"/>
+              <a:buNone/>
+              <a:defRPr sz="1600" kern="1200">
+                <a:solidFill>
+                  <a:schemeClr val="tx1"/>
+                </a:solidFill>
+                <a:latin typeface="+mn-lt"/>
+                <a:ea typeface="+mn-ea"/>
+                <a:cs typeface="+mn-cs"/>
+              </a:defRPr>
+            </a:lvl7pPr>
+            <a:lvl8pPr marL="3200400" indent="0" algn="ctr" defTabSz="914400" rtl="0" eaLnBrk="1" latinLnBrk="0" hangingPunct="1">
+              <a:lnSpc>
+                <a:spcPct val="90000"/>
+              </a:lnSpc>
+              <a:spcBef>
+                <a:spcPts val="500"/>
+              </a:spcBef>
+              <a:buFont typeface="Arial" panose="020B0604020202020204" pitchFamily="34" charset="0"/>
+              <a:buNone/>
+              <a:defRPr sz="1600" kern="1200">
+                <a:solidFill>
+                  <a:schemeClr val="tx1"/>
+                </a:solidFill>
+                <a:latin typeface="+mn-lt"/>
+                <a:ea typeface="+mn-ea"/>
+                <a:cs typeface="+mn-cs"/>
+              </a:defRPr>
+            </a:lvl8pPr>
+            <a:lvl9pPr marL="3657600" indent="0" algn="ctr" defTabSz="914400" rtl="0" eaLnBrk="1" latinLnBrk="0" hangingPunct="1">
+              <a:lnSpc>
+                <a:spcPct val="90000"/>
+              </a:lnSpc>
+              <a:spcBef>
+                <a:spcPts val="500"/>
+              </a:spcBef>
+              <a:buFont typeface="Arial" panose="020B0604020202020204" pitchFamily="34" charset="0"/>
+              <a:buNone/>
+              <a:defRPr sz="1600" kern="1200">
+                <a:solidFill>
+                  <a:schemeClr val="tx1"/>
+                </a:solidFill>
+                <a:latin typeface="+mn-lt"/>
+                <a:ea typeface="+mn-ea"/>
+                <a:cs typeface="+mn-cs"/>
+              </a:defRPr>
+            </a:lvl9pPr>
+          </a:lstStyle>
+          <a:p>
+            <a:pPr algn="l"/>
+            <a:r>
+              <a:rPr lang="fr-FR" sz="1400" dirty="0" smtClean="0">
+                <a:latin typeface="Times New Roman" panose="02020603050405020304" pitchFamily="18" charset="0"/>
+                <a:cs typeface="Times New Roman" panose="02020603050405020304" pitchFamily="18" charset="0"/>
+              </a:rPr>
+              <a:t>Membres du Jury :</a:t>
+            </a:r>
+          </a:p>
+          <a:p>
+            <a:pPr marL="285750" indent="-285750" algn="l">
+              <a:buFontTx/>
+              <a:buChar char="-"/>
+            </a:pPr>
+            <a:r>
+              <a:rPr lang="fr-FR" sz="1400" dirty="0" smtClean="0">
+                <a:latin typeface="Times New Roman" panose="02020603050405020304" pitchFamily="18" charset="0"/>
+                <a:cs typeface="Times New Roman" panose="02020603050405020304" pitchFamily="18" charset="0"/>
+              </a:rPr>
+              <a:t>Président :</a:t>
+            </a:r>
+          </a:p>
+          <a:p>
+            <a:pPr marL="285750" indent="-285750" algn="l">
+              <a:buFontTx/>
+              <a:buChar char="-"/>
+            </a:pPr>
+            <a:r>
+              <a:rPr lang="fr-FR" sz="1400" dirty="0" smtClean="0">
+                <a:latin typeface="Times New Roman" panose="02020603050405020304" pitchFamily="18" charset="0"/>
+                <a:cs typeface="Times New Roman" panose="02020603050405020304" pitchFamily="18" charset="0"/>
+              </a:rPr>
+              <a:t>Examinateur :</a:t>
+            </a:r>
+          </a:p>
+          <a:p>
+            <a:pPr marL="285750" indent="-285750" algn="l">
+              <a:buFontTx/>
+              <a:buChar char="-"/>
+            </a:pPr>
+            <a:r>
+              <a:rPr lang="fr-FR" sz="1400" dirty="0" smtClean="0">
+                <a:latin typeface="Times New Roman" panose="02020603050405020304" pitchFamily="18" charset="0"/>
+                <a:cs typeface="Times New Roman" panose="02020603050405020304" pitchFamily="18" charset="0"/>
+              </a:rPr>
+              <a:t>Rapporteur :</a:t>
+            </a:r>
+          </a:p>
+          <a:p>
+            <a:endParaRPr lang="en-US" sz="1400" dirty="0">
+              <a:latin typeface="Times New Roman" panose="02020603050405020304" pitchFamily="18" charset="0"/>
+              <a:cs typeface="Times New Roman" panose="02020603050405020304" pitchFamily="18" charset="0"/>
+            </a:endParaRPr>
+          </a:p>
+        </p:txBody>
+      </p:sp>
+      <p:pic>
+        <p:nvPicPr>
+          <p:cNvPr id="13" name="Image 12" descr="Une image contenant capture d’écran, ligne, jaune, Caractère coloré&#10;&#10;Description générée automatiquement">
             <a:extLst>
               <a:ext uri="{FF2B5EF4-FFF2-40B4-BE49-F238E27FC236}">
                 <a16:creationId xmlns:a16="http://schemas.microsoft.com/office/drawing/2014/main" id="{DA215AA2-231B-FE10-35CA-861D53D4BC35}"/>
@@ -3539,30 +4104,165 @@
           <p:nvPr/>
         </p:nvPicPr>
         <p:blipFill rotWithShape="1">
-          <a:blip r:embed="rId2"/>
-          <a:srcRect l="7262" r="31782" b="57478"/>
+          <a:blip r:embed="rId6"/>
+          <a:srcRect l="7263" r="39767" b="57478"/>
           <a:stretch/>
         </p:blipFill>
         <p:spPr>
           <a:xfrm>
-            <a:off x="2620620" y="1970967"/>
-            <a:ext cx="6950760" cy="2916066"/>
+            <a:off x="2250831" y="2607465"/>
+            <a:ext cx="9941169" cy="2482988"/>
           </a:xfrm>
           <a:prstGeom prst="rect">
             <a:avLst/>
           </a:prstGeom>
         </p:spPr>
       </p:pic>
+      <p:sp>
+        <p:nvSpPr>
+          <p:cNvPr id="17" name="Parchemin horizontal 16"/>
+          <p:cNvSpPr/>
+          <p:nvPr/>
+        </p:nvSpPr>
+        <p:spPr>
+          <a:xfrm>
+            <a:off x="5695346" y="1372736"/>
+            <a:ext cx="8491894" cy="172900"/>
+          </a:xfrm>
+          <a:prstGeom prst="horizontalScroll">
+            <a:avLst/>
+          </a:prstGeom>
+          <a:noFill/>
+          <a:ln>
+            <a:noFill/>
+          </a:ln>
+        </p:spPr>
+        <p:style>
+          <a:lnRef idx="2">
+            <a:schemeClr val="accent1">
+              <a:shade val="50000"/>
+            </a:schemeClr>
+          </a:lnRef>
+          <a:fillRef idx="1">
+            <a:schemeClr val="accent1"/>
+          </a:fillRef>
+          <a:effectRef idx="0">
+            <a:schemeClr val="accent1"/>
+          </a:effectRef>
+          <a:fontRef idx="minor">
+            <a:schemeClr val="lt1"/>
+          </a:fontRef>
+        </p:style>
+        <p:txBody>
+          <a:bodyPr rtlCol="0" anchor="ctr"/>
+          <a:lstStyle/>
+          <a:p>
+            <a:pPr algn="ctr"/>
+            <a:r>
+              <a:rPr lang="fr-FR" sz="1600" dirty="0" smtClean="0">
+                <a:solidFill>
+                  <a:schemeClr val="tx1"/>
+                </a:solidFill>
+                <a:latin typeface="+mj-lt"/>
+              </a:rPr>
+              <a:t>Parcours : Administration des Systèmes et Réseaux</a:t>
+            </a:r>
+            <a:endParaRPr lang="en-US" sz="1600" dirty="0">
+              <a:solidFill>
+                <a:schemeClr val="tx1"/>
+              </a:solidFill>
+              <a:latin typeface="+mj-lt"/>
+            </a:endParaRPr>
+          </a:p>
+        </p:txBody>
+      </p:sp>
+      <p:sp>
+        <p:nvSpPr>
+          <p:cNvPr id="18" name="Parchemin horizontal 17"/>
+          <p:cNvSpPr/>
+          <p:nvPr/>
+        </p:nvSpPr>
+        <p:spPr>
+          <a:xfrm>
+            <a:off x="4593254" y="1106630"/>
+            <a:ext cx="8491894" cy="172900"/>
+          </a:xfrm>
+          <a:prstGeom prst="horizontalScroll">
+            <a:avLst/>
+          </a:prstGeom>
+          <a:noFill/>
+          <a:ln>
+            <a:noFill/>
+          </a:ln>
+        </p:spPr>
+        <p:style>
+          <a:lnRef idx="2">
+            <a:schemeClr val="accent1">
+              <a:shade val="50000"/>
+            </a:schemeClr>
+          </a:lnRef>
+          <a:fillRef idx="1">
+            <a:schemeClr val="accent1"/>
+          </a:fillRef>
+          <a:effectRef idx="0">
+            <a:schemeClr val="accent1"/>
+          </a:effectRef>
+          <a:fontRef idx="minor">
+            <a:schemeClr val="lt1"/>
+          </a:fontRef>
+        </p:style>
+        <p:txBody>
+          <a:bodyPr rtlCol="0" anchor="ctr"/>
+          <a:lstStyle/>
+          <a:p>
+            <a:pPr algn="ctr"/>
+            <a:r>
+              <a:rPr lang="fr-FR" sz="1600" dirty="0" smtClean="0">
+                <a:solidFill>
+                  <a:schemeClr val="tx1"/>
+                </a:solidFill>
+                <a:latin typeface="+mj-lt"/>
+              </a:rPr>
+              <a:t>Mention : Informatique</a:t>
+            </a:r>
+            <a:endParaRPr lang="en-US" sz="1600" dirty="0">
+              <a:solidFill>
+                <a:schemeClr val="tx1"/>
+              </a:solidFill>
+              <a:latin typeface="+mj-lt"/>
+            </a:endParaRPr>
+          </a:p>
+        </p:txBody>
+      </p:sp>
     </p:spTree>
     <p:extLst>
       <p:ext uri="{BB962C8B-B14F-4D97-AF65-F5344CB8AC3E}">
-        <p14:creationId xmlns:p14="http://schemas.microsoft.com/office/powerpoint/2010/main" val="2186309702"/>
+        <p14:creationId xmlns:p14="http://schemas.microsoft.com/office/powerpoint/2010/main" val="3733069333"/>
       </p:ext>
     </p:extLst>
   </p:cSld>
   <p:clrMapOvr>
     <a:masterClrMapping/>
   </p:clrMapOvr>
+  <mc:AlternateContent xmlns:mc="http://schemas.openxmlformats.org/markup-compatibility/2006" xmlns:p14="http://schemas.microsoft.com/office/powerpoint/2010/main">
+    <mc:Choice Requires="p14">
+      <p:transition spd="slow" p14:dur="1600">
+        <p14:gallery dir="l"/>
+      </p:transition>
+    </mc:Choice>
+    <mc:Fallback xmlns="">
+      <p:transition spd="slow">
+        <p:fade/>
+      </p:transition>
+    </mc:Fallback>
+  </mc:AlternateContent>
+  <p:timing>
+    <p:tnLst>
+      <p:par>
+        <p:cTn id="1" dur="indefinite" restart="never" nodeType="tmRoot"/>
+      </p:par>
+    </p:tnLst>
+  </p:timing>
 </p:sld>
 </file>
 
@@ -3585,13 +4285,162 @@
       </p:grpSpPr>
       <p:sp>
         <p:nvSpPr>
-          <p:cNvPr id="2" name="Titre 1">
-            <a:extLst>
-              <a:ext uri="{FF2B5EF4-FFF2-40B4-BE49-F238E27FC236}">
-                <a16:creationId xmlns:a16="http://schemas.microsoft.com/office/drawing/2014/main" id="{9C35C6D8-50FE-EE85-D4AF-FDF66B1875E9}"/>
-              </a:ext>
-            </a:extLst>
-          </p:cNvPr>
+          <p:cNvPr id="4" name="Rectangle 3"/>
+          <p:cNvSpPr/>
+          <p:nvPr/>
+        </p:nvSpPr>
+        <p:spPr>
+          <a:xfrm>
+            <a:off x="-1" y="6192456"/>
+            <a:ext cx="12192000" cy="702474"/>
+          </a:xfrm>
+          <a:prstGeom prst="rect">
+            <a:avLst/>
+          </a:prstGeom>
+          <a:solidFill>
+            <a:schemeClr val="tx1"/>
+          </a:solidFill>
+          <a:ln>
+            <a:noFill/>
+          </a:ln>
+        </p:spPr>
+        <p:style>
+          <a:lnRef idx="2">
+            <a:schemeClr val="accent1">
+              <a:shade val="50000"/>
+            </a:schemeClr>
+          </a:lnRef>
+          <a:fillRef idx="1">
+            <a:schemeClr val="accent1"/>
+          </a:fillRef>
+          <a:effectRef idx="0">
+            <a:schemeClr val="accent1"/>
+          </a:effectRef>
+          <a:fontRef idx="minor">
+            <a:schemeClr val="lt1"/>
+          </a:fontRef>
+        </p:style>
+        <p:txBody>
+          <a:bodyPr rtlCol="0" anchor="ctr"/>
+          <a:lstStyle/>
+          <a:p>
+            <a:pPr algn="ctr"/>
+            <a:endParaRPr lang="en-US"/>
+          </a:p>
+        </p:txBody>
+      </p:sp>
+      <p:sp>
+        <p:nvSpPr>
+          <p:cNvPr id="5" name="Rectangle 4"/>
+          <p:cNvSpPr/>
+          <p:nvPr/>
+        </p:nvSpPr>
+        <p:spPr>
+          <a:xfrm>
+            <a:off x="1378735" y="1441811"/>
+            <a:ext cx="9541311" cy="3798404"/>
+          </a:xfrm>
+          <a:prstGeom prst="rect">
+            <a:avLst/>
+          </a:prstGeom>
+          <a:noFill/>
+          <a:ln>
+            <a:noFill/>
+          </a:ln>
+        </p:spPr>
+        <p:style>
+          <a:lnRef idx="2">
+            <a:schemeClr val="accent1">
+              <a:shade val="50000"/>
+            </a:schemeClr>
+          </a:lnRef>
+          <a:fillRef idx="1">
+            <a:schemeClr val="accent1"/>
+          </a:fillRef>
+          <a:effectRef idx="0">
+            <a:schemeClr val="accent1"/>
+          </a:effectRef>
+          <a:fontRef idx="minor">
+            <a:schemeClr val="lt1"/>
+          </a:fontRef>
+        </p:style>
+        <p:txBody>
+          <a:bodyPr rtlCol="0" anchor="t"/>
+          <a:lstStyle/>
+          <a:p>
+            <a:endParaRPr lang="en-US" dirty="0">
+              <a:solidFill>
+                <a:schemeClr val="tx1"/>
+              </a:solidFill>
+              <a:latin typeface="+mj-lt"/>
+              <a:ea typeface="Verdana" panose="020B0604030504040204" pitchFamily="34" charset="0"/>
+            </a:endParaRPr>
+          </a:p>
+        </p:txBody>
+      </p:sp>
+      <p:sp>
+        <p:nvSpPr>
+          <p:cNvPr id="16" name="Rectangle 15"/>
+          <p:cNvSpPr/>
+          <p:nvPr/>
+        </p:nvSpPr>
+        <p:spPr>
+          <a:xfrm>
+            <a:off x="112643" y="6331946"/>
+            <a:ext cx="2103783" cy="423493"/>
+          </a:xfrm>
+          <a:prstGeom prst="rect">
+            <a:avLst/>
+          </a:prstGeom>
+          <a:noFill/>
+          <a:ln>
+            <a:noFill/>
+          </a:ln>
+        </p:spPr>
+        <p:style>
+          <a:lnRef idx="2">
+            <a:schemeClr val="accent1">
+              <a:shade val="50000"/>
+            </a:schemeClr>
+          </a:lnRef>
+          <a:fillRef idx="1">
+            <a:schemeClr val="accent1"/>
+          </a:fillRef>
+          <a:effectRef idx="0">
+            <a:schemeClr val="accent1"/>
+          </a:effectRef>
+          <a:fontRef idx="minor">
+            <a:schemeClr val="lt1"/>
+          </a:fontRef>
+        </p:style>
+        <p:txBody>
+          <a:bodyPr rtlCol="0" anchor="ctr"/>
+          <a:lstStyle/>
+          <a:p>
+            <a:pPr algn="ctr"/>
+            <a:r>
+              <a:rPr lang="fr-FR" dirty="0" smtClean="0">
+                <a:solidFill>
+                  <a:srgbClr val="FFFF00"/>
+                </a:solidFill>
+                <a:latin typeface="+mj-lt"/>
+                <a:ea typeface="Verdana" panose="020B0604030504040204" pitchFamily="34" charset="0"/>
+              </a:rPr>
+              <a:t>Mémoire de licence</a:t>
+            </a:r>
+            <a:endParaRPr lang="en-US" dirty="0">
+              <a:solidFill>
+                <a:srgbClr val="FFFF00"/>
+              </a:solidFill>
+              <a:latin typeface="+mj-lt"/>
+              <a:ea typeface="Verdana" panose="020B0604030504040204" pitchFamily="34" charset="0"/>
+            </a:endParaRPr>
+          </a:p>
+        </p:txBody>
+      </p:sp>
+      <p:sp>
+        <p:nvSpPr>
+          <p:cNvPr id="17" name="Titre 1"/>
           <p:cNvSpPr>
             <a:spLocks noGrp="1"/>
           </p:cNvSpPr>
@@ -3599,43 +4448,146 @@
             <p:ph type="title"/>
           </p:nvPr>
         </p:nvSpPr>
+        <p:spPr>
+          <a:xfrm>
+            <a:off x="838199" y="259618"/>
+            <a:ext cx="10515600" cy="707537"/>
+          </a:xfrm>
+        </p:spPr>
+        <p:txBody>
+          <a:bodyPr/>
+          <a:lstStyle/>
+          <a:p>
+            <a:pPr algn="ctr"/>
+            <a:r>
+              <a:rPr lang="fr-FR" dirty="0" smtClean="0"/>
+              <a:t>Remerciements</a:t>
+            </a:r>
+            <a:endParaRPr lang="en-US" dirty="0"/>
+          </a:p>
+        </p:txBody>
+      </p:sp>
+      <p:sp>
+        <p:nvSpPr>
+          <p:cNvPr id="10" name="Rectangle 9"/>
+          <p:cNvSpPr/>
+          <p:nvPr/>
+        </p:nvSpPr>
+        <p:spPr>
+          <a:xfrm>
+            <a:off x="10628242" y="6331945"/>
+            <a:ext cx="1451113" cy="423493"/>
+          </a:xfrm>
+          <a:prstGeom prst="rect">
+            <a:avLst/>
+          </a:prstGeom>
+          <a:noFill/>
+          <a:ln>
+            <a:noFill/>
+          </a:ln>
+        </p:spPr>
+        <p:style>
+          <a:lnRef idx="2">
+            <a:schemeClr val="accent1">
+              <a:shade val="50000"/>
+            </a:schemeClr>
+          </a:lnRef>
+          <a:fillRef idx="1">
+            <a:schemeClr val="accent1"/>
+          </a:fillRef>
+          <a:effectRef idx="0">
+            <a:schemeClr val="accent1"/>
+          </a:effectRef>
+          <a:fontRef idx="minor">
+            <a:schemeClr val="lt1"/>
+          </a:fontRef>
+        </p:style>
+        <p:txBody>
+          <a:bodyPr rtlCol="0" anchor="ctr"/>
+          <a:lstStyle/>
+          <a:p>
+            <a:pPr algn="ctr"/>
+            <a:r>
+              <a:rPr lang="fr-FR" dirty="0" smtClean="0">
+                <a:latin typeface="+mj-lt"/>
+                <a:ea typeface="Verdana" panose="020B0604030504040204" pitchFamily="34" charset="0"/>
+              </a:rPr>
+              <a:t>UF/ENI/2024</a:t>
+            </a:r>
+            <a:endParaRPr lang="en-US" dirty="0">
+              <a:latin typeface="+mj-lt"/>
+              <a:ea typeface="Verdana" panose="020B0604030504040204" pitchFamily="34" charset="0"/>
+            </a:endParaRPr>
+          </a:p>
+        </p:txBody>
+      </p:sp>
+      <p:sp>
+        <p:nvSpPr>
+          <p:cNvPr id="2" name="Espace réservé du contenu 1"/>
+          <p:cNvSpPr>
+            <a:spLocks noGrp="1"/>
+          </p:cNvSpPr>
+          <p:nvPr>
+            <p:ph idx="1"/>
+          </p:nvPr>
+        </p:nvSpPr>
         <p:spPr/>
         <p:txBody>
           <a:bodyPr/>
           <a:lstStyle/>
           <a:p>
-            <a:endParaRPr lang="fr-FR"/>
-          </a:p>
-        </p:txBody>
-      </p:sp>
-      <p:sp>
-        <p:nvSpPr>
-          <p:cNvPr id="3" name="Espace réservé du contenu 2">
-            <a:extLst>
-              <a:ext uri="{FF2B5EF4-FFF2-40B4-BE49-F238E27FC236}">
-                <a16:creationId xmlns:a16="http://schemas.microsoft.com/office/drawing/2014/main" id="{CDF9756E-7192-7547-6981-72A0FAF0EEBF}"/>
-              </a:ext>
-            </a:extLst>
-          </p:cNvPr>
-          <p:cNvSpPr>
-            <a:spLocks noGrp="1"/>
-          </p:cNvSpPr>
-          <p:nvPr>
-            <p:ph idx="1"/>
-          </p:nvPr>
-        </p:nvSpPr>
-        <p:spPr/>
-        <p:txBody>
-          <a:bodyPr/>
-          <a:lstStyle/>
-          <a:p>
-            <a:endParaRPr lang="fr-FR" dirty="0"/>
-          </a:p>
-        </p:txBody>
-      </p:sp>
-      <p:sp>
-        <p:nvSpPr>
-          <p:cNvPr id="4" name="Graphique 3">
+            <a:r>
+              <a:rPr lang="fr-FR" dirty="0" smtClean="0">
+                <a:latin typeface="+mj-lt"/>
+              </a:rPr>
+              <a:t>Président de l’université</a:t>
+            </a:r>
+          </a:p>
+          <a:p>
+            <a:r>
+              <a:rPr lang="fr-FR" dirty="0" smtClean="0">
+                <a:latin typeface="+mj-lt"/>
+              </a:rPr>
+              <a:t>Directeur de l’ENI</a:t>
+            </a:r>
+          </a:p>
+          <a:p>
+            <a:r>
+              <a:rPr lang="fr-FR" dirty="0" smtClean="0">
+                <a:latin typeface="+mj-lt"/>
+              </a:rPr>
+              <a:t>Encadreur professionnel</a:t>
+            </a:r>
+          </a:p>
+          <a:p>
+            <a:r>
+              <a:rPr lang="fr-FR" dirty="0" smtClean="0">
+                <a:latin typeface="+mj-lt"/>
+              </a:rPr>
+              <a:t>Encadreur pédagogique</a:t>
+            </a:r>
+          </a:p>
+          <a:p>
+            <a:r>
+              <a:rPr lang="fr-FR" dirty="0" smtClean="0">
+                <a:latin typeface="+mj-lt"/>
+              </a:rPr>
+              <a:t>Familles et amis</a:t>
+            </a:r>
+          </a:p>
+          <a:p>
+            <a:pPr marL="0" indent="0">
+              <a:buNone/>
+            </a:pPr>
+            <a:endParaRPr lang="en-US" dirty="0">
+              <a:latin typeface="+mj-lt"/>
+            </a:endParaRPr>
+          </a:p>
+        </p:txBody>
+      </p:sp>
+      <p:sp>
+        <p:nvSpPr>
+          <p:cNvPr id="8" name="Graphique 3">
             <a:extLst>
               <a:ext uri="{FF2B5EF4-FFF2-40B4-BE49-F238E27FC236}">
                 <a16:creationId xmlns:a16="http://schemas.microsoft.com/office/drawing/2014/main" id="{A25960CD-10EE-D449-ABF3-6A1F0B3FE679}"/>
@@ -3648,7 +4600,7 @@
         <p:spPr>
           <a:xfrm>
             <a:off x="9553801" y="-449"/>
-            <a:ext cx="2654507" cy="6858449"/>
+            <a:ext cx="2654507" cy="6895379"/>
           </a:xfrm>
           <a:custGeom>
             <a:avLst/>
@@ -3788,13 +4740,32 @@
     </p:spTree>
     <p:extLst>
       <p:ext uri="{BB962C8B-B14F-4D97-AF65-F5344CB8AC3E}">
-        <p14:creationId xmlns:p14="http://schemas.microsoft.com/office/powerpoint/2010/main" val="3009418033"/>
+        <p14:creationId xmlns:p14="http://schemas.microsoft.com/office/powerpoint/2010/main" val="1754167921"/>
       </p:ext>
     </p:extLst>
   </p:cSld>
   <p:clrMapOvr>
     <a:masterClrMapping/>
   </p:clrMapOvr>
+  <mc:AlternateContent xmlns:mc="http://schemas.openxmlformats.org/markup-compatibility/2006" xmlns:p14="http://schemas.microsoft.com/office/powerpoint/2010/main">
+    <mc:Choice Requires="p14">
+      <p:transition spd="slow" p14:dur="3400">
+        <p14:reveal/>
+      </p:transition>
+    </mc:Choice>
+    <mc:Fallback xmlns="">
+      <p:transition spd="slow">
+        <p:fade/>
+      </p:transition>
+    </mc:Fallback>
+  </mc:AlternateContent>
+  <p:timing>
+    <p:tnLst>
+      <p:par>
+        <p:cTn id="1" dur="indefinite" restart="never" nodeType="tmRoot"/>
+      </p:par>
+    </p:tnLst>
+  </p:timing>
 </p:sld>
 </file>
 
@@ -3817,13 +4788,159 @@
       </p:grpSpPr>
       <p:sp>
         <p:nvSpPr>
-          <p:cNvPr id="2" name="Titre 1">
+          <p:cNvPr id="9" name="Graphique 3">
             <a:extLst>
               <a:ext uri="{FF2B5EF4-FFF2-40B4-BE49-F238E27FC236}">
-                <a16:creationId xmlns:a16="http://schemas.microsoft.com/office/drawing/2014/main" id="{3D2A2E2B-F3BF-BDD2-3944-D069B8F28923}"/>
+                <a16:creationId xmlns:a16="http://schemas.microsoft.com/office/drawing/2014/main" id="{A25960CD-10EE-D449-ABF3-6A1F0B3FE679}"/>
               </a:ext>
             </a:extLst>
           </p:cNvPr>
+          <p:cNvSpPr/>
+          <p:nvPr/>
+        </p:nvSpPr>
+        <p:spPr>
+          <a:xfrm>
+            <a:off x="9553801" y="-449"/>
+            <a:ext cx="2654507" cy="6895379"/>
+          </a:xfrm>
+          <a:custGeom>
+            <a:avLst/>
+            <a:gdLst>
+              <a:gd name="connsiteX0" fmla="*/ 1136333 w 1525904"/>
+              <a:gd name="connsiteY0" fmla="*/ 0 h 3874451"/>
+              <a:gd name="connsiteX1" fmla="*/ 143828 w 1525904"/>
+              <a:gd name="connsiteY1" fmla="*/ 1073540 h 3874451"/>
+              <a:gd name="connsiteX2" fmla="*/ 45720 w 1525904"/>
+              <a:gd name="connsiteY2" fmla="*/ 1241043 h 3874451"/>
+              <a:gd name="connsiteX3" fmla="*/ 4763 w 1525904"/>
+              <a:gd name="connsiteY3" fmla="*/ 1427580 h 3874451"/>
+              <a:gd name="connsiteX4" fmla="*/ 0 w 1525904"/>
+              <a:gd name="connsiteY4" fmla="*/ 3874452 h 3874451"/>
+              <a:gd name="connsiteX5" fmla="*/ 285750 w 1525904"/>
+              <a:gd name="connsiteY5" fmla="*/ 3874452 h 3874451"/>
+              <a:gd name="connsiteX6" fmla="*/ 289560 w 1525904"/>
+              <a:gd name="connsiteY6" fmla="*/ 1428532 h 3874451"/>
+              <a:gd name="connsiteX7" fmla="*/ 310515 w 1525904"/>
+              <a:gd name="connsiteY7" fmla="*/ 1347636 h 3874451"/>
+              <a:gd name="connsiteX8" fmla="*/ 312420 w 1525904"/>
+              <a:gd name="connsiteY8" fmla="*/ 1343829 h 3874451"/>
+              <a:gd name="connsiteX9" fmla="*/ 353378 w 1525904"/>
+              <a:gd name="connsiteY9" fmla="*/ 1267691 h 3874451"/>
+              <a:gd name="connsiteX10" fmla="*/ 1525905 w 1525904"/>
+              <a:gd name="connsiteY10" fmla="*/ 0 h 3874451"/>
+              <a:gd name="connsiteX11" fmla="*/ 1136333 w 1525904"/>
+              <a:gd name="connsiteY11" fmla="*/ 0 h 3874451"/>
+            </a:gdLst>
+            <a:ahLst/>
+            <a:cxnLst>
+              <a:cxn ang="0">
+                <a:pos x="connsiteX0" y="connsiteY0"/>
+              </a:cxn>
+              <a:cxn ang="0">
+                <a:pos x="connsiteX1" y="connsiteY1"/>
+              </a:cxn>
+              <a:cxn ang="0">
+                <a:pos x="connsiteX2" y="connsiteY2"/>
+              </a:cxn>
+              <a:cxn ang="0">
+                <a:pos x="connsiteX3" y="connsiteY3"/>
+              </a:cxn>
+              <a:cxn ang="0">
+                <a:pos x="connsiteX4" y="connsiteY4"/>
+              </a:cxn>
+              <a:cxn ang="0">
+                <a:pos x="connsiteX5" y="connsiteY5"/>
+              </a:cxn>
+              <a:cxn ang="0">
+                <a:pos x="connsiteX6" y="connsiteY6"/>
+              </a:cxn>
+              <a:cxn ang="0">
+                <a:pos x="connsiteX7" y="connsiteY7"/>
+              </a:cxn>
+              <a:cxn ang="0">
+                <a:pos x="connsiteX8" y="connsiteY8"/>
+              </a:cxn>
+              <a:cxn ang="0">
+                <a:pos x="connsiteX9" y="connsiteY9"/>
+              </a:cxn>
+              <a:cxn ang="0">
+                <a:pos x="connsiteX10" y="connsiteY10"/>
+              </a:cxn>
+              <a:cxn ang="0">
+                <a:pos x="connsiteX11" y="connsiteY11"/>
+              </a:cxn>
+            </a:cxnLst>
+            <a:rect l="l" t="t" r="r" b="b"/>
+            <a:pathLst>
+              <a:path w="1525904" h="3874451">
+                <a:moveTo>
+                  <a:pt x="1136333" y="0"/>
+                </a:moveTo>
+                <a:lnTo>
+                  <a:pt x="143828" y="1073540"/>
+                </a:lnTo>
+                <a:cubicBezTo>
+                  <a:pt x="105728" y="1114464"/>
+                  <a:pt x="71438" y="1173471"/>
+                  <a:pt x="45720" y="1241043"/>
+                </a:cubicBezTo>
+                <a:cubicBezTo>
+                  <a:pt x="19050" y="1305760"/>
+                  <a:pt x="4763" y="1372380"/>
+                  <a:pt x="4763" y="1427580"/>
+                </a:cubicBezTo>
+                <a:lnTo>
+                  <a:pt x="0" y="3874452"/>
+                </a:lnTo>
+                <a:lnTo>
+                  <a:pt x="285750" y="3874452"/>
+                </a:lnTo>
+                <a:lnTo>
+                  <a:pt x="289560" y="1428532"/>
+                </a:lnTo>
+                <a:cubicBezTo>
+                  <a:pt x="289560" y="1417111"/>
+                  <a:pt x="294323" y="1387608"/>
+                  <a:pt x="310515" y="1347636"/>
+                </a:cubicBezTo>
+                <a:lnTo>
+                  <a:pt x="312420" y="1343829"/>
+                </a:lnTo>
+                <a:cubicBezTo>
+                  <a:pt x="328613" y="1301953"/>
+                  <a:pt x="345758" y="1276257"/>
+                  <a:pt x="353378" y="1267691"/>
+                </a:cubicBezTo>
+                <a:lnTo>
+                  <a:pt x="1525905" y="0"/>
+                </a:lnTo>
+                <a:lnTo>
+                  <a:pt x="1136333" y="0"/>
+                </a:lnTo>
+                <a:close/>
+              </a:path>
+            </a:pathLst>
+          </a:custGeom>
+          <a:solidFill>
+            <a:srgbClr val="FFED00"/>
+          </a:solidFill>
+          <a:ln w="9525" cap="flat">
+            <a:noFill/>
+            <a:prstDash val="solid"/>
+            <a:miter/>
+          </a:ln>
+        </p:spPr>
+        <p:txBody>
+          <a:bodyPr rtlCol="0" anchor="ctr"/>
+          <a:lstStyle/>
+          <a:p>
+            <a:endParaRPr lang="fr-FR" sz="2400"/>
+          </a:p>
+        </p:txBody>
+      </p:sp>
+      <p:sp>
+        <p:nvSpPr>
+          <p:cNvPr id="2" name="Titre 1"/>
           <p:cNvSpPr>
             <a:spLocks noGrp="1"/>
           </p:cNvSpPr>
@@ -3836,38 +4953,1173 @@
           <a:bodyPr/>
           <a:lstStyle/>
           <a:p>
-            <a:endParaRPr lang="fr-FR"/>
-          </a:p>
-        </p:txBody>
-      </p:sp>
-      <p:sp>
-        <p:nvSpPr>
-          <p:cNvPr id="3" name="Espace réservé du contenu 2">
+            <a:pPr algn="ctr"/>
+            <a:r>
+              <a:rPr lang="fr-FR" dirty="0" smtClean="0"/>
+              <a:t>Introduction</a:t>
+            </a:r>
+            <a:endParaRPr lang="en-US" dirty="0"/>
+          </a:p>
+        </p:txBody>
+      </p:sp>
+      <p:sp>
+        <p:nvSpPr>
+          <p:cNvPr id="3" name="Espace réservé du contenu 2"/>
+          <p:cNvSpPr>
+            <a:spLocks noGrp="1"/>
+          </p:cNvSpPr>
+          <p:nvPr>
+            <p:ph idx="1"/>
+          </p:nvPr>
+        </p:nvSpPr>
+        <p:spPr/>
+        <p:txBody>
+          <a:bodyPr/>
+          <a:lstStyle/>
+          <a:p>
+            <a:pPr marL="0" indent="0">
+              <a:buNone/>
+            </a:pPr>
+            <a:r>
+              <a:rPr lang="fr-FR" b="1" dirty="0" smtClean="0">
+                <a:latin typeface="+mj-lt"/>
+              </a:rPr>
+              <a:t>Contexte : </a:t>
+            </a:r>
+            <a:r>
+              <a:rPr lang="fr-FR" dirty="0" smtClean="0">
+                <a:latin typeface="+mj-lt"/>
+              </a:rPr>
+              <a:t>les appareils connectés sont surveillés séparément par les outils données par les constructeurs, donc la supervision est minimalisée. Pour la résolution rapide des problèmes, la gestion des tickets d’incidents est nécessaire.</a:t>
+            </a:r>
+          </a:p>
+          <a:p>
+            <a:pPr marL="0" indent="0">
+              <a:buNone/>
+            </a:pPr>
+            <a:endParaRPr lang="fr-FR" dirty="0" smtClean="0">
+              <a:latin typeface="+mj-lt"/>
+            </a:endParaRPr>
+          </a:p>
+          <a:p>
+            <a:pPr marL="0" indent="0">
+              <a:buNone/>
+            </a:pPr>
+            <a:r>
+              <a:rPr lang="fr-FR" b="1" dirty="0" smtClean="0">
+                <a:latin typeface="+mj-lt"/>
+              </a:rPr>
+              <a:t>Objectif : </a:t>
+            </a:r>
+            <a:r>
+              <a:rPr lang="fr-FR" dirty="0" smtClean="0">
+                <a:latin typeface="+mj-lt"/>
+              </a:rPr>
+              <a:t>Superviser les matériels informatiques dans les chantiers de Colas </a:t>
+            </a:r>
+            <a:r>
+              <a:rPr lang="fr-FR" dirty="0" err="1" smtClean="0">
+                <a:latin typeface="+mj-lt"/>
+              </a:rPr>
+              <a:t>Mada</a:t>
+            </a:r>
+            <a:r>
+              <a:rPr lang="fr-FR" dirty="0">
+                <a:latin typeface="+mj-lt"/>
+              </a:rPr>
+              <a:t> </a:t>
+            </a:r>
+            <a:r>
+              <a:rPr lang="fr-FR" dirty="0" smtClean="0">
+                <a:latin typeface="+mj-lt"/>
+              </a:rPr>
+              <a:t>de manière plus approfondie.</a:t>
+            </a:r>
+          </a:p>
+          <a:p>
+            <a:pPr marL="0" indent="0">
+              <a:buNone/>
+            </a:pPr>
+            <a:endParaRPr lang="en-US" dirty="0">
+              <a:latin typeface="+mj-lt"/>
+            </a:endParaRPr>
+          </a:p>
+        </p:txBody>
+      </p:sp>
+      <p:sp>
+        <p:nvSpPr>
+          <p:cNvPr id="5" name="Rectangle 4"/>
+          <p:cNvSpPr/>
+          <p:nvPr/>
+        </p:nvSpPr>
+        <p:spPr>
+          <a:xfrm>
+            <a:off x="-1" y="6192456"/>
+            <a:ext cx="12192000" cy="702474"/>
+          </a:xfrm>
+          <a:prstGeom prst="rect">
+            <a:avLst/>
+          </a:prstGeom>
+          <a:solidFill>
+            <a:schemeClr val="tx1"/>
+          </a:solidFill>
+          <a:ln>
+            <a:noFill/>
+          </a:ln>
+        </p:spPr>
+        <p:style>
+          <a:lnRef idx="2">
+            <a:schemeClr val="accent1">
+              <a:shade val="50000"/>
+            </a:schemeClr>
+          </a:lnRef>
+          <a:fillRef idx="1">
+            <a:schemeClr val="accent1"/>
+          </a:fillRef>
+          <a:effectRef idx="0">
+            <a:schemeClr val="accent1"/>
+          </a:effectRef>
+          <a:fontRef idx="minor">
+            <a:schemeClr val="lt1"/>
+          </a:fontRef>
+        </p:style>
+        <p:txBody>
+          <a:bodyPr rtlCol="0" anchor="ctr"/>
+          <a:lstStyle/>
+          <a:p>
+            <a:pPr algn="ctr"/>
+            <a:endParaRPr lang="en-US"/>
+          </a:p>
+        </p:txBody>
+      </p:sp>
+      <p:sp>
+        <p:nvSpPr>
+          <p:cNvPr id="6" name="Rectangle 5"/>
+          <p:cNvSpPr/>
+          <p:nvPr/>
+        </p:nvSpPr>
+        <p:spPr>
+          <a:xfrm>
+            <a:off x="112643" y="6331946"/>
+            <a:ext cx="2103783" cy="423493"/>
+          </a:xfrm>
+          <a:prstGeom prst="rect">
+            <a:avLst/>
+          </a:prstGeom>
+          <a:noFill/>
+          <a:ln>
+            <a:noFill/>
+          </a:ln>
+        </p:spPr>
+        <p:style>
+          <a:lnRef idx="2">
+            <a:schemeClr val="accent1">
+              <a:shade val="50000"/>
+            </a:schemeClr>
+          </a:lnRef>
+          <a:fillRef idx="1">
+            <a:schemeClr val="accent1"/>
+          </a:fillRef>
+          <a:effectRef idx="0">
+            <a:schemeClr val="accent1"/>
+          </a:effectRef>
+          <a:fontRef idx="minor">
+            <a:schemeClr val="lt1"/>
+          </a:fontRef>
+        </p:style>
+        <p:txBody>
+          <a:bodyPr rtlCol="0" anchor="ctr"/>
+          <a:lstStyle/>
+          <a:p>
+            <a:pPr algn="ctr"/>
+            <a:r>
+              <a:rPr lang="fr-FR" dirty="0" smtClean="0">
+                <a:solidFill>
+                  <a:srgbClr val="FFFF00"/>
+                </a:solidFill>
+                <a:latin typeface="+mj-lt"/>
+                <a:ea typeface="Verdana" panose="020B0604030504040204" pitchFamily="34" charset="0"/>
+              </a:rPr>
+              <a:t>Mémoire de licence</a:t>
+            </a:r>
+            <a:endParaRPr lang="en-US" dirty="0">
+              <a:solidFill>
+                <a:srgbClr val="FFFF00"/>
+              </a:solidFill>
+              <a:latin typeface="+mj-lt"/>
+              <a:ea typeface="Verdana" panose="020B0604030504040204" pitchFamily="34" charset="0"/>
+            </a:endParaRPr>
+          </a:p>
+        </p:txBody>
+      </p:sp>
+      <p:sp>
+        <p:nvSpPr>
+          <p:cNvPr id="7" name="Rectangle 6"/>
+          <p:cNvSpPr/>
+          <p:nvPr/>
+        </p:nvSpPr>
+        <p:spPr>
+          <a:xfrm>
+            <a:off x="10628242" y="6331945"/>
+            <a:ext cx="1451113" cy="423493"/>
+          </a:xfrm>
+          <a:prstGeom prst="rect">
+            <a:avLst/>
+          </a:prstGeom>
+          <a:noFill/>
+          <a:ln>
+            <a:noFill/>
+          </a:ln>
+        </p:spPr>
+        <p:style>
+          <a:lnRef idx="2">
+            <a:schemeClr val="accent1">
+              <a:shade val="50000"/>
+            </a:schemeClr>
+          </a:lnRef>
+          <a:fillRef idx="1">
+            <a:schemeClr val="accent1"/>
+          </a:fillRef>
+          <a:effectRef idx="0">
+            <a:schemeClr val="accent1"/>
+          </a:effectRef>
+          <a:fontRef idx="minor">
+            <a:schemeClr val="lt1"/>
+          </a:fontRef>
+        </p:style>
+        <p:txBody>
+          <a:bodyPr rtlCol="0" anchor="ctr"/>
+          <a:lstStyle/>
+          <a:p>
+            <a:pPr algn="ctr"/>
+            <a:r>
+              <a:rPr lang="fr-FR" dirty="0" smtClean="0">
+                <a:latin typeface="+mj-lt"/>
+                <a:ea typeface="Verdana" panose="020B0604030504040204" pitchFamily="34" charset="0"/>
+              </a:rPr>
+              <a:t>UF/ENI/2024</a:t>
+            </a:r>
+            <a:endParaRPr lang="en-US" dirty="0">
+              <a:latin typeface="+mj-lt"/>
+              <a:ea typeface="Verdana" panose="020B0604030504040204" pitchFamily="34" charset="0"/>
+            </a:endParaRPr>
+          </a:p>
+        </p:txBody>
+      </p:sp>
+    </p:spTree>
+    <p:extLst>
+      <p:ext uri="{BB962C8B-B14F-4D97-AF65-F5344CB8AC3E}">
+        <p14:creationId xmlns:p14="http://schemas.microsoft.com/office/powerpoint/2010/main" val="3934207754"/>
+      </p:ext>
+    </p:extLst>
+  </p:cSld>
+  <p:clrMapOvr>
+    <a:masterClrMapping/>
+  </p:clrMapOvr>
+  <mc:AlternateContent xmlns:mc="http://schemas.openxmlformats.org/markup-compatibility/2006" xmlns:p15="http://schemas.microsoft.com/office/powerpoint/2012/main">
+    <mc:Choice Requires="p15">
+      <p:transition xmlns:p14="http://schemas.microsoft.com/office/powerpoint/2010/main" spd="slow" p14:dur="2000">
+        <p15:prstTrans prst="fallOver"/>
+      </p:transition>
+    </mc:Choice>
+    <mc:Fallback xmlns="">
+      <p:transition spd="slow">
+        <p:fade/>
+      </p:transition>
+    </mc:Fallback>
+  </mc:AlternateContent>
+  <p:timing>
+    <p:tnLst>
+      <p:par>
+        <p:cTn id="1" dur="indefinite" restart="never" nodeType="tmRoot"/>
+      </p:par>
+    </p:tnLst>
+  </p:timing>
+</p:sld>
+</file>
+
+<file path=ppt/slides/slide4.xml><?xml version="1.0" encoding="utf-8"?>
+<p:sld xmlns:a="http://schemas.openxmlformats.org/drawingml/2006/main" xmlns:r="http://schemas.openxmlformats.org/officeDocument/2006/relationships" xmlns:p="http://schemas.openxmlformats.org/presentationml/2006/main">
+  <p:cSld>
+    <p:spTree>
+      <p:nvGrpSpPr>
+        <p:cNvPr id="1" name=""/>
+        <p:cNvGrpSpPr/>
+        <p:nvPr/>
+      </p:nvGrpSpPr>
+      <p:grpSpPr>
+        <a:xfrm>
+          <a:off x="0" y="0"/>
+          <a:ext cx="0" cy="0"/>
+          <a:chOff x="0" y="0"/>
+          <a:chExt cx="0" cy="0"/>
+        </a:xfrm>
+      </p:grpSpPr>
+      <p:sp>
+        <p:nvSpPr>
+          <p:cNvPr id="2" name="Titre 1"/>
+          <p:cNvSpPr>
+            <a:spLocks noGrp="1"/>
+          </p:cNvSpPr>
+          <p:nvPr>
+            <p:ph type="title"/>
+          </p:nvPr>
+        </p:nvSpPr>
+        <p:spPr>
+          <a:xfrm>
+            <a:off x="1579418" y="365125"/>
+            <a:ext cx="9774382" cy="1325563"/>
+          </a:xfrm>
+          <a:ln>
+            <a:noFill/>
+          </a:ln>
+        </p:spPr>
+        <p:txBody>
+          <a:bodyPr/>
+          <a:lstStyle/>
+          <a:p>
+            <a:pPr algn="ctr"/>
+            <a:r>
+              <a:rPr lang="fr-FR" dirty="0" smtClean="0"/>
+              <a:t>Plan</a:t>
+            </a:r>
+            <a:endParaRPr lang="en-US" dirty="0"/>
+          </a:p>
+        </p:txBody>
+      </p:sp>
+      <p:sp>
+        <p:nvSpPr>
+          <p:cNvPr id="3" name="Espace réservé du contenu 2"/>
+          <p:cNvSpPr>
+            <a:spLocks noGrp="1"/>
+          </p:cNvSpPr>
+          <p:nvPr>
+            <p:ph idx="1"/>
+          </p:nvPr>
+        </p:nvSpPr>
+        <p:spPr/>
+        <p:txBody>
+          <a:bodyPr/>
+          <a:lstStyle/>
+          <a:p>
+            <a:r>
+              <a:rPr lang="fr-FR" b="1" dirty="0" smtClean="0">
+                <a:latin typeface="+mj-lt"/>
+              </a:rPr>
+              <a:t>#1. </a:t>
+            </a:r>
+            <a:r>
+              <a:rPr lang="fr-FR" dirty="0" smtClean="0">
+                <a:latin typeface="+mj-lt"/>
+              </a:rPr>
+              <a:t>Présentation de Colas</a:t>
+            </a:r>
+          </a:p>
+          <a:p>
+            <a:r>
+              <a:rPr lang="fr-FR" b="1" dirty="0" smtClean="0">
+                <a:latin typeface="+mj-lt"/>
+              </a:rPr>
+              <a:t>#2. </a:t>
+            </a:r>
+            <a:r>
+              <a:rPr lang="fr-FR" dirty="0" smtClean="0">
+                <a:latin typeface="+mj-lt"/>
+              </a:rPr>
+              <a:t>Missions réalisées durant le stage</a:t>
+            </a:r>
+          </a:p>
+          <a:p>
+            <a:r>
+              <a:rPr lang="fr-FR" b="1" dirty="0" smtClean="0">
+                <a:latin typeface="+mj-lt"/>
+              </a:rPr>
+              <a:t>#3. </a:t>
+            </a:r>
+            <a:r>
+              <a:rPr lang="fr-FR" dirty="0" smtClean="0">
+                <a:latin typeface="+mj-lt"/>
+              </a:rPr>
+              <a:t>Outils utilisés</a:t>
+            </a:r>
+          </a:p>
+          <a:p>
+            <a:r>
+              <a:rPr lang="fr-FR" b="1" dirty="0" smtClean="0">
+                <a:latin typeface="+mj-lt"/>
+              </a:rPr>
+              <a:t>#4. </a:t>
+            </a:r>
+            <a:r>
+              <a:rPr lang="fr-FR" dirty="0" smtClean="0">
+                <a:latin typeface="+mj-lt"/>
+              </a:rPr>
+              <a:t>Simulation et émulation</a:t>
+            </a:r>
+          </a:p>
+          <a:p>
+            <a:r>
+              <a:rPr lang="fr-FR" b="1" dirty="0" smtClean="0">
+                <a:latin typeface="+mj-lt"/>
+              </a:rPr>
+              <a:t>#5. </a:t>
+            </a:r>
+            <a:r>
+              <a:rPr lang="fr-FR" dirty="0" smtClean="0">
+                <a:latin typeface="+mj-lt"/>
+              </a:rPr>
+              <a:t>Résultats attendus</a:t>
+            </a:r>
+          </a:p>
+          <a:p>
+            <a:endParaRPr lang="fr-FR" dirty="0" smtClean="0">
+              <a:latin typeface="+mj-lt"/>
+            </a:endParaRPr>
+          </a:p>
+          <a:p>
+            <a:endParaRPr lang="en-US" dirty="0">
+              <a:latin typeface="+mj-lt"/>
+            </a:endParaRPr>
+          </a:p>
+        </p:txBody>
+      </p:sp>
+      <p:sp>
+        <p:nvSpPr>
+          <p:cNvPr id="5" name="Rectangle 4"/>
+          <p:cNvSpPr/>
+          <p:nvPr/>
+        </p:nvSpPr>
+        <p:spPr>
+          <a:xfrm>
+            <a:off x="-1" y="6192456"/>
+            <a:ext cx="12192000" cy="702474"/>
+          </a:xfrm>
+          <a:prstGeom prst="rect">
+            <a:avLst/>
+          </a:prstGeom>
+          <a:solidFill>
+            <a:schemeClr val="tx1"/>
+          </a:solidFill>
+          <a:ln>
+            <a:noFill/>
+          </a:ln>
+        </p:spPr>
+        <p:style>
+          <a:lnRef idx="2">
+            <a:schemeClr val="accent1">
+              <a:shade val="50000"/>
+            </a:schemeClr>
+          </a:lnRef>
+          <a:fillRef idx="1">
+            <a:schemeClr val="accent1"/>
+          </a:fillRef>
+          <a:effectRef idx="0">
+            <a:schemeClr val="accent1"/>
+          </a:effectRef>
+          <a:fontRef idx="minor">
+            <a:schemeClr val="lt1"/>
+          </a:fontRef>
+        </p:style>
+        <p:txBody>
+          <a:bodyPr rtlCol="0" anchor="ctr"/>
+          <a:lstStyle/>
+          <a:p>
+            <a:pPr algn="ctr"/>
+            <a:endParaRPr lang="en-US"/>
+          </a:p>
+        </p:txBody>
+      </p:sp>
+      <p:sp>
+        <p:nvSpPr>
+          <p:cNvPr id="6" name="Rectangle 5"/>
+          <p:cNvSpPr/>
+          <p:nvPr/>
+        </p:nvSpPr>
+        <p:spPr>
+          <a:xfrm>
+            <a:off x="112643" y="6331946"/>
+            <a:ext cx="2103783" cy="423493"/>
+          </a:xfrm>
+          <a:prstGeom prst="rect">
+            <a:avLst/>
+          </a:prstGeom>
+          <a:noFill/>
+          <a:ln>
+            <a:noFill/>
+          </a:ln>
+        </p:spPr>
+        <p:style>
+          <a:lnRef idx="2">
+            <a:schemeClr val="accent1">
+              <a:shade val="50000"/>
+            </a:schemeClr>
+          </a:lnRef>
+          <a:fillRef idx="1">
+            <a:schemeClr val="accent1"/>
+          </a:fillRef>
+          <a:effectRef idx="0">
+            <a:schemeClr val="accent1"/>
+          </a:effectRef>
+          <a:fontRef idx="minor">
+            <a:schemeClr val="lt1"/>
+          </a:fontRef>
+        </p:style>
+        <p:txBody>
+          <a:bodyPr rtlCol="0" anchor="ctr"/>
+          <a:lstStyle/>
+          <a:p>
+            <a:pPr algn="ctr"/>
+            <a:r>
+              <a:rPr lang="fr-FR" dirty="0" smtClean="0">
+                <a:solidFill>
+                  <a:srgbClr val="FFFF00"/>
+                </a:solidFill>
+                <a:latin typeface="+mj-lt"/>
+                <a:ea typeface="Verdana" panose="020B0604030504040204" pitchFamily="34" charset="0"/>
+              </a:rPr>
+              <a:t>Mémoire de licence</a:t>
+            </a:r>
+            <a:endParaRPr lang="en-US" dirty="0">
+              <a:solidFill>
+                <a:srgbClr val="FFFF00"/>
+              </a:solidFill>
+              <a:latin typeface="+mj-lt"/>
+              <a:ea typeface="Verdana" panose="020B0604030504040204" pitchFamily="34" charset="0"/>
+            </a:endParaRPr>
+          </a:p>
+        </p:txBody>
+      </p:sp>
+      <p:sp>
+        <p:nvSpPr>
+          <p:cNvPr id="7" name="Rectangle 6"/>
+          <p:cNvSpPr/>
+          <p:nvPr/>
+        </p:nvSpPr>
+        <p:spPr>
+          <a:xfrm>
+            <a:off x="10628242" y="6331945"/>
+            <a:ext cx="1451113" cy="423493"/>
+          </a:xfrm>
+          <a:prstGeom prst="rect">
+            <a:avLst/>
+          </a:prstGeom>
+          <a:noFill/>
+          <a:ln>
+            <a:noFill/>
+          </a:ln>
+        </p:spPr>
+        <p:style>
+          <a:lnRef idx="2">
+            <a:schemeClr val="accent1">
+              <a:shade val="50000"/>
+            </a:schemeClr>
+          </a:lnRef>
+          <a:fillRef idx="1">
+            <a:schemeClr val="accent1"/>
+          </a:fillRef>
+          <a:effectRef idx="0">
+            <a:schemeClr val="accent1"/>
+          </a:effectRef>
+          <a:fontRef idx="minor">
+            <a:schemeClr val="lt1"/>
+          </a:fontRef>
+        </p:style>
+        <p:txBody>
+          <a:bodyPr rtlCol="0" anchor="ctr"/>
+          <a:lstStyle/>
+          <a:p>
+            <a:pPr algn="ctr"/>
+            <a:r>
+              <a:rPr lang="fr-FR" dirty="0" smtClean="0">
+                <a:latin typeface="+mj-lt"/>
+                <a:ea typeface="Verdana" panose="020B0604030504040204" pitchFamily="34" charset="0"/>
+              </a:rPr>
+              <a:t>UF/ENI/2024</a:t>
+            </a:r>
+            <a:endParaRPr lang="en-US" dirty="0">
+              <a:latin typeface="+mj-lt"/>
+              <a:ea typeface="Verdana" panose="020B0604030504040204" pitchFamily="34" charset="0"/>
+            </a:endParaRPr>
+          </a:p>
+        </p:txBody>
+      </p:sp>
+    </p:spTree>
+    <p:extLst>
+      <p:ext uri="{BB962C8B-B14F-4D97-AF65-F5344CB8AC3E}">
+        <p14:creationId xmlns:p14="http://schemas.microsoft.com/office/powerpoint/2010/main" val="323645368"/>
+      </p:ext>
+    </p:extLst>
+  </p:cSld>
+  <p:clrMapOvr>
+    <a:masterClrMapping/>
+  </p:clrMapOvr>
+  <mc:AlternateContent xmlns:mc="http://schemas.openxmlformats.org/markup-compatibility/2006" xmlns:p14="http://schemas.microsoft.com/office/powerpoint/2010/main">
+    <mc:Choice Requires="p14">
+      <p:transition p14:dur="10"/>
+    </mc:Choice>
+    <mc:Fallback xmlns="">
+      <p:transition/>
+    </mc:Fallback>
+  </mc:AlternateContent>
+  <p:timing>
+    <p:tnLst>
+      <p:par>
+        <p:cTn id="1" dur="indefinite" restart="never" nodeType="tmRoot"/>
+      </p:par>
+    </p:tnLst>
+  </p:timing>
+</p:sld>
+</file>
+
+<file path=ppt/slides/slide5.xml><?xml version="1.0" encoding="utf-8"?>
+<p:sld xmlns:a="http://schemas.openxmlformats.org/drawingml/2006/main" xmlns:r="http://schemas.openxmlformats.org/officeDocument/2006/relationships" xmlns:p="http://schemas.openxmlformats.org/presentationml/2006/main">
+  <p:cSld>
+    <p:spTree>
+      <p:nvGrpSpPr>
+        <p:cNvPr id="1" name=""/>
+        <p:cNvGrpSpPr/>
+        <p:nvPr/>
+      </p:nvGrpSpPr>
+      <p:grpSpPr>
+        <a:xfrm>
+          <a:off x="0" y="0"/>
+          <a:ext cx="0" cy="0"/>
+          <a:chOff x="0" y="0"/>
+          <a:chExt cx="0" cy="0"/>
+        </a:xfrm>
+      </p:grpSpPr>
+      <p:pic>
+        <p:nvPicPr>
+          <p:cNvPr id="9" name="Image 8"/>
+          <p:cNvPicPr>
+            <a:picLocks noChangeAspect="1"/>
+          </p:cNvPicPr>
+          <p:nvPr/>
+        </p:nvPicPr>
+        <p:blipFill>
+          <a:blip r:embed="rId2"/>
+          <a:stretch>
+            <a:fillRect/>
+          </a:stretch>
+        </p:blipFill>
+        <p:spPr>
+          <a:xfrm>
+            <a:off x="1987591" y="2824314"/>
+            <a:ext cx="256007" cy="242708"/>
+          </a:xfrm>
+          <a:prstGeom prst="rect">
+            <a:avLst/>
+          </a:prstGeom>
+        </p:spPr>
+      </p:pic>
+      <p:pic>
+        <p:nvPicPr>
+          <p:cNvPr id="8" name="Image 7"/>
+          <p:cNvPicPr>
+            <a:picLocks noChangeAspect="1"/>
+          </p:cNvPicPr>
+          <p:nvPr/>
+        </p:nvPicPr>
+        <p:blipFill>
+          <a:blip r:embed="rId3"/>
+          <a:stretch>
+            <a:fillRect/>
+          </a:stretch>
+        </p:blipFill>
+        <p:spPr>
+          <a:xfrm flipH="1">
+            <a:off x="1836126" y="2194032"/>
+            <a:ext cx="616420" cy="492109"/>
+          </a:xfrm>
+          <a:prstGeom prst="rect">
+            <a:avLst/>
+          </a:prstGeom>
+        </p:spPr>
+      </p:pic>
+      <p:sp>
+        <p:nvSpPr>
+          <p:cNvPr id="2" name="Titre 1"/>
+          <p:cNvSpPr>
+            <a:spLocks noGrp="1"/>
+          </p:cNvSpPr>
+          <p:nvPr>
+            <p:ph type="title"/>
+          </p:nvPr>
+        </p:nvSpPr>
+        <p:spPr/>
+        <p:txBody>
+          <a:bodyPr/>
+          <a:lstStyle/>
+          <a:p>
+            <a:pPr algn="ctr"/>
+            <a:r>
+              <a:rPr lang="fr-FR" dirty="0" smtClean="0"/>
+              <a:t>Présentation de Colas</a:t>
+            </a:r>
+            <a:endParaRPr lang="en-US" dirty="0"/>
+          </a:p>
+        </p:txBody>
+      </p:sp>
+      <p:sp>
+        <p:nvSpPr>
+          <p:cNvPr id="3" name="Espace réservé du contenu 2"/>
+          <p:cNvSpPr>
+            <a:spLocks noGrp="1"/>
+          </p:cNvSpPr>
+          <p:nvPr>
+            <p:ph idx="1"/>
+          </p:nvPr>
+        </p:nvSpPr>
+        <p:spPr>
+          <a:xfrm>
+            <a:off x="2297545" y="1701626"/>
+            <a:ext cx="10515600" cy="4351338"/>
+          </a:xfrm>
+        </p:spPr>
+        <p:txBody>
+          <a:bodyPr/>
+          <a:lstStyle/>
+          <a:p>
+            <a:pPr marL="0" indent="0">
+              <a:buNone/>
+            </a:pPr>
+            <a:r>
+              <a:rPr lang="fr-FR" dirty="0">
+                <a:latin typeface="+mj-lt"/>
+              </a:rPr>
+              <a:t> </a:t>
+            </a:r>
+            <a:r>
+              <a:rPr lang="fr-FR" dirty="0" smtClean="0">
+                <a:latin typeface="+mj-lt"/>
+              </a:rPr>
+              <a:t>Etymologie: </a:t>
+            </a:r>
+            <a:r>
+              <a:rPr lang="fr-FR" b="1" dirty="0" smtClean="0">
+                <a:latin typeface="+mj-lt"/>
+              </a:rPr>
+              <a:t>Col</a:t>
+            </a:r>
+            <a:r>
+              <a:rPr lang="fr-FR" dirty="0" smtClean="0">
+                <a:latin typeface="+mj-lt"/>
+              </a:rPr>
+              <a:t>d </a:t>
+            </a:r>
+            <a:r>
+              <a:rPr lang="fr-FR" b="1" dirty="0" err="1" smtClean="0">
+                <a:latin typeface="+mj-lt"/>
+              </a:rPr>
+              <a:t>As</a:t>
+            </a:r>
+            <a:r>
+              <a:rPr lang="fr-FR" dirty="0" err="1" smtClean="0">
+                <a:latin typeface="+mj-lt"/>
+              </a:rPr>
+              <a:t>phalt</a:t>
+            </a:r>
+            <a:endParaRPr lang="fr-FR" dirty="0" smtClean="0">
+              <a:latin typeface="+mj-lt"/>
+            </a:endParaRPr>
+          </a:p>
+          <a:p>
+            <a:pPr marL="0" indent="0">
+              <a:buNone/>
+            </a:pPr>
+            <a:r>
+              <a:rPr lang="fr-FR" dirty="0" smtClean="0">
+                <a:latin typeface="+mj-lt"/>
+              </a:rPr>
+              <a:t> Adresse: BP 133, </a:t>
+            </a:r>
+            <a:r>
+              <a:rPr lang="fr-FR" dirty="0" err="1" smtClean="0">
+                <a:latin typeface="+mj-lt"/>
+              </a:rPr>
+              <a:t>Anosibe</a:t>
+            </a:r>
+            <a:r>
+              <a:rPr lang="fr-FR" dirty="0" smtClean="0">
+                <a:latin typeface="+mj-lt"/>
+              </a:rPr>
+              <a:t>, 101 Antananarivo, Madagascar</a:t>
+            </a:r>
+          </a:p>
+          <a:p>
+            <a:pPr marL="0" indent="0">
+              <a:buNone/>
+            </a:pPr>
+            <a:r>
+              <a:rPr lang="fr-FR" dirty="0" smtClean="0">
+                <a:latin typeface="+mj-lt"/>
+              </a:rPr>
+              <a:t> Activité: Bâtiment, Travaux publics (Route, Ferroviaire,…)</a:t>
+            </a:r>
+          </a:p>
+          <a:p>
+            <a:pPr marL="0" indent="0">
+              <a:buNone/>
+            </a:pPr>
+            <a:r>
+              <a:rPr lang="fr-FR" dirty="0" smtClean="0">
+                <a:latin typeface="+mj-lt"/>
+              </a:rPr>
+              <a:t> Année de Création: 1922</a:t>
+            </a:r>
+          </a:p>
+          <a:p>
+            <a:pPr marL="0" indent="0">
+              <a:buNone/>
+            </a:pPr>
+            <a:r>
+              <a:rPr lang="fr-FR" dirty="0" smtClean="0">
+                <a:latin typeface="+mj-lt"/>
+              </a:rPr>
+              <a:t> Effectif: 65 000 collaborateurs</a:t>
+            </a:r>
+          </a:p>
+          <a:p>
+            <a:pPr marL="0" indent="0">
+              <a:buNone/>
+            </a:pPr>
+            <a:r>
+              <a:rPr lang="fr-FR" dirty="0" smtClean="0">
+                <a:latin typeface="+mj-lt"/>
+              </a:rPr>
+              <a:t> Chiffres d’affaires: 16 Milliards d’Euros</a:t>
+            </a:r>
+          </a:p>
+          <a:p>
+            <a:pPr marL="0" indent="0">
+              <a:buNone/>
+            </a:pPr>
+            <a:endParaRPr lang="fr-FR" dirty="0" smtClean="0">
+              <a:latin typeface="+mj-lt"/>
+            </a:endParaRPr>
+          </a:p>
+          <a:p>
+            <a:endParaRPr lang="en-US" dirty="0">
+              <a:latin typeface="+mj-lt"/>
+            </a:endParaRPr>
+          </a:p>
+        </p:txBody>
+      </p:sp>
+      <p:sp>
+        <p:nvSpPr>
+          <p:cNvPr id="5" name="Rectangle 4"/>
+          <p:cNvSpPr/>
+          <p:nvPr/>
+        </p:nvSpPr>
+        <p:spPr>
+          <a:xfrm>
+            <a:off x="-1" y="6192456"/>
+            <a:ext cx="12192000" cy="702474"/>
+          </a:xfrm>
+          <a:prstGeom prst="rect">
+            <a:avLst/>
+          </a:prstGeom>
+          <a:solidFill>
+            <a:schemeClr val="tx1"/>
+          </a:solidFill>
+          <a:ln>
+            <a:noFill/>
+          </a:ln>
+        </p:spPr>
+        <p:style>
+          <a:lnRef idx="2">
+            <a:schemeClr val="accent1">
+              <a:shade val="50000"/>
+            </a:schemeClr>
+          </a:lnRef>
+          <a:fillRef idx="1">
+            <a:schemeClr val="accent1"/>
+          </a:fillRef>
+          <a:effectRef idx="0">
+            <a:schemeClr val="accent1"/>
+          </a:effectRef>
+          <a:fontRef idx="minor">
+            <a:schemeClr val="lt1"/>
+          </a:fontRef>
+        </p:style>
+        <p:txBody>
+          <a:bodyPr rtlCol="0" anchor="ctr"/>
+          <a:lstStyle/>
+          <a:p>
+            <a:pPr algn="ctr"/>
+            <a:endParaRPr lang="en-US"/>
+          </a:p>
+        </p:txBody>
+      </p:sp>
+      <p:sp>
+        <p:nvSpPr>
+          <p:cNvPr id="6" name="Rectangle 5"/>
+          <p:cNvSpPr/>
+          <p:nvPr/>
+        </p:nvSpPr>
+        <p:spPr>
+          <a:xfrm>
+            <a:off x="112643" y="6331946"/>
+            <a:ext cx="2103783" cy="423493"/>
+          </a:xfrm>
+          <a:prstGeom prst="rect">
+            <a:avLst/>
+          </a:prstGeom>
+          <a:noFill/>
+          <a:ln>
+            <a:noFill/>
+          </a:ln>
+        </p:spPr>
+        <p:style>
+          <a:lnRef idx="2">
+            <a:schemeClr val="accent1">
+              <a:shade val="50000"/>
+            </a:schemeClr>
+          </a:lnRef>
+          <a:fillRef idx="1">
+            <a:schemeClr val="accent1"/>
+          </a:fillRef>
+          <a:effectRef idx="0">
+            <a:schemeClr val="accent1"/>
+          </a:effectRef>
+          <a:fontRef idx="minor">
+            <a:schemeClr val="lt1"/>
+          </a:fontRef>
+        </p:style>
+        <p:txBody>
+          <a:bodyPr rtlCol="0" anchor="ctr"/>
+          <a:lstStyle/>
+          <a:p>
+            <a:pPr algn="ctr"/>
+            <a:r>
+              <a:rPr lang="fr-FR" dirty="0" smtClean="0">
+                <a:solidFill>
+                  <a:srgbClr val="FFFF00"/>
+                </a:solidFill>
+                <a:latin typeface="+mj-lt"/>
+                <a:ea typeface="Verdana" panose="020B0604030504040204" pitchFamily="34" charset="0"/>
+              </a:rPr>
+              <a:t>Mémoire de licence</a:t>
+            </a:r>
+            <a:endParaRPr lang="en-US" dirty="0">
+              <a:solidFill>
+                <a:srgbClr val="FFFF00"/>
+              </a:solidFill>
+              <a:latin typeface="+mj-lt"/>
+              <a:ea typeface="Verdana" panose="020B0604030504040204" pitchFamily="34" charset="0"/>
+            </a:endParaRPr>
+          </a:p>
+        </p:txBody>
+      </p:sp>
+      <p:sp>
+        <p:nvSpPr>
+          <p:cNvPr id="7" name="Rectangle 6"/>
+          <p:cNvSpPr/>
+          <p:nvPr/>
+        </p:nvSpPr>
+        <p:spPr>
+          <a:xfrm>
+            <a:off x="10628242" y="6331945"/>
+            <a:ext cx="1451113" cy="423493"/>
+          </a:xfrm>
+          <a:prstGeom prst="rect">
+            <a:avLst/>
+          </a:prstGeom>
+          <a:noFill/>
+          <a:ln>
+            <a:noFill/>
+          </a:ln>
+        </p:spPr>
+        <p:style>
+          <a:lnRef idx="2">
+            <a:schemeClr val="accent1">
+              <a:shade val="50000"/>
+            </a:schemeClr>
+          </a:lnRef>
+          <a:fillRef idx="1">
+            <a:schemeClr val="accent1"/>
+          </a:fillRef>
+          <a:effectRef idx="0">
+            <a:schemeClr val="accent1"/>
+          </a:effectRef>
+          <a:fontRef idx="minor">
+            <a:schemeClr val="lt1"/>
+          </a:fontRef>
+        </p:style>
+        <p:txBody>
+          <a:bodyPr rtlCol="0" anchor="ctr"/>
+          <a:lstStyle/>
+          <a:p>
+            <a:pPr algn="ctr"/>
+            <a:r>
+              <a:rPr lang="fr-FR" dirty="0" smtClean="0">
+                <a:latin typeface="+mj-lt"/>
+                <a:ea typeface="Verdana" panose="020B0604030504040204" pitchFamily="34" charset="0"/>
+              </a:rPr>
+              <a:t>UF/ENI/2024</a:t>
+            </a:r>
+            <a:endParaRPr lang="en-US" dirty="0">
+              <a:latin typeface="+mj-lt"/>
+              <a:ea typeface="Verdana" panose="020B0604030504040204" pitchFamily="34" charset="0"/>
+            </a:endParaRPr>
+          </a:p>
+        </p:txBody>
+      </p:sp>
+      <p:pic>
+        <p:nvPicPr>
+          <p:cNvPr id="1030" name="Picture 6" descr="Origine logo - Icônes Médias sociaux et logos"/>
+          <p:cNvPicPr>
+            <a:picLocks noChangeAspect="1" noChangeArrowheads="1"/>
+          </p:cNvPicPr>
+          <p:nvPr/>
+        </p:nvPicPr>
+        <p:blipFill>
+          <a:blip r:embed="rId4" cstate="print">
             <a:extLst>
-              <a:ext uri="{FF2B5EF4-FFF2-40B4-BE49-F238E27FC236}">
-                <a16:creationId xmlns:a16="http://schemas.microsoft.com/office/drawing/2014/main" id="{E8D70E6C-0129-E8E4-6870-175E54A9AE08}"/>
+              <a:ext uri="{28A0092B-C50C-407E-A947-70E740481C1C}">
+                <a14:useLocalDpi xmlns:a14="http://schemas.microsoft.com/office/drawing/2010/main" val="0"/>
               </a:ext>
             </a:extLst>
-          </p:cNvPr>
-          <p:cNvSpPr>
-            <a:spLocks noGrp="1"/>
-          </p:cNvSpPr>
-          <p:nvPr>
-            <p:ph idx="1"/>
-          </p:nvPr>
-        </p:nvSpPr>
-        <p:spPr/>
-        <p:txBody>
-          <a:bodyPr/>
-          <a:lstStyle/>
-          <a:p>
-            <a:endParaRPr lang="fr-FR"/>
-          </a:p>
-        </p:txBody>
-      </p:sp>
+          </a:blip>
+          <a:srcRect/>
+          <a:stretch>
+            <a:fillRect/>
+          </a:stretch>
+        </p:blipFill>
+        <p:spPr bwMode="auto">
+          <a:xfrm>
+            <a:off x="1987591" y="1777840"/>
+            <a:ext cx="296910" cy="296910"/>
+          </a:xfrm>
+          <a:prstGeom prst="rect">
+            <a:avLst/>
+          </a:prstGeom>
+          <a:noFill/>
+          <a:extLst>
+            <a:ext uri="{909E8E84-426E-40DD-AFC4-6F175D3DCCD1}">
+              <a14:hiddenFill xmlns:a14="http://schemas.microsoft.com/office/drawing/2010/main">
+                <a:solidFill>
+                  <a:srgbClr val="FFFFFF"/>
+                </a:solidFill>
+              </a14:hiddenFill>
+            </a:ext>
+          </a:extLst>
+        </p:spPr>
+      </p:pic>
+      <p:sp>
+        <p:nvSpPr>
+          <p:cNvPr id="4" name="AutoShape 10" descr="Icone de localisation images vectorielles, Icone de localisation vecteurs  libres de droits | Depositphotos"/>
+          <p:cNvSpPr>
+            <a:spLocks noChangeAspect="1" noChangeArrowheads="1"/>
+          </p:cNvSpPr>
+          <p:nvPr/>
+        </p:nvSpPr>
+        <p:spPr bwMode="auto">
+          <a:xfrm>
+            <a:off x="155575" y="-144463"/>
+            <a:ext cx="304800" cy="304801"/>
+          </a:xfrm>
+          <a:prstGeom prst="rect">
+            <a:avLst/>
+          </a:prstGeom>
+          <a:noFill/>
+          <a:extLst>
+            <a:ext uri="{909E8E84-426E-40DD-AFC4-6F175D3DCCD1}">
+              <a14:hiddenFill xmlns:a14="http://schemas.microsoft.com/office/drawing/2010/main">
+                <a:solidFill>
+                  <a:srgbClr val="FFFFFF"/>
+                </a:solidFill>
+              </a14:hiddenFill>
+            </a:ext>
+          </a:extLst>
+        </p:spPr>
+        <p:txBody>
+          <a:bodyPr vert="horz" wrap="square" lIns="91440" tIns="45720" rIns="91440" bIns="45720" numCol="1" anchor="t" anchorCtr="0" compatLnSpc="1">
+            <a:prstTxWarp prst="textNoShape">
+              <a:avLst/>
+            </a:prstTxWarp>
+          </a:bodyPr>
+          <a:lstStyle/>
+          <a:p>
+            <a:endParaRPr lang="en-US"/>
+          </a:p>
+        </p:txBody>
+      </p:sp>
+      <p:pic>
+        <p:nvPicPr>
+          <p:cNvPr id="10" name="Image 9"/>
+          <p:cNvPicPr>
+            <a:picLocks noChangeAspect="1"/>
+          </p:cNvPicPr>
+          <p:nvPr/>
+        </p:nvPicPr>
+        <p:blipFill>
+          <a:blip r:embed="rId5"/>
+          <a:stretch>
+            <a:fillRect/>
+          </a:stretch>
+        </p:blipFill>
+        <p:spPr>
+          <a:xfrm>
+            <a:off x="1936011" y="3238022"/>
+            <a:ext cx="416651" cy="400368"/>
+          </a:xfrm>
+          <a:prstGeom prst="rect">
+            <a:avLst/>
+          </a:prstGeom>
+        </p:spPr>
+      </p:pic>
+      <p:pic>
+        <p:nvPicPr>
+          <p:cNvPr id="11" name="Image 10"/>
+          <p:cNvPicPr>
+            <a:picLocks noChangeAspect="1"/>
+          </p:cNvPicPr>
+          <p:nvPr/>
+        </p:nvPicPr>
+        <p:blipFill>
+          <a:blip r:embed="rId6"/>
+          <a:stretch>
+            <a:fillRect/>
+          </a:stretch>
+        </p:blipFill>
+        <p:spPr>
+          <a:xfrm>
+            <a:off x="1942427" y="3751175"/>
+            <a:ext cx="439958" cy="439958"/>
+          </a:xfrm>
+          <a:prstGeom prst="rect">
+            <a:avLst/>
+          </a:prstGeom>
+        </p:spPr>
+      </p:pic>
+      <p:pic>
+        <p:nvPicPr>
+          <p:cNvPr id="12" name="Image 11"/>
+          <p:cNvPicPr>
+            <a:picLocks noChangeAspect="1"/>
+          </p:cNvPicPr>
+          <p:nvPr/>
+        </p:nvPicPr>
+        <p:blipFill>
+          <a:blip r:embed="rId7"/>
+          <a:stretch>
+            <a:fillRect/>
+          </a:stretch>
+        </p:blipFill>
+        <p:spPr>
+          <a:xfrm>
+            <a:off x="2014297" y="4290616"/>
+            <a:ext cx="338365" cy="338365"/>
+          </a:xfrm>
+          <a:prstGeom prst="rect">
+            <a:avLst/>
+          </a:prstGeom>
+        </p:spPr>
+      </p:pic>
       <p:grpSp>
         <p:nvGrpSpPr>
-          <p:cNvPr id="4" name="Groupe 3">
+          <p:cNvPr id="17" name="Groupe 16">
             <a:extLst>
               <a:ext uri="{FF2B5EF4-FFF2-40B4-BE49-F238E27FC236}">
                 <a16:creationId xmlns:a16="http://schemas.microsoft.com/office/drawing/2014/main" id="{E87D0427-DB01-CCAD-B9A8-BB51715D8A8E}"/>
@@ -3878,16 +6130,16 @@
           <p:nvPr/>
         </p:nvGrpSpPr>
         <p:grpSpPr>
-          <a:xfrm rot="16200000">
-            <a:off x="1250401" y="3552025"/>
-            <a:ext cx="2690129" cy="120000"/>
+          <a:xfrm rot="16200000" flipV="1">
+            <a:off x="-188025" y="5240792"/>
+            <a:ext cx="1784072" cy="88269"/>
             <a:chOff x="2328996" y="4068008"/>
             <a:chExt cx="2501404" cy="120000"/>
           </a:xfrm>
         </p:grpSpPr>
         <p:cxnSp>
           <p:nvCxnSpPr>
-            <p:cNvPr id="5" name="Connecteur droit 4">
+            <p:cNvPr id="18" name="Connecteur droit 17">
               <a:extLst>
                 <a:ext uri="{FF2B5EF4-FFF2-40B4-BE49-F238E27FC236}">
                   <a16:creationId xmlns:a16="http://schemas.microsoft.com/office/drawing/2014/main" id="{218C90C3-A1AF-76D4-B4AB-F2F626BD5F77}"/>
@@ -3930,7 +6182,7 @@
         </p:cxnSp>
         <p:sp>
           <p:nvSpPr>
-            <p:cNvPr id="6" name="Ellipse 5">
+            <p:cNvPr id="19" name="Ellipse 18">
               <a:extLst>
                 <a:ext uri="{FF2B5EF4-FFF2-40B4-BE49-F238E27FC236}">
                   <a16:creationId xmlns:a16="http://schemas.microsoft.com/office/drawing/2014/main" id="{E5F16619-43BC-992E-90D2-08E7C249E39F}"/>
@@ -3983,16 +6235,1676 @@
           </p:txBody>
         </p:sp>
       </p:grpSp>
+      <p:grpSp>
+        <p:nvGrpSpPr>
+          <p:cNvPr id="20" name="Groupe 19">
+            <a:extLst>
+              <a:ext uri="{FF2B5EF4-FFF2-40B4-BE49-F238E27FC236}">
+                <a16:creationId xmlns:a16="http://schemas.microsoft.com/office/drawing/2014/main" id="{E87D0427-DB01-CCAD-B9A8-BB51715D8A8E}"/>
+              </a:ext>
+            </a:extLst>
+          </p:cNvPr>
+          <p:cNvGrpSpPr/>
+          <p:nvPr/>
+        </p:nvGrpSpPr>
+        <p:grpSpPr>
+          <a:xfrm rot="5400000" flipV="1">
+            <a:off x="10562845" y="838670"/>
+            <a:ext cx="1784072" cy="94268"/>
+            <a:chOff x="2328996" y="4068008"/>
+            <a:chExt cx="2501404" cy="120000"/>
+          </a:xfrm>
+        </p:grpSpPr>
+        <p:cxnSp>
+          <p:nvCxnSpPr>
+            <p:cNvPr id="21" name="Connecteur droit 20">
+              <a:extLst>
+                <a:ext uri="{FF2B5EF4-FFF2-40B4-BE49-F238E27FC236}">
+                  <a16:creationId xmlns:a16="http://schemas.microsoft.com/office/drawing/2014/main" id="{218C90C3-A1AF-76D4-B4AB-F2F626BD5F77}"/>
+                </a:ext>
+              </a:extLst>
+            </p:cNvPr>
+            <p:cNvCxnSpPr>
+              <a:cxnSpLocks/>
+            </p:cNvCxnSpPr>
+            <p:nvPr/>
+          </p:nvCxnSpPr>
+          <p:spPr>
+            <a:xfrm rot="5400000" flipV="1">
+              <a:off x="3519698" y="2933142"/>
+              <a:ext cx="0" cy="2381404"/>
+            </a:xfrm>
+            <a:prstGeom prst="line">
+              <a:avLst/>
+            </a:prstGeom>
+            <a:ln w="6350">
+              <a:solidFill>
+                <a:schemeClr val="tx1"/>
+              </a:solidFill>
+            </a:ln>
+          </p:spPr>
+          <p:style>
+            <a:lnRef idx="1">
+              <a:schemeClr val="accent1"/>
+            </a:lnRef>
+            <a:fillRef idx="0">
+              <a:schemeClr val="accent1"/>
+            </a:fillRef>
+            <a:effectRef idx="0">
+              <a:schemeClr val="accent1"/>
+            </a:effectRef>
+            <a:fontRef idx="minor">
+              <a:schemeClr val="tx1"/>
+            </a:fontRef>
+          </p:style>
+        </p:cxnSp>
+        <p:sp>
+          <p:nvSpPr>
+            <p:cNvPr id="22" name="Ellipse 21">
+              <a:extLst>
+                <a:ext uri="{FF2B5EF4-FFF2-40B4-BE49-F238E27FC236}">
+                  <a16:creationId xmlns:a16="http://schemas.microsoft.com/office/drawing/2014/main" id="{E5F16619-43BC-992E-90D2-08E7C249E39F}"/>
+                </a:ext>
+              </a:extLst>
+            </p:cNvPr>
+            <p:cNvSpPr/>
+            <p:nvPr/>
+          </p:nvSpPr>
+          <p:spPr>
+            <a:xfrm rot="16200000">
+              <a:off x="4710400" y="4068008"/>
+              <a:ext cx="120000" cy="120000"/>
+            </a:xfrm>
+            <a:prstGeom prst="ellipse">
+              <a:avLst/>
+            </a:prstGeom>
+            <a:solidFill>
+              <a:schemeClr val="bg1"/>
+            </a:solidFill>
+            <a:ln w="6350">
+              <a:solidFill>
+                <a:schemeClr val="tx1"/>
+              </a:solidFill>
+            </a:ln>
+          </p:spPr>
+          <p:style>
+            <a:lnRef idx="2">
+              <a:schemeClr val="accent1">
+                <a:shade val="50000"/>
+              </a:schemeClr>
+            </a:lnRef>
+            <a:fillRef idx="1">
+              <a:schemeClr val="accent1"/>
+            </a:fillRef>
+            <a:effectRef idx="0">
+              <a:schemeClr val="accent1"/>
+            </a:effectRef>
+            <a:fontRef idx="minor">
+              <a:schemeClr val="lt1"/>
+            </a:fontRef>
+          </p:style>
+          <p:txBody>
+            <a:bodyPr rtlCol="0" anchor="ctr"/>
+            <a:lstStyle/>
+            <a:p>
+              <a:pPr algn="ctr"/>
+              <a:endParaRPr lang="fr-FR" sz="2400"/>
+            </a:p>
+          </p:txBody>
+        </p:sp>
+      </p:grpSp>
+      <p:sp>
+        <p:nvSpPr>
+          <p:cNvPr id="13" name="Rectangle 12"/>
+          <p:cNvSpPr/>
+          <p:nvPr/>
+        </p:nvSpPr>
+        <p:spPr>
+          <a:xfrm>
+            <a:off x="193746" y="134398"/>
+            <a:ext cx="1742265" cy="1536302"/>
+          </a:xfrm>
+          <a:prstGeom prst="rect">
+            <a:avLst/>
+          </a:prstGeom>
+          <a:noFill/>
+          <a:ln>
+            <a:noFill/>
+          </a:ln>
+        </p:spPr>
+        <p:style>
+          <a:lnRef idx="2">
+            <a:schemeClr val="accent1">
+              <a:shade val="50000"/>
+            </a:schemeClr>
+          </a:lnRef>
+          <a:fillRef idx="1">
+            <a:schemeClr val="accent1"/>
+          </a:fillRef>
+          <a:effectRef idx="0">
+            <a:schemeClr val="accent1"/>
+          </a:effectRef>
+          <a:fontRef idx="minor">
+            <a:schemeClr val="lt1"/>
+          </a:fontRef>
+        </p:style>
+        <p:txBody>
+          <a:bodyPr rtlCol="0" anchor="ctr"/>
+          <a:lstStyle/>
+          <a:p>
+            <a:pPr algn="ctr"/>
+            <a:r>
+              <a:rPr lang="fr-FR" sz="8000" dirty="0" smtClean="0">
+                <a:ln>
+                  <a:solidFill>
+                    <a:schemeClr val="tx1"/>
+                  </a:solidFill>
+                </a:ln>
+                <a:latin typeface="Arial Black" panose="020B0A04020102020204" pitchFamily="34" charset="0"/>
+              </a:rPr>
+              <a:t>#1</a:t>
+            </a:r>
+            <a:endParaRPr lang="en-US" sz="8000" dirty="0">
+              <a:ln>
+                <a:solidFill>
+                  <a:schemeClr val="tx1"/>
+                </a:solidFill>
+              </a:ln>
+              <a:latin typeface="Arial Black" panose="020B0A04020102020204" pitchFamily="34" charset="0"/>
+            </a:endParaRPr>
+          </a:p>
+        </p:txBody>
+      </p:sp>
     </p:spTree>
     <p:extLst>
       <p:ext uri="{BB962C8B-B14F-4D97-AF65-F5344CB8AC3E}">
-        <p14:creationId xmlns:p14="http://schemas.microsoft.com/office/powerpoint/2010/main" val="3830888646"/>
+        <p14:creationId xmlns:p14="http://schemas.microsoft.com/office/powerpoint/2010/main" val="1114253654"/>
       </p:ext>
     </p:extLst>
   </p:cSld>
   <p:clrMapOvr>
     <a:masterClrMapping/>
   </p:clrMapOvr>
+  <mc:AlternateContent xmlns:mc="http://schemas.openxmlformats.org/markup-compatibility/2006" xmlns:p14="http://schemas.microsoft.com/office/powerpoint/2010/main">
+    <mc:Choice Requires="p14">
+      <p:transition p14:dur="0"/>
+    </mc:Choice>
+    <mc:Fallback xmlns="">
+      <p:transition/>
+    </mc:Fallback>
+  </mc:AlternateContent>
+  <p:timing>
+    <p:tnLst>
+      <p:par>
+        <p:cTn id="1" dur="indefinite" restart="never" nodeType="tmRoot"/>
+      </p:par>
+    </p:tnLst>
+  </p:timing>
+</p:sld>
+</file>
+
+<file path=ppt/slides/slide6.xml><?xml version="1.0" encoding="utf-8"?>
+<p:sld xmlns:a="http://schemas.openxmlformats.org/drawingml/2006/main" xmlns:r="http://schemas.openxmlformats.org/officeDocument/2006/relationships" xmlns:p="http://schemas.openxmlformats.org/presentationml/2006/main">
+  <p:cSld>
+    <p:spTree>
+      <p:nvGrpSpPr>
+        <p:cNvPr id="1" name=""/>
+        <p:cNvGrpSpPr/>
+        <p:nvPr/>
+      </p:nvGrpSpPr>
+      <p:grpSpPr>
+        <a:xfrm>
+          <a:off x="0" y="0"/>
+          <a:ext cx="0" cy="0"/>
+          <a:chOff x="0" y="0"/>
+          <a:chExt cx="0" cy="0"/>
+        </a:xfrm>
+      </p:grpSpPr>
+      <p:sp>
+        <p:nvSpPr>
+          <p:cNvPr id="2" name="Titre 1"/>
+          <p:cNvSpPr>
+            <a:spLocks noGrp="1"/>
+          </p:cNvSpPr>
+          <p:nvPr>
+            <p:ph type="title"/>
+          </p:nvPr>
+        </p:nvSpPr>
+        <p:spPr/>
+        <p:txBody>
+          <a:bodyPr/>
+          <a:lstStyle/>
+          <a:p>
+            <a:pPr algn="ctr"/>
+            <a:r>
+              <a:rPr lang="fr-FR" dirty="0" smtClean="0"/>
+              <a:t>Missions réalisées durant le stage</a:t>
+            </a:r>
+            <a:endParaRPr lang="en-US" dirty="0"/>
+          </a:p>
+        </p:txBody>
+      </p:sp>
+      <p:sp>
+        <p:nvSpPr>
+          <p:cNvPr id="3" name="Espace réservé du contenu 2"/>
+          <p:cNvSpPr>
+            <a:spLocks noGrp="1"/>
+          </p:cNvSpPr>
+          <p:nvPr>
+            <p:ph idx="1"/>
+          </p:nvPr>
+        </p:nvSpPr>
+        <p:spPr/>
+        <p:txBody>
+          <a:bodyPr/>
+          <a:lstStyle/>
+          <a:p>
+            <a:r>
+              <a:rPr lang="fr-FR" dirty="0" smtClean="0">
+                <a:latin typeface="+mj-lt"/>
+              </a:rPr>
+              <a:t>Mise en place d’un parc informatique avec la configuration d’un routeur, switch</a:t>
+            </a:r>
+          </a:p>
+          <a:p>
+            <a:r>
+              <a:rPr lang="fr-FR" dirty="0" smtClean="0">
+                <a:latin typeface="+mj-lt"/>
+              </a:rPr>
+              <a:t>Supervision du parc proprement dit en utilisant </a:t>
+            </a:r>
+            <a:r>
+              <a:rPr lang="fr-FR" dirty="0" err="1" smtClean="0">
+                <a:latin typeface="+mj-lt"/>
+              </a:rPr>
+              <a:t>Zabbix</a:t>
+            </a:r>
+            <a:r>
+              <a:rPr lang="fr-FR" dirty="0" smtClean="0">
+                <a:latin typeface="+mj-lt"/>
+              </a:rPr>
+              <a:t> avec gestion des tickets avec GLPI avec notifications par mail et SMS</a:t>
+            </a:r>
+          </a:p>
+          <a:p>
+            <a:endParaRPr lang="fr-FR" dirty="0" smtClean="0">
+              <a:latin typeface="+mj-lt"/>
+            </a:endParaRPr>
+          </a:p>
+          <a:p>
+            <a:endParaRPr lang="en-US" dirty="0">
+              <a:latin typeface="+mj-lt"/>
+            </a:endParaRPr>
+          </a:p>
+        </p:txBody>
+      </p:sp>
+      <p:sp>
+        <p:nvSpPr>
+          <p:cNvPr id="5" name="Rectangle 4"/>
+          <p:cNvSpPr/>
+          <p:nvPr/>
+        </p:nvSpPr>
+        <p:spPr>
+          <a:xfrm>
+            <a:off x="-1" y="6192456"/>
+            <a:ext cx="12192000" cy="702474"/>
+          </a:xfrm>
+          <a:prstGeom prst="rect">
+            <a:avLst/>
+          </a:prstGeom>
+          <a:solidFill>
+            <a:schemeClr val="tx1"/>
+          </a:solidFill>
+          <a:ln>
+            <a:noFill/>
+          </a:ln>
+        </p:spPr>
+        <p:style>
+          <a:lnRef idx="2">
+            <a:schemeClr val="accent1">
+              <a:shade val="50000"/>
+            </a:schemeClr>
+          </a:lnRef>
+          <a:fillRef idx="1">
+            <a:schemeClr val="accent1"/>
+          </a:fillRef>
+          <a:effectRef idx="0">
+            <a:schemeClr val="accent1"/>
+          </a:effectRef>
+          <a:fontRef idx="minor">
+            <a:schemeClr val="lt1"/>
+          </a:fontRef>
+        </p:style>
+        <p:txBody>
+          <a:bodyPr rtlCol="0" anchor="ctr"/>
+          <a:lstStyle/>
+          <a:p>
+            <a:pPr algn="ctr"/>
+            <a:endParaRPr lang="en-US"/>
+          </a:p>
+        </p:txBody>
+      </p:sp>
+      <p:sp>
+        <p:nvSpPr>
+          <p:cNvPr id="6" name="Rectangle 5"/>
+          <p:cNvSpPr/>
+          <p:nvPr/>
+        </p:nvSpPr>
+        <p:spPr>
+          <a:xfrm>
+            <a:off x="112643" y="6331946"/>
+            <a:ext cx="2103783" cy="423493"/>
+          </a:xfrm>
+          <a:prstGeom prst="rect">
+            <a:avLst/>
+          </a:prstGeom>
+          <a:noFill/>
+          <a:ln>
+            <a:noFill/>
+          </a:ln>
+        </p:spPr>
+        <p:style>
+          <a:lnRef idx="2">
+            <a:schemeClr val="accent1">
+              <a:shade val="50000"/>
+            </a:schemeClr>
+          </a:lnRef>
+          <a:fillRef idx="1">
+            <a:schemeClr val="accent1"/>
+          </a:fillRef>
+          <a:effectRef idx="0">
+            <a:schemeClr val="accent1"/>
+          </a:effectRef>
+          <a:fontRef idx="minor">
+            <a:schemeClr val="lt1"/>
+          </a:fontRef>
+        </p:style>
+        <p:txBody>
+          <a:bodyPr rtlCol="0" anchor="ctr"/>
+          <a:lstStyle/>
+          <a:p>
+            <a:pPr algn="ctr"/>
+            <a:r>
+              <a:rPr lang="fr-FR" dirty="0" smtClean="0">
+                <a:solidFill>
+                  <a:srgbClr val="FFFF00"/>
+                </a:solidFill>
+                <a:latin typeface="+mj-lt"/>
+                <a:ea typeface="Verdana" panose="020B0604030504040204" pitchFamily="34" charset="0"/>
+              </a:rPr>
+              <a:t>Mémoire de licence</a:t>
+            </a:r>
+            <a:endParaRPr lang="en-US" dirty="0">
+              <a:solidFill>
+                <a:srgbClr val="FFFF00"/>
+              </a:solidFill>
+              <a:latin typeface="+mj-lt"/>
+              <a:ea typeface="Verdana" panose="020B0604030504040204" pitchFamily="34" charset="0"/>
+            </a:endParaRPr>
+          </a:p>
+        </p:txBody>
+      </p:sp>
+      <p:sp>
+        <p:nvSpPr>
+          <p:cNvPr id="7" name="Rectangle 6"/>
+          <p:cNvSpPr/>
+          <p:nvPr/>
+        </p:nvSpPr>
+        <p:spPr>
+          <a:xfrm>
+            <a:off x="10628242" y="6331945"/>
+            <a:ext cx="1451113" cy="423493"/>
+          </a:xfrm>
+          <a:prstGeom prst="rect">
+            <a:avLst/>
+          </a:prstGeom>
+          <a:noFill/>
+          <a:ln>
+            <a:noFill/>
+          </a:ln>
+        </p:spPr>
+        <p:style>
+          <a:lnRef idx="2">
+            <a:schemeClr val="accent1">
+              <a:shade val="50000"/>
+            </a:schemeClr>
+          </a:lnRef>
+          <a:fillRef idx="1">
+            <a:schemeClr val="accent1"/>
+          </a:fillRef>
+          <a:effectRef idx="0">
+            <a:schemeClr val="accent1"/>
+          </a:effectRef>
+          <a:fontRef idx="minor">
+            <a:schemeClr val="lt1"/>
+          </a:fontRef>
+        </p:style>
+        <p:txBody>
+          <a:bodyPr rtlCol="0" anchor="ctr"/>
+          <a:lstStyle/>
+          <a:p>
+            <a:pPr algn="ctr"/>
+            <a:r>
+              <a:rPr lang="fr-FR" dirty="0" smtClean="0">
+                <a:latin typeface="+mj-lt"/>
+                <a:ea typeface="Verdana" panose="020B0604030504040204" pitchFamily="34" charset="0"/>
+              </a:rPr>
+              <a:t>UF/ENI/2024</a:t>
+            </a:r>
+            <a:endParaRPr lang="en-US" dirty="0">
+              <a:latin typeface="+mj-lt"/>
+              <a:ea typeface="Verdana" panose="020B0604030504040204" pitchFamily="34" charset="0"/>
+            </a:endParaRPr>
+          </a:p>
+        </p:txBody>
+      </p:sp>
+      <p:sp>
+        <p:nvSpPr>
+          <p:cNvPr id="8" name="Rectangle 7"/>
+          <p:cNvSpPr/>
+          <p:nvPr/>
+        </p:nvSpPr>
+        <p:spPr>
+          <a:xfrm>
+            <a:off x="193746" y="134398"/>
+            <a:ext cx="1742265" cy="1536302"/>
+          </a:xfrm>
+          <a:prstGeom prst="rect">
+            <a:avLst/>
+          </a:prstGeom>
+          <a:noFill/>
+          <a:ln>
+            <a:noFill/>
+          </a:ln>
+        </p:spPr>
+        <p:style>
+          <a:lnRef idx="2">
+            <a:schemeClr val="accent1">
+              <a:shade val="50000"/>
+            </a:schemeClr>
+          </a:lnRef>
+          <a:fillRef idx="1">
+            <a:schemeClr val="accent1"/>
+          </a:fillRef>
+          <a:effectRef idx="0">
+            <a:schemeClr val="accent1"/>
+          </a:effectRef>
+          <a:fontRef idx="minor">
+            <a:schemeClr val="lt1"/>
+          </a:fontRef>
+        </p:style>
+        <p:txBody>
+          <a:bodyPr rtlCol="0" anchor="ctr"/>
+          <a:lstStyle/>
+          <a:p>
+            <a:pPr algn="ctr"/>
+            <a:r>
+              <a:rPr lang="fr-FR" sz="8000" dirty="0" smtClean="0">
+                <a:ln>
+                  <a:solidFill>
+                    <a:schemeClr val="tx1"/>
+                  </a:solidFill>
+                </a:ln>
+                <a:latin typeface="Arial Black" panose="020B0A04020102020204" pitchFamily="34" charset="0"/>
+              </a:rPr>
+              <a:t>#2</a:t>
+            </a:r>
+            <a:endParaRPr lang="en-US" sz="8000" dirty="0">
+              <a:ln>
+                <a:solidFill>
+                  <a:schemeClr val="tx1"/>
+                </a:solidFill>
+              </a:ln>
+              <a:latin typeface="Arial Black" panose="020B0A04020102020204" pitchFamily="34" charset="0"/>
+            </a:endParaRPr>
+          </a:p>
+        </p:txBody>
+      </p:sp>
+    </p:spTree>
+    <p:extLst>
+      <p:ext uri="{BB962C8B-B14F-4D97-AF65-F5344CB8AC3E}">
+        <p14:creationId xmlns:p14="http://schemas.microsoft.com/office/powerpoint/2010/main" val="3614757424"/>
+      </p:ext>
+    </p:extLst>
+  </p:cSld>
+  <p:clrMapOvr>
+    <a:masterClrMapping/>
+  </p:clrMapOvr>
+  <mc:AlternateContent xmlns:mc="http://schemas.openxmlformats.org/markup-compatibility/2006" xmlns:p14="http://schemas.microsoft.com/office/powerpoint/2010/main">
+    <mc:Choice Requires="p14">
+      <p:transition p14:dur="0"/>
+    </mc:Choice>
+    <mc:Fallback xmlns="">
+      <p:transition/>
+    </mc:Fallback>
+  </mc:AlternateContent>
+  <p:timing>
+    <p:tnLst>
+      <p:par>
+        <p:cTn id="1" dur="indefinite" restart="never" nodeType="tmRoot"/>
+      </p:par>
+    </p:tnLst>
+  </p:timing>
+</p:sld>
+</file>
+
+<file path=ppt/slides/slide7.xml><?xml version="1.0" encoding="utf-8"?>
+<p:sld xmlns:a="http://schemas.openxmlformats.org/drawingml/2006/main" xmlns:r="http://schemas.openxmlformats.org/officeDocument/2006/relationships" xmlns:p="http://schemas.openxmlformats.org/presentationml/2006/main">
+  <p:cSld>
+    <p:spTree>
+      <p:nvGrpSpPr>
+        <p:cNvPr id="1" name=""/>
+        <p:cNvGrpSpPr/>
+        <p:nvPr/>
+      </p:nvGrpSpPr>
+      <p:grpSpPr>
+        <a:xfrm>
+          <a:off x="0" y="0"/>
+          <a:ext cx="0" cy="0"/>
+          <a:chOff x="0" y="0"/>
+          <a:chExt cx="0" cy="0"/>
+        </a:xfrm>
+      </p:grpSpPr>
+      <p:sp>
+        <p:nvSpPr>
+          <p:cNvPr id="2" name="Titre 1"/>
+          <p:cNvSpPr>
+            <a:spLocks noGrp="1"/>
+          </p:cNvSpPr>
+          <p:nvPr>
+            <p:ph type="title"/>
+          </p:nvPr>
+        </p:nvSpPr>
+        <p:spPr/>
+        <p:txBody>
+          <a:bodyPr/>
+          <a:lstStyle/>
+          <a:p>
+            <a:pPr algn="ctr"/>
+            <a:r>
+              <a:rPr lang="fr-FR" dirty="0" smtClean="0"/>
+              <a:t>Outils utilisés</a:t>
+            </a:r>
+            <a:endParaRPr lang="en-US" dirty="0"/>
+          </a:p>
+        </p:txBody>
+      </p:sp>
+      <p:sp>
+        <p:nvSpPr>
+          <p:cNvPr id="3" name="Espace réservé du contenu 2"/>
+          <p:cNvSpPr>
+            <a:spLocks noGrp="1"/>
+          </p:cNvSpPr>
+          <p:nvPr>
+            <p:ph idx="1"/>
+          </p:nvPr>
+        </p:nvSpPr>
+        <p:spPr/>
+        <p:txBody>
+          <a:bodyPr/>
+          <a:lstStyle/>
+          <a:p>
+            <a:pPr>
+              <a:buFontTx/>
+              <a:buChar char="-"/>
+            </a:pPr>
+            <a:r>
+              <a:rPr lang="fr-FR" dirty="0" smtClean="0">
+                <a:latin typeface="+mj-lt"/>
+              </a:rPr>
+              <a:t>Serveur Ubuntu contenant le serveur </a:t>
+            </a:r>
+            <a:r>
+              <a:rPr lang="fr-FR" dirty="0" err="1" smtClean="0">
+                <a:latin typeface="+mj-lt"/>
+              </a:rPr>
+              <a:t>Zabbix</a:t>
+            </a:r>
+            <a:r>
+              <a:rPr lang="fr-FR" dirty="0" smtClean="0">
+                <a:latin typeface="+mj-lt"/>
+              </a:rPr>
+              <a:t> et GLPI</a:t>
+            </a:r>
+          </a:p>
+          <a:p>
+            <a:pPr>
+              <a:buFontTx/>
+              <a:buChar char="-"/>
+            </a:pPr>
+            <a:r>
+              <a:rPr lang="fr-FR" dirty="0" smtClean="0">
+                <a:latin typeface="+mj-lt"/>
+              </a:rPr>
+              <a:t>Routeur </a:t>
+            </a:r>
+            <a:r>
+              <a:rPr lang="fr-FR" dirty="0" err="1" smtClean="0">
+                <a:latin typeface="+mj-lt"/>
+              </a:rPr>
+              <a:t>Mikrotik</a:t>
+            </a:r>
+            <a:endParaRPr lang="fr-FR" dirty="0" smtClean="0">
+              <a:latin typeface="+mj-lt"/>
+            </a:endParaRPr>
+          </a:p>
+          <a:p>
+            <a:pPr>
+              <a:buFontTx/>
+              <a:buChar char="-"/>
+            </a:pPr>
+            <a:r>
+              <a:rPr lang="fr-FR" dirty="0" smtClean="0">
+                <a:latin typeface="+mj-lt"/>
+              </a:rPr>
+              <a:t>Switch HP</a:t>
+            </a:r>
+          </a:p>
+          <a:p>
+            <a:pPr>
+              <a:buFontTx/>
+              <a:buChar char="-"/>
+            </a:pPr>
+            <a:r>
+              <a:rPr lang="fr-FR" dirty="0" smtClean="0">
+                <a:latin typeface="+mj-lt"/>
+              </a:rPr>
+              <a:t>Routeur TP-Link (donnant la connexion internet)</a:t>
+            </a:r>
+          </a:p>
+          <a:p>
+            <a:pPr>
+              <a:buFontTx/>
+              <a:buChar char="-"/>
+            </a:pPr>
+            <a:r>
+              <a:rPr lang="fr-FR" dirty="0" smtClean="0">
+                <a:latin typeface="+mj-lt"/>
+              </a:rPr>
+              <a:t>Câble RJ45</a:t>
+            </a:r>
+          </a:p>
+          <a:p>
+            <a:pPr>
+              <a:buFontTx/>
+              <a:buChar char="-"/>
+            </a:pPr>
+            <a:r>
+              <a:rPr lang="fr-FR" dirty="0" smtClean="0">
+                <a:latin typeface="+mj-lt"/>
+              </a:rPr>
+              <a:t>Windows 10 (PC Client)</a:t>
+            </a:r>
+          </a:p>
+          <a:p>
+            <a:pPr>
+              <a:buFontTx/>
+              <a:buChar char="-"/>
+            </a:pPr>
+            <a:r>
+              <a:rPr lang="fr-FR" dirty="0" smtClean="0">
+                <a:latin typeface="+mj-lt"/>
+              </a:rPr>
+              <a:t>Windows 11 (Admin)</a:t>
+            </a:r>
+          </a:p>
+          <a:p>
+            <a:pPr>
+              <a:buFontTx/>
+              <a:buChar char="-"/>
+            </a:pPr>
+            <a:r>
+              <a:rPr lang="fr-FR" dirty="0" smtClean="0">
+                <a:latin typeface="+mj-lt"/>
+              </a:rPr>
+              <a:t>Imprimante</a:t>
+            </a:r>
+          </a:p>
+          <a:p>
+            <a:pPr>
+              <a:buFontTx/>
+              <a:buChar char="-"/>
+            </a:pPr>
+            <a:endParaRPr lang="fr-FR" dirty="0" smtClean="0">
+              <a:latin typeface="+mj-lt"/>
+            </a:endParaRPr>
+          </a:p>
+          <a:p>
+            <a:endParaRPr lang="en-US" dirty="0">
+              <a:latin typeface="+mj-lt"/>
+            </a:endParaRPr>
+          </a:p>
+        </p:txBody>
+      </p:sp>
+      <p:sp>
+        <p:nvSpPr>
+          <p:cNvPr id="5" name="Rectangle 4"/>
+          <p:cNvSpPr/>
+          <p:nvPr/>
+        </p:nvSpPr>
+        <p:spPr>
+          <a:xfrm>
+            <a:off x="-1" y="6192456"/>
+            <a:ext cx="12192000" cy="702474"/>
+          </a:xfrm>
+          <a:prstGeom prst="rect">
+            <a:avLst/>
+          </a:prstGeom>
+          <a:solidFill>
+            <a:schemeClr val="tx1"/>
+          </a:solidFill>
+          <a:ln>
+            <a:noFill/>
+          </a:ln>
+        </p:spPr>
+        <p:style>
+          <a:lnRef idx="2">
+            <a:schemeClr val="accent1">
+              <a:shade val="50000"/>
+            </a:schemeClr>
+          </a:lnRef>
+          <a:fillRef idx="1">
+            <a:schemeClr val="accent1"/>
+          </a:fillRef>
+          <a:effectRef idx="0">
+            <a:schemeClr val="accent1"/>
+          </a:effectRef>
+          <a:fontRef idx="minor">
+            <a:schemeClr val="lt1"/>
+          </a:fontRef>
+        </p:style>
+        <p:txBody>
+          <a:bodyPr rtlCol="0" anchor="ctr"/>
+          <a:lstStyle/>
+          <a:p>
+            <a:pPr algn="ctr"/>
+            <a:endParaRPr lang="en-US"/>
+          </a:p>
+        </p:txBody>
+      </p:sp>
+      <p:sp>
+        <p:nvSpPr>
+          <p:cNvPr id="6" name="Rectangle 5"/>
+          <p:cNvSpPr/>
+          <p:nvPr/>
+        </p:nvSpPr>
+        <p:spPr>
+          <a:xfrm>
+            <a:off x="112643" y="6331946"/>
+            <a:ext cx="2103783" cy="423493"/>
+          </a:xfrm>
+          <a:prstGeom prst="rect">
+            <a:avLst/>
+          </a:prstGeom>
+          <a:noFill/>
+          <a:ln>
+            <a:noFill/>
+          </a:ln>
+        </p:spPr>
+        <p:style>
+          <a:lnRef idx="2">
+            <a:schemeClr val="accent1">
+              <a:shade val="50000"/>
+            </a:schemeClr>
+          </a:lnRef>
+          <a:fillRef idx="1">
+            <a:schemeClr val="accent1"/>
+          </a:fillRef>
+          <a:effectRef idx="0">
+            <a:schemeClr val="accent1"/>
+          </a:effectRef>
+          <a:fontRef idx="minor">
+            <a:schemeClr val="lt1"/>
+          </a:fontRef>
+        </p:style>
+        <p:txBody>
+          <a:bodyPr rtlCol="0" anchor="ctr"/>
+          <a:lstStyle/>
+          <a:p>
+            <a:pPr algn="ctr"/>
+            <a:r>
+              <a:rPr lang="fr-FR" dirty="0" smtClean="0">
+                <a:solidFill>
+                  <a:srgbClr val="FFFF00"/>
+                </a:solidFill>
+                <a:latin typeface="+mj-lt"/>
+                <a:ea typeface="Verdana" panose="020B0604030504040204" pitchFamily="34" charset="0"/>
+              </a:rPr>
+              <a:t>Mémoire de licence</a:t>
+            </a:r>
+            <a:endParaRPr lang="en-US" dirty="0">
+              <a:solidFill>
+                <a:srgbClr val="FFFF00"/>
+              </a:solidFill>
+              <a:latin typeface="+mj-lt"/>
+              <a:ea typeface="Verdana" panose="020B0604030504040204" pitchFamily="34" charset="0"/>
+            </a:endParaRPr>
+          </a:p>
+        </p:txBody>
+      </p:sp>
+      <p:sp>
+        <p:nvSpPr>
+          <p:cNvPr id="7" name="Rectangle 6"/>
+          <p:cNvSpPr/>
+          <p:nvPr/>
+        </p:nvSpPr>
+        <p:spPr>
+          <a:xfrm>
+            <a:off x="10628242" y="6331945"/>
+            <a:ext cx="1451113" cy="423493"/>
+          </a:xfrm>
+          <a:prstGeom prst="rect">
+            <a:avLst/>
+          </a:prstGeom>
+          <a:noFill/>
+          <a:ln>
+            <a:noFill/>
+          </a:ln>
+        </p:spPr>
+        <p:style>
+          <a:lnRef idx="2">
+            <a:schemeClr val="accent1">
+              <a:shade val="50000"/>
+            </a:schemeClr>
+          </a:lnRef>
+          <a:fillRef idx="1">
+            <a:schemeClr val="accent1"/>
+          </a:fillRef>
+          <a:effectRef idx="0">
+            <a:schemeClr val="accent1"/>
+          </a:effectRef>
+          <a:fontRef idx="minor">
+            <a:schemeClr val="lt1"/>
+          </a:fontRef>
+        </p:style>
+        <p:txBody>
+          <a:bodyPr rtlCol="0" anchor="ctr"/>
+          <a:lstStyle/>
+          <a:p>
+            <a:pPr algn="ctr"/>
+            <a:r>
+              <a:rPr lang="fr-FR" dirty="0" smtClean="0">
+                <a:latin typeface="+mj-lt"/>
+                <a:ea typeface="Verdana" panose="020B0604030504040204" pitchFamily="34" charset="0"/>
+              </a:rPr>
+              <a:t>UF/ENI/2024</a:t>
+            </a:r>
+            <a:endParaRPr lang="en-US" dirty="0">
+              <a:latin typeface="+mj-lt"/>
+              <a:ea typeface="Verdana" panose="020B0604030504040204" pitchFamily="34" charset="0"/>
+            </a:endParaRPr>
+          </a:p>
+        </p:txBody>
+      </p:sp>
+      <p:sp>
+        <p:nvSpPr>
+          <p:cNvPr id="8" name="Rectangle 7"/>
+          <p:cNvSpPr/>
+          <p:nvPr/>
+        </p:nvSpPr>
+        <p:spPr>
+          <a:xfrm>
+            <a:off x="193746" y="134398"/>
+            <a:ext cx="1742265" cy="1536302"/>
+          </a:xfrm>
+          <a:prstGeom prst="rect">
+            <a:avLst/>
+          </a:prstGeom>
+          <a:noFill/>
+          <a:ln>
+            <a:noFill/>
+          </a:ln>
+        </p:spPr>
+        <p:style>
+          <a:lnRef idx="2">
+            <a:schemeClr val="accent1">
+              <a:shade val="50000"/>
+            </a:schemeClr>
+          </a:lnRef>
+          <a:fillRef idx="1">
+            <a:schemeClr val="accent1"/>
+          </a:fillRef>
+          <a:effectRef idx="0">
+            <a:schemeClr val="accent1"/>
+          </a:effectRef>
+          <a:fontRef idx="minor">
+            <a:schemeClr val="lt1"/>
+          </a:fontRef>
+        </p:style>
+        <p:txBody>
+          <a:bodyPr rtlCol="0" anchor="ctr"/>
+          <a:lstStyle/>
+          <a:p>
+            <a:pPr algn="ctr"/>
+            <a:r>
+              <a:rPr lang="fr-FR" sz="8000" dirty="0" smtClean="0">
+                <a:ln>
+                  <a:solidFill>
+                    <a:schemeClr val="tx1"/>
+                  </a:solidFill>
+                </a:ln>
+                <a:latin typeface="Arial Black" panose="020B0A04020102020204" pitchFamily="34" charset="0"/>
+              </a:rPr>
+              <a:t>#3</a:t>
+            </a:r>
+            <a:endParaRPr lang="en-US" sz="8000" dirty="0">
+              <a:ln>
+                <a:solidFill>
+                  <a:schemeClr val="tx1"/>
+                </a:solidFill>
+              </a:ln>
+              <a:latin typeface="Arial Black" panose="020B0A04020102020204" pitchFamily="34" charset="0"/>
+            </a:endParaRPr>
+          </a:p>
+        </p:txBody>
+      </p:sp>
+    </p:spTree>
+    <p:extLst>
+      <p:ext uri="{BB962C8B-B14F-4D97-AF65-F5344CB8AC3E}">
+        <p14:creationId xmlns:p14="http://schemas.microsoft.com/office/powerpoint/2010/main" val="1384065501"/>
+      </p:ext>
+    </p:extLst>
+  </p:cSld>
+  <p:clrMapOvr>
+    <a:masterClrMapping/>
+  </p:clrMapOvr>
+  <mc:AlternateContent xmlns:mc="http://schemas.openxmlformats.org/markup-compatibility/2006" xmlns:p14="http://schemas.microsoft.com/office/powerpoint/2010/main">
+    <mc:Choice Requires="p14">
+      <p:transition p14:dur="0"/>
+    </mc:Choice>
+    <mc:Fallback xmlns="">
+      <p:transition/>
+    </mc:Fallback>
+  </mc:AlternateContent>
+  <p:timing>
+    <p:tnLst>
+      <p:par>
+        <p:cTn id="1" dur="indefinite" restart="never" nodeType="tmRoot"/>
+      </p:par>
+    </p:tnLst>
+  </p:timing>
+</p:sld>
+</file>
+
+<file path=ppt/slides/slide8.xml><?xml version="1.0" encoding="utf-8"?>
+<p:sld xmlns:a="http://schemas.openxmlformats.org/drawingml/2006/main" xmlns:r="http://schemas.openxmlformats.org/officeDocument/2006/relationships" xmlns:p="http://schemas.openxmlformats.org/presentationml/2006/main">
+  <p:cSld>
+    <p:spTree>
+      <p:nvGrpSpPr>
+        <p:cNvPr id="1" name=""/>
+        <p:cNvGrpSpPr/>
+        <p:nvPr/>
+      </p:nvGrpSpPr>
+      <p:grpSpPr>
+        <a:xfrm>
+          <a:off x="0" y="0"/>
+          <a:ext cx="0" cy="0"/>
+          <a:chOff x="0" y="0"/>
+          <a:chExt cx="0" cy="0"/>
+        </a:xfrm>
+      </p:grpSpPr>
+      <p:pic>
+        <p:nvPicPr>
+          <p:cNvPr id="4" name="Image 3"/>
+          <p:cNvPicPr>
+            <a:picLocks noChangeAspect="1"/>
+          </p:cNvPicPr>
+          <p:nvPr/>
+        </p:nvPicPr>
+        <p:blipFill>
+          <a:blip r:embed="rId2"/>
+          <a:stretch>
+            <a:fillRect/>
+          </a:stretch>
+        </p:blipFill>
+        <p:spPr>
+          <a:xfrm>
+            <a:off x="3251199" y="1460368"/>
+            <a:ext cx="6315363" cy="4724341"/>
+          </a:xfrm>
+          <a:prstGeom prst="rect">
+            <a:avLst/>
+          </a:prstGeom>
+        </p:spPr>
+      </p:pic>
+      <p:sp>
+        <p:nvSpPr>
+          <p:cNvPr id="2" name="Titre 1"/>
+          <p:cNvSpPr>
+            <a:spLocks noGrp="1"/>
+          </p:cNvSpPr>
+          <p:nvPr>
+            <p:ph type="title"/>
+          </p:nvPr>
+        </p:nvSpPr>
+        <p:spPr/>
+        <p:txBody>
+          <a:bodyPr/>
+          <a:lstStyle/>
+          <a:p>
+            <a:pPr algn="ctr"/>
+            <a:r>
+              <a:rPr lang="fr-FR" dirty="0" smtClean="0"/>
+              <a:t>Simulation et émulation</a:t>
+            </a:r>
+            <a:endParaRPr lang="en-US" dirty="0"/>
+          </a:p>
+        </p:txBody>
+      </p:sp>
+      <p:sp>
+        <p:nvSpPr>
+          <p:cNvPr id="3" name="Espace réservé du contenu 2"/>
+          <p:cNvSpPr>
+            <a:spLocks noGrp="1"/>
+          </p:cNvSpPr>
+          <p:nvPr>
+            <p:ph idx="1"/>
+          </p:nvPr>
+        </p:nvSpPr>
+        <p:spPr/>
+        <p:txBody>
+          <a:bodyPr/>
+          <a:lstStyle/>
+          <a:p>
+            <a:pPr marL="0" indent="0">
+              <a:buNone/>
+            </a:pPr>
+            <a:endParaRPr lang="fr-FR" dirty="0" smtClean="0">
+              <a:latin typeface="+mj-lt"/>
+            </a:endParaRPr>
+          </a:p>
+          <a:p>
+            <a:pPr>
+              <a:buFontTx/>
+              <a:buChar char="-"/>
+            </a:pPr>
+            <a:endParaRPr lang="fr-FR" dirty="0" smtClean="0">
+              <a:latin typeface="+mj-lt"/>
+            </a:endParaRPr>
+          </a:p>
+          <a:p>
+            <a:endParaRPr lang="en-US" dirty="0">
+              <a:latin typeface="+mj-lt"/>
+            </a:endParaRPr>
+          </a:p>
+        </p:txBody>
+      </p:sp>
+      <p:sp>
+        <p:nvSpPr>
+          <p:cNvPr id="5" name="Rectangle 4"/>
+          <p:cNvSpPr/>
+          <p:nvPr/>
+        </p:nvSpPr>
+        <p:spPr>
+          <a:xfrm>
+            <a:off x="-1" y="6192456"/>
+            <a:ext cx="12192000" cy="702474"/>
+          </a:xfrm>
+          <a:prstGeom prst="rect">
+            <a:avLst/>
+          </a:prstGeom>
+          <a:solidFill>
+            <a:schemeClr val="tx1"/>
+          </a:solidFill>
+          <a:ln>
+            <a:noFill/>
+          </a:ln>
+        </p:spPr>
+        <p:style>
+          <a:lnRef idx="2">
+            <a:schemeClr val="accent1">
+              <a:shade val="50000"/>
+            </a:schemeClr>
+          </a:lnRef>
+          <a:fillRef idx="1">
+            <a:schemeClr val="accent1"/>
+          </a:fillRef>
+          <a:effectRef idx="0">
+            <a:schemeClr val="accent1"/>
+          </a:effectRef>
+          <a:fontRef idx="minor">
+            <a:schemeClr val="lt1"/>
+          </a:fontRef>
+        </p:style>
+        <p:txBody>
+          <a:bodyPr rtlCol="0" anchor="ctr"/>
+          <a:lstStyle/>
+          <a:p>
+            <a:pPr algn="ctr"/>
+            <a:endParaRPr lang="en-US"/>
+          </a:p>
+        </p:txBody>
+      </p:sp>
+      <p:sp>
+        <p:nvSpPr>
+          <p:cNvPr id="6" name="Rectangle 5"/>
+          <p:cNvSpPr/>
+          <p:nvPr/>
+        </p:nvSpPr>
+        <p:spPr>
+          <a:xfrm>
+            <a:off x="112643" y="6331946"/>
+            <a:ext cx="2103783" cy="423493"/>
+          </a:xfrm>
+          <a:prstGeom prst="rect">
+            <a:avLst/>
+          </a:prstGeom>
+          <a:noFill/>
+          <a:ln>
+            <a:noFill/>
+          </a:ln>
+        </p:spPr>
+        <p:style>
+          <a:lnRef idx="2">
+            <a:schemeClr val="accent1">
+              <a:shade val="50000"/>
+            </a:schemeClr>
+          </a:lnRef>
+          <a:fillRef idx="1">
+            <a:schemeClr val="accent1"/>
+          </a:fillRef>
+          <a:effectRef idx="0">
+            <a:schemeClr val="accent1"/>
+          </a:effectRef>
+          <a:fontRef idx="minor">
+            <a:schemeClr val="lt1"/>
+          </a:fontRef>
+        </p:style>
+        <p:txBody>
+          <a:bodyPr rtlCol="0" anchor="ctr"/>
+          <a:lstStyle/>
+          <a:p>
+            <a:pPr algn="ctr"/>
+            <a:r>
+              <a:rPr lang="fr-FR" dirty="0" smtClean="0">
+                <a:solidFill>
+                  <a:srgbClr val="FFFF00"/>
+                </a:solidFill>
+                <a:latin typeface="+mj-lt"/>
+                <a:ea typeface="Verdana" panose="020B0604030504040204" pitchFamily="34" charset="0"/>
+              </a:rPr>
+              <a:t>Mémoire de licence</a:t>
+            </a:r>
+            <a:endParaRPr lang="en-US" dirty="0">
+              <a:solidFill>
+                <a:srgbClr val="FFFF00"/>
+              </a:solidFill>
+              <a:latin typeface="+mj-lt"/>
+              <a:ea typeface="Verdana" panose="020B0604030504040204" pitchFamily="34" charset="0"/>
+            </a:endParaRPr>
+          </a:p>
+        </p:txBody>
+      </p:sp>
+      <p:sp>
+        <p:nvSpPr>
+          <p:cNvPr id="7" name="Rectangle 6"/>
+          <p:cNvSpPr/>
+          <p:nvPr/>
+        </p:nvSpPr>
+        <p:spPr>
+          <a:xfrm>
+            <a:off x="10628242" y="6331945"/>
+            <a:ext cx="1451113" cy="423493"/>
+          </a:xfrm>
+          <a:prstGeom prst="rect">
+            <a:avLst/>
+          </a:prstGeom>
+          <a:noFill/>
+          <a:ln>
+            <a:noFill/>
+          </a:ln>
+        </p:spPr>
+        <p:style>
+          <a:lnRef idx="2">
+            <a:schemeClr val="accent1">
+              <a:shade val="50000"/>
+            </a:schemeClr>
+          </a:lnRef>
+          <a:fillRef idx="1">
+            <a:schemeClr val="accent1"/>
+          </a:fillRef>
+          <a:effectRef idx="0">
+            <a:schemeClr val="accent1"/>
+          </a:effectRef>
+          <a:fontRef idx="minor">
+            <a:schemeClr val="lt1"/>
+          </a:fontRef>
+        </p:style>
+        <p:txBody>
+          <a:bodyPr rtlCol="0" anchor="ctr"/>
+          <a:lstStyle/>
+          <a:p>
+            <a:pPr algn="ctr"/>
+            <a:r>
+              <a:rPr lang="fr-FR" dirty="0" smtClean="0">
+                <a:latin typeface="+mj-lt"/>
+                <a:ea typeface="Verdana" panose="020B0604030504040204" pitchFamily="34" charset="0"/>
+              </a:rPr>
+              <a:t>UF/ENI/2024</a:t>
+            </a:r>
+            <a:endParaRPr lang="en-US" dirty="0">
+              <a:latin typeface="+mj-lt"/>
+              <a:ea typeface="Verdana" panose="020B0604030504040204" pitchFamily="34" charset="0"/>
+            </a:endParaRPr>
+          </a:p>
+        </p:txBody>
+      </p:sp>
+      <p:sp>
+        <p:nvSpPr>
+          <p:cNvPr id="8" name="Rectangle 7"/>
+          <p:cNvSpPr/>
+          <p:nvPr/>
+        </p:nvSpPr>
+        <p:spPr>
+          <a:xfrm>
+            <a:off x="193746" y="134398"/>
+            <a:ext cx="1742265" cy="1536302"/>
+          </a:xfrm>
+          <a:prstGeom prst="rect">
+            <a:avLst/>
+          </a:prstGeom>
+          <a:noFill/>
+          <a:ln>
+            <a:noFill/>
+          </a:ln>
+        </p:spPr>
+        <p:style>
+          <a:lnRef idx="2">
+            <a:schemeClr val="accent1">
+              <a:shade val="50000"/>
+            </a:schemeClr>
+          </a:lnRef>
+          <a:fillRef idx="1">
+            <a:schemeClr val="accent1"/>
+          </a:fillRef>
+          <a:effectRef idx="0">
+            <a:schemeClr val="accent1"/>
+          </a:effectRef>
+          <a:fontRef idx="minor">
+            <a:schemeClr val="lt1"/>
+          </a:fontRef>
+        </p:style>
+        <p:txBody>
+          <a:bodyPr rtlCol="0" anchor="ctr"/>
+          <a:lstStyle/>
+          <a:p>
+            <a:pPr algn="ctr"/>
+            <a:r>
+              <a:rPr lang="fr-FR" sz="8000" dirty="0" smtClean="0">
+                <a:ln>
+                  <a:solidFill>
+                    <a:schemeClr val="tx1"/>
+                  </a:solidFill>
+                </a:ln>
+                <a:latin typeface="Arial Black" panose="020B0A04020102020204" pitchFamily="34" charset="0"/>
+              </a:rPr>
+              <a:t>#4</a:t>
+            </a:r>
+            <a:endParaRPr lang="en-US" sz="8000" dirty="0">
+              <a:ln>
+                <a:solidFill>
+                  <a:schemeClr val="tx1"/>
+                </a:solidFill>
+              </a:ln>
+              <a:latin typeface="Arial Black" panose="020B0A04020102020204" pitchFamily="34" charset="0"/>
+            </a:endParaRPr>
+          </a:p>
+        </p:txBody>
+      </p:sp>
+    </p:spTree>
+    <p:extLst>
+      <p:ext uri="{BB962C8B-B14F-4D97-AF65-F5344CB8AC3E}">
+        <p14:creationId xmlns:p14="http://schemas.microsoft.com/office/powerpoint/2010/main" val="3079845071"/>
+      </p:ext>
+    </p:extLst>
+  </p:cSld>
+  <p:clrMapOvr>
+    <a:masterClrMapping/>
+  </p:clrMapOvr>
+  <mc:AlternateContent xmlns:mc="http://schemas.openxmlformats.org/markup-compatibility/2006" xmlns:p14="http://schemas.microsoft.com/office/powerpoint/2010/main">
+    <mc:Choice Requires="p14">
+      <p:transition p14:dur="0"/>
+    </mc:Choice>
+    <mc:Fallback xmlns="">
+      <p:transition/>
+    </mc:Fallback>
+  </mc:AlternateContent>
+  <p:timing>
+    <p:tnLst>
+      <p:par>
+        <p:cTn id="1" dur="indefinite" restart="never" nodeType="tmRoot"/>
+      </p:par>
+    </p:tnLst>
+  </p:timing>
+</p:sld>
+</file>
+
+<file path=ppt/slides/slide9.xml><?xml version="1.0" encoding="utf-8"?>
+<p:sld xmlns:a="http://schemas.openxmlformats.org/drawingml/2006/main" xmlns:r="http://schemas.openxmlformats.org/officeDocument/2006/relationships" xmlns:p="http://schemas.openxmlformats.org/presentationml/2006/main">
+  <p:cSld>
+    <p:spTree>
+      <p:nvGrpSpPr>
+        <p:cNvPr id="1" name=""/>
+        <p:cNvGrpSpPr/>
+        <p:nvPr/>
+      </p:nvGrpSpPr>
+      <p:grpSpPr>
+        <a:xfrm>
+          <a:off x="0" y="0"/>
+          <a:ext cx="0" cy="0"/>
+          <a:chOff x="0" y="0"/>
+          <a:chExt cx="0" cy="0"/>
+        </a:xfrm>
+      </p:grpSpPr>
+      <p:sp>
+        <p:nvSpPr>
+          <p:cNvPr id="2" name="Titre 1"/>
+          <p:cNvSpPr>
+            <a:spLocks noGrp="1"/>
+          </p:cNvSpPr>
+          <p:nvPr>
+            <p:ph type="title"/>
+          </p:nvPr>
+        </p:nvSpPr>
+        <p:spPr/>
+        <p:txBody>
+          <a:bodyPr/>
+          <a:lstStyle/>
+          <a:p>
+            <a:pPr algn="ctr"/>
+            <a:r>
+              <a:rPr lang="fr-FR" dirty="0" smtClean="0"/>
+              <a:t>Résultats attendus</a:t>
+            </a:r>
+            <a:endParaRPr lang="en-US" dirty="0"/>
+          </a:p>
+        </p:txBody>
+      </p:sp>
+      <p:sp>
+        <p:nvSpPr>
+          <p:cNvPr id="3" name="Espace réservé du contenu 2"/>
+          <p:cNvSpPr>
+            <a:spLocks noGrp="1"/>
+          </p:cNvSpPr>
+          <p:nvPr>
+            <p:ph idx="1"/>
+          </p:nvPr>
+        </p:nvSpPr>
+        <p:spPr/>
+        <p:txBody>
+          <a:bodyPr/>
+          <a:lstStyle/>
+          <a:p>
+            <a:pPr marL="0" indent="0">
+              <a:buNone/>
+            </a:pPr>
+            <a:endParaRPr lang="fr-FR" dirty="0" smtClean="0">
+              <a:latin typeface="+mj-lt"/>
+            </a:endParaRPr>
+          </a:p>
+          <a:p>
+            <a:pPr>
+              <a:buFontTx/>
+              <a:buChar char="-"/>
+            </a:pPr>
+            <a:endParaRPr lang="fr-FR" dirty="0" smtClean="0">
+              <a:latin typeface="+mj-lt"/>
+            </a:endParaRPr>
+          </a:p>
+          <a:p>
+            <a:endParaRPr lang="en-US" dirty="0">
+              <a:latin typeface="+mj-lt"/>
+            </a:endParaRPr>
+          </a:p>
+        </p:txBody>
+      </p:sp>
+      <p:sp>
+        <p:nvSpPr>
+          <p:cNvPr id="5" name="Rectangle 4"/>
+          <p:cNvSpPr/>
+          <p:nvPr/>
+        </p:nvSpPr>
+        <p:spPr>
+          <a:xfrm>
+            <a:off x="-1" y="6192456"/>
+            <a:ext cx="12192000" cy="702474"/>
+          </a:xfrm>
+          <a:prstGeom prst="rect">
+            <a:avLst/>
+          </a:prstGeom>
+          <a:solidFill>
+            <a:schemeClr val="tx1"/>
+          </a:solidFill>
+          <a:ln>
+            <a:noFill/>
+          </a:ln>
+        </p:spPr>
+        <p:style>
+          <a:lnRef idx="2">
+            <a:schemeClr val="accent1">
+              <a:shade val="50000"/>
+            </a:schemeClr>
+          </a:lnRef>
+          <a:fillRef idx="1">
+            <a:schemeClr val="accent1"/>
+          </a:fillRef>
+          <a:effectRef idx="0">
+            <a:schemeClr val="accent1"/>
+          </a:effectRef>
+          <a:fontRef idx="minor">
+            <a:schemeClr val="lt1"/>
+          </a:fontRef>
+        </p:style>
+        <p:txBody>
+          <a:bodyPr rtlCol="0" anchor="ctr"/>
+          <a:lstStyle/>
+          <a:p>
+            <a:pPr algn="ctr"/>
+            <a:endParaRPr lang="en-US"/>
+          </a:p>
+        </p:txBody>
+      </p:sp>
+      <p:sp>
+        <p:nvSpPr>
+          <p:cNvPr id="6" name="Rectangle 5"/>
+          <p:cNvSpPr/>
+          <p:nvPr/>
+        </p:nvSpPr>
+        <p:spPr>
+          <a:xfrm>
+            <a:off x="112643" y="6331946"/>
+            <a:ext cx="2103783" cy="423493"/>
+          </a:xfrm>
+          <a:prstGeom prst="rect">
+            <a:avLst/>
+          </a:prstGeom>
+          <a:noFill/>
+          <a:ln>
+            <a:noFill/>
+          </a:ln>
+        </p:spPr>
+        <p:style>
+          <a:lnRef idx="2">
+            <a:schemeClr val="accent1">
+              <a:shade val="50000"/>
+            </a:schemeClr>
+          </a:lnRef>
+          <a:fillRef idx="1">
+            <a:schemeClr val="accent1"/>
+          </a:fillRef>
+          <a:effectRef idx="0">
+            <a:schemeClr val="accent1"/>
+          </a:effectRef>
+          <a:fontRef idx="minor">
+            <a:schemeClr val="lt1"/>
+          </a:fontRef>
+        </p:style>
+        <p:txBody>
+          <a:bodyPr rtlCol="0" anchor="ctr"/>
+          <a:lstStyle/>
+          <a:p>
+            <a:pPr algn="ctr"/>
+            <a:r>
+              <a:rPr lang="fr-FR" dirty="0" smtClean="0">
+                <a:solidFill>
+                  <a:srgbClr val="FFFF00"/>
+                </a:solidFill>
+                <a:latin typeface="+mj-lt"/>
+                <a:ea typeface="Verdana" panose="020B0604030504040204" pitchFamily="34" charset="0"/>
+              </a:rPr>
+              <a:t>Mémoire de licence</a:t>
+            </a:r>
+            <a:endParaRPr lang="en-US" dirty="0">
+              <a:solidFill>
+                <a:srgbClr val="FFFF00"/>
+              </a:solidFill>
+              <a:latin typeface="+mj-lt"/>
+              <a:ea typeface="Verdana" panose="020B0604030504040204" pitchFamily="34" charset="0"/>
+            </a:endParaRPr>
+          </a:p>
+        </p:txBody>
+      </p:sp>
+      <p:sp>
+        <p:nvSpPr>
+          <p:cNvPr id="7" name="Rectangle 6"/>
+          <p:cNvSpPr/>
+          <p:nvPr/>
+        </p:nvSpPr>
+        <p:spPr>
+          <a:xfrm>
+            <a:off x="10628242" y="6331945"/>
+            <a:ext cx="1451113" cy="423493"/>
+          </a:xfrm>
+          <a:prstGeom prst="rect">
+            <a:avLst/>
+          </a:prstGeom>
+          <a:noFill/>
+          <a:ln>
+            <a:noFill/>
+          </a:ln>
+        </p:spPr>
+        <p:style>
+          <a:lnRef idx="2">
+            <a:schemeClr val="accent1">
+              <a:shade val="50000"/>
+            </a:schemeClr>
+          </a:lnRef>
+          <a:fillRef idx="1">
+            <a:schemeClr val="accent1"/>
+          </a:fillRef>
+          <a:effectRef idx="0">
+            <a:schemeClr val="accent1"/>
+          </a:effectRef>
+          <a:fontRef idx="minor">
+            <a:schemeClr val="lt1"/>
+          </a:fontRef>
+        </p:style>
+        <p:txBody>
+          <a:bodyPr rtlCol="0" anchor="ctr"/>
+          <a:lstStyle/>
+          <a:p>
+            <a:pPr algn="ctr"/>
+            <a:r>
+              <a:rPr lang="fr-FR" dirty="0" smtClean="0">
+                <a:latin typeface="+mj-lt"/>
+                <a:ea typeface="Verdana" panose="020B0604030504040204" pitchFamily="34" charset="0"/>
+              </a:rPr>
+              <a:t>UF/ENI/2024</a:t>
+            </a:r>
+            <a:endParaRPr lang="en-US" dirty="0">
+              <a:latin typeface="+mj-lt"/>
+              <a:ea typeface="Verdana" panose="020B0604030504040204" pitchFamily="34" charset="0"/>
+            </a:endParaRPr>
+          </a:p>
+        </p:txBody>
+      </p:sp>
+      <p:sp>
+        <p:nvSpPr>
+          <p:cNvPr id="8" name="Rectangle 7"/>
+          <p:cNvSpPr/>
+          <p:nvPr/>
+        </p:nvSpPr>
+        <p:spPr>
+          <a:xfrm>
+            <a:off x="193746" y="134398"/>
+            <a:ext cx="1742265" cy="1536302"/>
+          </a:xfrm>
+          <a:prstGeom prst="rect">
+            <a:avLst/>
+          </a:prstGeom>
+          <a:noFill/>
+          <a:ln>
+            <a:noFill/>
+          </a:ln>
+        </p:spPr>
+        <p:style>
+          <a:lnRef idx="2">
+            <a:schemeClr val="accent1">
+              <a:shade val="50000"/>
+            </a:schemeClr>
+          </a:lnRef>
+          <a:fillRef idx="1">
+            <a:schemeClr val="accent1"/>
+          </a:fillRef>
+          <a:effectRef idx="0">
+            <a:schemeClr val="accent1"/>
+          </a:effectRef>
+          <a:fontRef idx="minor">
+            <a:schemeClr val="lt1"/>
+          </a:fontRef>
+        </p:style>
+        <p:txBody>
+          <a:bodyPr rtlCol="0" anchor="ctr"/>
+          <a:lstStyle/>
+          <a:p>
+            <a:pPr algn="ctr"/>
+            <a:r>
+              <a:rPr lang="fr-FR" sz="8000" dirty="0" smtClean="0">
+                <a:ln>
+                  <a:solidFill>
+                    <a:schemeClr val="tx1"/>
+                  </a:solidFill>
+                </a:ln>
+                <a:latin typeface="Arial Black" panose="020B0A04020102020204" pitchFamily="34" charset="0"/>
+              </a:rPr>
+              <a:t>#5</a:t>
+            </a:r>
+            <a:endParaRPr lang="en-US" sz="8000" dirty="0">
+              <a:ln>
+                <a:solidFill>
+                  <a:schemeClr val="tx1"/>
+                </a:solidFill>
+              </a:ln>
+              <a:latin typeface="Arial Black" panose="020B0A04020102020204" pitchFamily="34" charset="0"/>
+            </a:endParaRPr>
+          </a:p>
+        </p:txBody>
+      </p:sp>
+    </p:spTree>
+    <p:extLst>
+      <p:ext uri="{BB962C8B-B14F-4D97-AF65-F5344CB8AC3E}">
+        <p14:creationId xmlns:p14="http://schemas.microsoft.com/office/powerpoint/2010/main" val="2029061422"/>
+      </p:ext>
+    </p:extLst>
+  </p:cSld>
+  <p:clrMapOvr>
+    <a:masterClrMapping/>
+  </p:clrMapOvr>
+  <mc:AlternateContent xmlns:mc="http://schemas.openxmlformats.org/markup-compatibility/2006" xmlns:p14="http://schemas.microsoft.com/office/powerpoint/2010/main">
+    <mc:Choice Requires="p14">
+      <p:transition p14:dur="0"/>
+    </mc:Choice>
+    <mc:Fallback xmlns="">
+      <p:transition/>
+    </mc:Fallback>
+  </mc:AlternateContent>
+  <p:timing>
+    <p:tnLst>
+      <p:par>
+        <p:cTn id="1" dur="indefinite" restart="never" nodeType="tmRoot"/>
+      </p:par>
+    </p:tnLst>
+  </p:timing>
 </p:sld>
 </file>
 
@@ -4007,39 +7919,39 @@
         <a:sysClr val="window" lastClr="FFFFFF"/>
       </a:lt1>
       <a:dk2>
-        <a:srgbClr val="0E2841"/>
+        <a:srgbClr val="44546A"/>
       </a:dk2>
       <a:lt2>
-        <a:srgbClr val="E8E8E8"/>
+        <a:srgbClr val="E7E6E6"/>
       </a:lt2>
       <a:accent1>
-        <a:srgbClr val="156082"/>
+        <a:srgbClr val="5B9BD5"/>
       </a:accent1>
       <a:accent2>
-        <a:srgbClr val="E97132"/>
+        <a:srgbClr val="ED7D31"/>
       </a:accent2>
       <a:accent3>
-        <a:srgbClr val="196B24"/>
+        <a:srgbClr val="A5A5A5"/>
       </a:accent3>
       <a:accent4>
-        <a:srgbClr val="0F9ED5"/>
+        <a:srgbClr val="FFC000"/>
       </a:accent4>
       <a:accent5>
-        <a:srgbClr val="A02B93"/>
+        <a:srgbClr val="4472C4"/>
       </a:accent5>
       <a:accent6>
-        <a:srgbClr val="4EA72E"/>
+        <a:srgbClr val="70AD47"/>
       </a:accent6>
       <a:hlink>
-        <a:srgbClr val="467886"/>
+        <a:srgbClr val="0563C1"/>
       </a:hlink>
       <a:folHlink>
-        <a:srgbClr val="96607D"/>
+        <a:srgbClr val="954F72"/>
       </a:folHlink>
     </a:clrScheme>
     <a:fontScheme name="Office">
       <a:majorFont>
-        <a:latin typeface="Aptos Display" panose="02110004020202020204"/>
+        <a:latin typeface="Calibri Light" panose="020F0302020204030204"/>
         <a:ea typeface=""/>
         <a:cs typeface=""/>
         <a:font script="Jpan" typeface="游ゴシック Light"/>
@@ -4072,26 +7984,9 @@
         <a:font script="Viet" typeface="Times New Roman"/>
         <a:font script="Uigh" typeface="Microsoft Uighur"/>
         <a:font script="Geor" typeface="Sylfaen"/>
-        <a:font script="Armn" typeface="Arial"/>
-        <a:font script="Bugi" typeface="Leelawadee UI"/>
-        <a:font script="Bopo" typeface="Microsoft JhengHei"/>
-        <a:font script="Java" typeface="Javanese Text"/>
-        <a:font script="Lisu" typeface="Segoe UI"/>
-        <a:font script="Mymr" typeface="Myanmar Text"/>
-        <a:font script="Nkoo" typeface="Ebrima"/>
-        <a:font script="Olck" typeface="Nirmala UI"/>
-        <a:font script="Osma" typeface="Ebrima"/>
-        <a:font script="Phag" typeface="Phagspa"/>
-        <a:font script="Syrn" typeface="Estrangelo Edessa"/>
-        <a:font script="Syrj" typeface="Estrangelo Edessa"/>
-        <a:font script="Syre" typeface="Estrangelo Edessa"/>
-        <a:font script="Sora" typeface="Nirmala UI"/>
-        <a:font script="Tale" typeface="Microsoft Tai Le"/>
-        <a:font script="Talu" typeface="Microsoft New Tai Lue"/>
-        <a:font script="Tfng" typeface="Ebrima"/>
       </a:majorFont>
       <a:minorFont>
-        <a:latin typeface="Aptos" panose="02110004020202020204"/>
+        <a:latin typeface="Calibri" panose="020F0502020204030204"/>
         <a:ea typeface=""/>
         <a:cs typeface=""/>
         <a:font script="Jpan" typeface="游ゴシック"/>
@@ -4124,23 +8019,6 @@
         <a:font script="Viet" typeface="Arial"/>
         <a:font script="Uigh" typeface="Microsoft Uighur"/>
         <a:font script="Geor" typeface="Sylfaen"/>
-        <a:font script="Armn" typeface="Arial"/>
-        <a:font script="Bugi" typeface="Leelawadee UI"/>
-        <a:font script="Bopo" typeface="Microsoft JhengHei"/>
-        <a:font script="Java" typeface="Javanese Text"/>
-        <a:font script="Lisu" typeface="Segoe UI"/>
-        <a:font script="Mymr" typeface="Myanmar Text"/>
-        <a:font script="Nkoo" typeface="Ebrima"/>
-        <a:font script="Olck" typeface="Nirmala UI"/>
-        <a:font script="Osma" typeface="Ebrima"/>
-        <a:font script="Phag" typeface="Phagspa"/>
-        <a:font script="Syrn" typeface="Estrangelo Edessa"/>
-        <a:font script="Syrj" typeface="Estrangelo Edessa"/>
-        <a:font script="Syre" typeface="Estrangelo Edessa"/>
-        <a:font script="Sora" typeface="Nirmala UI"/>
-        <a:font script="Tale" typeface="Microsoft Tai Le"/>
-        <a:font script="Talu" typeface="Microsoft New Tai Lue"/>
-        <a:font script="Tfng" typeface="Ebrima"/>
       </a:minorFont>
     </a:fontScheme>
     <a:fmtScheme name="Office">
@@ -4202,6 +8080,13 @@
         </a:gradFill>
       </a:fillStyleLst>
       <a:lnStyleLst>
+        <a:ln w="6350" cap="flat" cmpd="sng" algn="ctr">
+          <a:solidFill>
+            <a:schemeClr val="phClr"/>
+          </a:solidFill>
+          <a:prstDash val="solid"/>
+          <a:miter lim="800000"/>
+        </a:ln>
         <a:ln w="12700" cap="flat" cmpd="sng" algn="ctr">
           <a:solidFill>
             <a:schemeClr val="phClr"/>
@@ -4210,13 +8095,6 @@
           <a:miter lim="800000"/>
         </a:ln>
         <a:ln w="19050" cap="flat" cmpd="sng" algn="ctr">
-          <a:solidFill>
-            <a:schemeClr val="phClr"/>
-          </a:solidFill>
-          <a:prstDash val="solid"/>
-          <a:miter lim="800000"/>
-        </a:ln>
-        <a:ln w="25400" cap="flat" cmpd="sng" algn="ctr">
           <a:solidFill>
             <a:schemeClr val="phClr"/>
           </a:solidFill>
@@ -4281,31 +8159,272 @@
       </a:bgFillStyleLst>
     </a:fmtScheme>
   </a:themeElements>
-  <a:objectDefaults>
-    <a:lnDef>
-      <a:spPr/>
-      <a:bodyPr/>
-      <a:lstStyle/>
-      <a:style>
-        <a:lnRef idx="2">
-          <a:schemeClr val="accent1"/>
-        </a:lnRef>
-        <a:fillRef idx="0">
-          <a:schemeClr val="accent1"/>
-        </a:fillRef>
-        <a:effectRef idx="1">
-          <a:schemeClr val="accent1"/>
-        </a:effectRef>
-        <a:fontRef idx="minor">
-          <a:schemeClr val="tx1"/>
-        </a:fontRef>
-      </a:style>
-    </a:lnDef>
-  </a:objectDefaults>
+  <a:objectDefaults/>
   <a:extraClrSchemeLst/>
   <a:extLst>
     <a:ext uri="{05A4C25C-085E-4340-85A3-A5531E510DB2}">
-      <thm15:themeFamily xmlns:thm15="http://schemas.microsoft.com/office/thememl/2012/main" name="Office Theme" id="{2E142A2C-CD16-42D6-873A-C26D2A0506FA}" vid="{1BDDFF52-6CD6-40A5-AB3C-68EB2F1E4D0A}"/>
+      <thm15:themeFamily xmlns:thm15="http://schemas.microsoft.com/office/thememl/2012/main" name="Office Theme" id="{62F939B6-93AF-4DB8-9C6B-D6C7DFDC589F}" vid="{4A3C46E8-61CC-4603-A589-7422A47A8E4A}"/>
+    </a:ext>
+  </a:extLst>
+</a:theme>
+</file>
+
+<file path=ppt/theme/theme2.xml><?xml version="1.0" encoding="utf-8"?>
+<a:theme xmlns:a="http://schemas.openxmlformats.org/drawingml/2006/main" name="Thème Office">
+  <a:themeElements>
+    <a:clrScheme name="Office">
+      <a:dk1>
+        <a:sysClr val="windowText" lastClr="000000"/>
+      </a:dk1>
+      <a:lt1>
+        <a:sysClr val="window" lastClr="FFFFFF"/>
+      </a:lt1>
+      <a:dk2>
+        <a:srgbClr val="44546A"/>
+      </a:dk2>
+      <a:lt2>
+        <a:srgbClr val="E7E6E6"/>
+      </a:lt2>
+      <a:accent1>
+        <a:srgbClr val="5B9BD5"/>
+      </a:accent1>
+      <a:accent2>
+        <a:srgbClr val="ED7D31"/>
+      </a:accent2>
+      <a:accent3>
+        <a:srgbClr val="A5A5A5"/>
+      </a:accent3>
+      <a:accent4>
+        <a:srgbClr val="FFC000"/>
+      </a:accent4>
+      <a:accent5>
+        <a:srgbClr val="4472C4"/>
+      </a:accent5>
+      <a:accent6>
+        <a:srgbClr val="70AD47"/>
+      </a:accent6>
+      <a:hlink>
+        <a:srgbClr val="0563C1"/>
+      </a:hlink>
+      <a:folHlink>
+        <a:srgbClr val="954F72"/>
+      </a:folHlink>
+    </a:clrScheme>
+    <a:fontScheme name="Office">
+      <a:majorFont>
+        <a:latin typeface="Calibri Light" panose="020F0302020204030204"/>
+        <a:ea typeface=""/>
+        <a:cs typeface=""/>
+        <a:font script="Jpan" typeface="游ゴシック Light"/>
+        <a:font script="Hang" typeface="맑은 고딕"/>
+        <a:font script="Hans" typeface="等线 Light"/>
+        <a:font script="Hant" typeface="新細明體"/>
+        <a:font script="Arab" typeface="Times New Roman"/>
+        <a:font script="Hebr" typeface="Times New Roman"/>
+        <a:font script="Thai" typeface="Angsana New"/>
+        <a:font script="Ethi" typeface="Nyala"/>
+        <a:font script="Beng" typeface="Vrinda"/>
+        <a:font script="Gujr" typeface="Shruti"/>
+        <a:font script="Khmr" typeface="MoolBoran"/>
+        <a:font script="Knda" typeface="Tunga"/>
+        <a:font script="Guru" typeface="Raavi"/>
+        <a:font script="Cans" typeface="Euphemia"/>
+        <a:font script="Cher" typeface="Plantagenet Cherokee"/>
+        <a:font script="Yiii" typeface="Microsoft Yi Baiti"/>
+        <a:font script="Tibt" typeface="Microsoft Himalaya"/>
+        <a:font script="Thaa" typeface="MV Boli"/>
+        <a:font script="Deva" typeface="Mangal"/>
+        <a:font script="Telu" typeface="Gautami"/>
+        <a:font script="Taml" typeface="Latha"/>
+        <a:font script="Syrc" typeface="Estrangelo Edessa"/>
+        <a:font script="Orya" typeface="Kalinga"/>
+        <a:font script="Mlym" typeface="Kartika"/>
+        <a:font script="Laoo" typeface="DokChampa"/>
+        <a:font script="Sinh" typeface="Iskoola Pota"/>
+        <a:font script="Mong" typeface="Mongolian Baiti"/>
+        <a:font script="Viet" typeface="Times New Roman"/>
+        <a:font script="Uigh" typeface="Microsoft Uighur"/>
+        <a:font script="Geor" typeface="Sylfaen"/>
+      </a:majorFont>
+      <a:minorFont>
+        <a:latin typeface="Calibri" panose="020F0502020204030204"/>
+        <a:ea typeface=""/>
+        <a:cs typeface=""/>
+        <a:font script="Jpan" typeface="游ゴシック"/>
+        <a:font script="Hang" typeface="맑은 고딕"/>
+        <a:font script="Hans" typeface="等线"/>
+        <a:font script="Hant" typeface="新細明體"/>
+        <a:font script="Arab" typeface="Arial"/>
+        <a:font script="Hebr" typeface="Arial"/>
+        <a:font script="Thai" typeface="Cordia New"/>
+        <a:font script="Ethi" typeface="Nyala"/>
+        <a:font script="Beng" typeface="Vrinda"/>
+        <a:font script="Gujr" typeface="Shruti"/>
+        <a:font script="Khmr" typeface="DaunPenh"/>
+        <a:font script="Knda" typeface="Tunga"/>
+        <a:font script="Guru" typeface="Raavi"/>
+        <a:font script="Cans" typeface="Euphemia"/>
+        <a:font script="Cher" typeface="Plantagenet Cherokee"/>
+        <a:font script="Yiii" typeface="Microsoft Yi Baiti"/>
+        <a:font script="Tibt" typeface="Microsoft Himalaya"/>
+        <a:font script="Thaa" typeface="MV Boli"/>
+        <a:font script="Deva" typeface="Mangal"/>
+        <a:font script="Telu" typeface="Gautami"/>
+        <a:font script="Taml" typeface="Latha"/>
+        <a:font script="Syrc" typeface="Estrangelo Edessa"/>
+        <a:font script="Orya" typeface="Kalinga"/>
+        <a:font script="Mlym" typeface="Kartika"/>
+        <a:font script="Laoo" typeface="DokChampa"/>
+        <a:font script="Sinh" typeface="Iskoola Pota"/>
+        <a:font script="Mong" typeface="Mongolian Baiti"/>
+        <a:font script="Viet" typeface="Arial"/>
+        <a:font script="Uigh" typeface="Microsoft Uighur"/>
+        <a:font script="Geor" typeface="Sylfaen"/>
+      </a:minorFont>
+    </a:fontScheme>
+    <a:fmtScheme name="Office">
+      <a:fillStyleLst>
+        <a:solidFill>
+          <a:schemeClr val="phClr"/>
+        </a:solidFill>
+        <a:gradFill rotWithShape="1">
+          <a:gsLst>
+            <a:gs pos="0">
+              <a:schemeClr val="phClr">
+                <a:lumMod val="110000"/>
+                <a:satMod val="105000"/>
+                <a:tint val="67000"/>
+              </a:schemeClr>
+            </a:gs>
+            <a:gs pos="50000">
+              <a:schemeClr val="phClr">
+                <a:lumMod val="105000"/>
+                <a:satMod val="103000"/>
+                <a:tint val="73000"/>
+              </a:schemeClr>
+            </a:gs>
+            <a:gs pos="100000">
+              <a:schemeClr val="phClr">
+                <a:lumMod val="105000"/>
+                <a:satMod val="109000"/>
+                <a:tint val="81000"/>
+              </a:schemeClr>
+            </a:gs>
+          </a:gsLst>
+          <a:lin ang="5400000" scaled="0"/>
+        </a:gradFill>
+        <a:gradFill rotWithShape="1">
+          <a:gsLst>
+            <a:gs pos="0">
+              <a:schemeClr val="phClr">
+                <a:satMod val="103000"/>
+                <a:lumMod val="102000"/>
+                <a:tint val="94000"/>
+              </a:schemeClr>
+            </a:gs>
+            <a:gs pos="50000">
+              <a:schemeClr val="phClr">
+                <a:satMod val="110000"/>
+                <a:lumMod val="100000"/>
+                <a:shade val="100000"/>
+              </a:schemeClr>
+            </a:gs>
+            <a:gs pos="100000">
+              <a:schemeClr val="phClr">
+                <a:lumMod val="99000"/>
+                <a:satMod val="120000"/>
+                <a:shade val="78000"/>
+              </a:schemeClr>
+            </a:gs>
+          </a:gsLst>
+          <a:lin ang="5400000" scaled="0"/>
+        </a:gradFill>
+      </a:fillStyleLst>
+      <a:lnStyleLst>
+        <a:ln w="6350" cap="flat" cmpd="sng" algn="ctr">
+          <a:solidFill>
+            <a:schemeClr val="phClr"/>
+          </a:solidFill>
+          <a:prstDash val="solid"/>
+          <a:miter lim="800000"/>
+        </a:ln>
+        <a:ln w="12700" cap="flat" cmpd="sng" algn="ctr">
+          <a:solidFill>
+            <a:schemeClr val="phClr"/>
+          </a:solidFill>
+          <a:prstDash val="solid"/>
+          <a:miter lim="800000"/>
+        </a:ln>
+        <a:ln w="19050" cap="flat" cmpd="sng" algn="ctr">
+          <a:solidFill>
+            <a:schemeClr val="phClr"/>
+          </a:solidFill>
+          <a:prstDash val="solid"/>
+          <a:miter lim="800000"/>
+        </a:ln>
+      </a:lnStyleLst>
+      <a:effectStyleLst>
+        <a:effectStyle>
+          <a:effectLst/>
+        </a:effectStyle>
+        <a:effectStyle>
+          <a:effectLst/>
+        </a:effectStyle>
+        <a:effectStyle>
+          <a:effectLst>
+            <a:outerShdw blurRad="57150" dist="19050" dir="5400000" algn="ctr" rotWithShape="0">
+              <a:srgbClr val="000000">
+                <a:alpha val="63000"/>
+              </a:srgbClr>
+            </a:outerShdw>
+          </a:effectLst>
+        </a:effectStyle>
+      </a:effectStyleLst>
+      <a:bgFillStyleLst>
+        <a:solidFill>
+          <a:schemeClr val="phClr"/>
+        </a:solidFill>
+        <a:solidFill>
+          <a:schemeClr val="phClr">
+            <a:tint val="95000"/>
+            <a:satMod val="170000"/>
+          </a:schemeClr>
+        </a:solidFill>
+        <a:gradFill rotWithShape="1">
+          <a:gsLst>
+            <a:gs pos="0">
+              <a:schemeClr val="phClr">
+                <a:tint val="93000"/>
+                <a:satMod val="150000"/>
+                <a:shade val="98000"/>
+                <a:lumMod val="102000"/>
+              </a:schemeClr>
+            </a:gs>
+            <a:gs pos="50000">
+              <a:schemeClr val="phClr">
+                <a:tint val="98000"/>
+                <a:satMod val="130000"/>
+                <a:shade val="90000"/>
+                <a:lumMod val="103000"/>
+              </a:schemeClr>
+            </a:gs>
+            <a:gs pos="100000">
+              <a:schemeClr val="phClr">
+                <a:shade val="63000"/>
+                <a:satMod val="120000"/>
+              </a:schemeClr>
+            </a:gs>
+          </a:gsLst>
+          <a:lin ang="5400000" scaled="0"/>
+        </a:gradFill>
+      </a:bgFillStyleLst>
+    </a:fmtScheme>
+  </a:themeElements>
+  <a:objectDefaults/>
+  <a:extraClrSchemeLst/>
+  <a:extLst>
+    <a:ext uri="{05A4C25C-085E-4340-85A3-A5531E510DB2}">
+      <thm15:themeFamily xmlns:thm15="http://schemas.microsoft.com/office/thememl/2012/main" name="Office Theme" id="{62F939B6-93AF-4DB8-9C6B-D6C7DFDC589F}" vid="{4A3C46E8-61CC-4603-A589-7422A47A8E4A}"/>
     </a:ext>
   </a:extLst>
 </a:theme>
